--- a/figures/Architecture Drawing.pptx
+++ b/figures/Architecture Drawing.pptx
@@ -154,7 +154,7 @@
           </a:lstStyle>
           <a:p>
             <a:r>
-              <a:rPr lang="en-US" smtClean="0"/>
+              <a:rPr lang="en-US"/>
               <a:t>Click to edit Master title style</a:t>
             </a:r>
             <a:endParaRPr lang="en-US" dirty="0"/>
@@ -219,7 +219,7 @@
           </a:lstStyle>
           <a:p>
             <a:r>
-              <a:rPr lang="en-US" smtClean="0"/>
+              <a:rPr lang="en-US"/>
               <a:t>Click to edit Master subtitle style</a:t>
             </a:r>
             <a:endParaRPr lang="en-US" dirty="0"/>
@@ -243,7 +243,7 @@
           <a:p>
             <a:fld id="{FE08EA3B-F59E-4D09-A908-09116ABC225E}" type="datetimeFigureOut">
               <a:rPr lang="en-US" smtClean="0"/>
-              <a:t>16-Feb-23</a:t>
+              <a:t>2/19/23</a:t>
             </a:fld>
             <a:endParaRPr lang="en-US"/>
           </a:p>
@@ -337,7 +337,7 @@
           <a:lstStyle/>
           <a:p>
             <a:r>
-              <a:rPr lang="en-US" smtClean="0"/>
+              <a:rPr lang="en-US"/>
               <a:t>Click to edit Master title style</a:t>
             </a:r>
             <a:endParaRPr lang="en-US" dirty="0"/>
@@ -361,35 +361,35 @@
           <a:p>
             <a:pPr lvl="0"/>
             <a:r>
-              <a:rPr lang="en-US" smtClean="0"/>
+              <a:rPr lang="en-US"/>
               <a:t>Edit Master text styles</a:t>
             </a:r>
           </a:p>
           <a:p>
             <a:pPr lvl="1"/>
             <a:r>
-              <a:rPr lang="en-US" smtClean="0"/>
+              <a:rPr lang="en-US"/>
               <a:t>Second level</a:t>
             </a:r>
           </a:p>
           <a:p>
             <a:pPr lvl="2"/>
             <a:r>
-              <a:rPr lang="en-US" smtClean="0"/>
+              <a:rPr lang="en-US"/>
               <a:t>Third level</a:t>
             </a:r>
           </a:p>
           <a:p>
             <a:pPr lvl="3"/>
             <a:r>
-              <a:rPr lang="en-US" smtClean="0"/>
+              <a:rPr lang="en-US"/>
               <a:t>Fourth level</a:t>
             </a:r>
           </a:p>
           <a:p>
             <a:pPr lvl="4"/>
             <a:r>
-              <a:rPr lang="en-US" smtClean="0"/>
+              <a:rPr lang="en-US"/>
               <a:t>Fifth level</a:t>
             </a:r>
             <a:endParaRPr lang="en-US" dirty="0"/>
@@ -413,7 +413,7 @@
           <a:p>
             <a:fld id="{FE08EA3B-F59E-4D09-A908-09116ABC225E}" type="datetimeFigureOut">
               <a:rPr lang="en-US" smtClean="0"/>
-              <a:t>16-Feb-23</a:t>
+              <a:t>2/19/23</a:t>
             </a:fld>
             <a:endParaRPr lang="en-US"/>
           </a:p>
@@ -512,7 +512,7 @@
           <a:lstStyle/>
           <a:p>
             <a:r>
-              <a:rPr lang="en-US" smtClean="0"/>
+              <a:rPr lang="en-US"/>
               <a:t>Click to edit Master title style</a:t>
             </a:r>
             <a:endParaRPr lang="en-US" dirty="0"/>
@@ -541,35 +541,35 @@
           <a:p>
             <a:pPr lvl="0"/>
             <a:r>
-              <a:rPr lang="en-US" smtClean="0"/>
+              <a:rPr lang="en-US"/>
               <a:t>Edit Master text styles</a:t>
             </a:r>
           </a:p>
           <a:p>
             <a:pPr lvl="1"/>
             <a:r>
-              <a:rPr lang="en-US" smtClean="0"/>
+              <a:rPr lang="en-US"/>
               <a:t>Second level</a:t>
             </a:r>
           </a:p>
           <a:p>
             <a:pPr lvl="2"/>
             <a:r>
-              <a:rPr lang="en-US" smtClean="0"/>
+              <a:rPr lang="en-US"/>
               <a:t>Third level</a:t>
             </a:r>
           </a:p>
           <a:p>
             <a:pPr lvl="3"/>
             <a:r>
-              <a:rPr lang="en-US" smtClean="0"/>
+              <a:rPr lang="en-US"/>
               <a:t>Fourth level</a:t>
             </a:r>
           </a:p>
           <a:p>
             <a:pPr lvl="4"/>
             <a:r>
-              <a:rPr lang="en-US" smtClean="0"/>
+              <a:rPr lang="en-US"/>
               <a:t>Fifth level</a:t>
             </a:r>
             <a:endParaRPr lang="en-US" dirty="0"/>
@@ -593,7 +593,7 @@
           <a:p>
             <a:fld id="{FE08EA3B-F59E-4D09-A908-09116ABC225E}" type="datetimeFigureOut">
               <a:rPr lang="en-US" smtClean="0"/>
-              <a:t>16-Feb-23</a:t>
+              <a:t>2/19/23</a:t>
             </a:fld>
             <a:endParaRPr lang="en-US"/>
           </a:p>
@@ -687,7 +687,7 @@
           <a:lstStyle/>
           <a:p>
             <a:r>
-              <a:rPr lang="en-US" smtClean="0"/>
+              <a:rPr lang="en-US"/>
               <a:t>Click to edit Master title style</a:t>
             </a:r>
             <a:endParaRPr lang="en-US" dirty="0"/>
@@ -711,35 +711,35 @@
           <a:p>
             <a:pPr lvl="0"/>
             <a:r>
-              <a:rPr lang="en-US" smtClean="0"/>
+              <a:rPr lang="en-US"/>
               <a:t>Edit Master text styles</a:t>
             </a:r>
           </a:p>
           <a:p>
             <a:pPr lvl="1"/>
             <a:r>
-              <a:rPr lang="en-US" smtClean="0"/>
+              <a:rPr lang="en-US"/>
               <a:t>Second level</a:t>
             </a:r>
           </a:p>
           <a:p>
             <a:pPr lvl="2"/>
             <a:r>
-              <a:rPr lang="en-US" smtClean="0"/>
+              <a:rPr lang="en-US"/>
               <a:t>Third level</a:t>
             </a:r>
           </a:p>
           <a:p>
             <a:pPr lvl="3"/>
             <a:r>
-              <a:rPr lang="en-US" smtClean="0"/>
+              <a:rPr lang="en-US"/>
               <a:t>Fourth level</a:t>
             </a:r>
           </a:p>
           <a:p>
             <a:pPr lvl="4"/>
             <a:r>
-              <a:rPr lang="en-US" smtClean="0"/>
+              <a:rPr lang="en-US"/>
               <a:t>Fifth level</a:t>
             </a:r>
             <a:endParaRPr lang="en-US" dirty="0"/>
@@ -763,7 +763,7 @@
           <a:p>
             <a:fld id="{FE08EA3B-F59E-4D09-A908-09116ABC225E}" type="datetimeFigureOut">
               <a:rPr lang="en-US" smtClean="0"/>
-              <a:t>16-Feb-23</a:t>
+              <a:t>2/19/23</a:t>
             </a:fld>
             <a:endParaRPr lang="en-US"/>
           </a:p>
@@ -866,7 +866,7 @@
           </a:lstStyle>
           <a:p>
             <a:r>
-              <a:rPr lang="en-US" smtClean="0"/>
+              <a:rPr lang="en-US"/>
               <a:t>Click to edit Master title style</a:t>
             </a:r>
             <a:endParaRPr lang="en-US" dirty="0"/>
@@ -984,7 +984,7 @@
           <a:p>
             <a:pPr lvl="0"/>
             <a:r>
-              <a:rPr lang="en-US" smtClean="0"/>
+              <a:rPr lang="en-US"/>
               <a:t>Edit Master text styles</a:t>
             </a:r>
           </a:p>
@@ -1007,7 +1007,7 @@
           <a:p>
             <a:fld id="{FE08EA3B-F59E-4D09-A908-09116ABC225E}" type="datetimeFigureOut">
               <a:rPr lang="en-US" smtClean="0"/>
-              <a:t>16-Feb-23</a:t>
+              <a:t>2/19/23</a:t>
             </a:fld>
             <a:endParaRPr lang="en-US"/>
           </a:p>
@@ -1101,7 +1101,7 @@
           <a:lstStyle/>
           <a:p>
             <a:r>
-              <a:rPr lang="en-US" smtClean="0"/>
+              <a:rPr lang="en-US"/>
               <a:t>Click to edit Master title style</a:t>
             </a:r>
             <a:endParaRPr lang="en-US" dirty="0"/>
@@ -1130,35 +1130,35 @@
           <a:p>
             <a:pPr lvl="0"/>
             <a:r>
-              <a:rPr lang="en-US" smtClean="0"/>
+              <a:rPr lang="en-US"/>
               <a:t>Edit Master text styles</a:t>
             </a:r>
           </a:p>
           <a:p>
             <a:pPr lvl="1"/>
             <a:r>
-              <a:rPr lang="en-US" smtClean="0"/>
+              <a:rPr lang="en-US"/>
               <a:t>Second level</a:t>
             </a:r>
           </a:p>
           <a:p>
             <a:pPr lvl="2"/>
             <a:r>
-              <a:rPr lang="en-US" smtClean="0"/>
+              <a:rPr lang="en-US"/>
               <a:t>Third level</a:t>
             </a:r>
           </a:p>
           <a:p>
             <a:pPr lvl="3"/>
             <a:r>
-              <a:rPr lang="en-US" smtClean="0"/>
+              <a:rPr lang="en-US"/>
               <a:t>Fourth level</a:t>
             </a:r>
           </a:p>
           <a:p>
             <a:pPr lvl="4"/>
             <a:r>
-              <a:rPr lang="en-US" smtClean="0"/>
+              <a:rPr lang="en-US"/>
               <a:t>Fifth level</a:t>
             </a:r>
             <a:endParaRPr lang="en-US" dirty="0"/>
@@ -1187,35 +1187,35 @@
           <a:p>
             <a:pPr lvl="0"/>
             <a:r>
-              <a:rPr lang="en-US" smtClean="0"/>
+              <a:rPr lang="en-US"/>
               <a:t>Edit Master text styles</a:t>
             </a:r>
           </a:p>
           <a:p>
             <a:pPr lvl="1"/>
             <a:r>
-              <a:rPr lang="en-US" smtClean="0"/>
+              <a:rPr lang="en-US"/>
               <a:t>Second level</a:t>
             </a:r>
           </a:p>
           <a:p>
             <a:pPr lvl="2"/>
             <a:r>
-              <a:rPr lang="en-US" smtClean="0"/>
+              <a:rPr lang="en-US"/>
               <a:t>Third level</a:t>
             </a:r>
           </a:p>
           <a:p>
             <a:pPr lvl="3"/>
             <a:r>
-              <a:rPr lang="en-US" smtClean="0"/>
+              <a:rPr lang="en-US"/>
               <a:t>Fourth level</a:t>
             </a:r>
           </a:p>
           <a:p>
             <a:pPr lvl="4"/>
             <a:r>
-              <a:rPr lang="en-US" smtClean="0"/>
+              <a:rPr lang="en-US"/>
               <a:t>Fifth level</a:t>
             </a:r>
             <a:endParaRPr lang="en-US" dirty="0"/>
@@ -1239,7 +1239,7 @@
           <a:p>
             <a:fld id="{FE08EA3B-F59E-4D09-A908-09116ABC225E}" type="datetimeFigureOut">
               <a:rPr lang="en-US" smtClean="0"/>
-              <a:t>16-Feb-23</a:t>
+              <a:t>2/19/23</a:t>
             </a:fld>
             <a:endParaRPr lang="en-US"/>
           </a:p>
@@ -1338,7 +1338,7 @@
           <a:lstStyle/>
           <a:p>
             <a:r>
-              <a:rPr lang="en-US" smtClean="0"/>
+              <a:rPr lang="en-US"/>
               <a:t>Click to edit Master title style</a:t>
             </a:r>
             <a:endParaRPr lang="en-US" dirty="0"/>
@@ -1404,7 +1404,7 @@
           <a:p>
             <a:pPr lvl="0"/>
             <a:r>
-              <a:rPr lang="en-US" smtClean="0"/>
+              <a:rPr lang="en-US"/>
               <a:t>Edit Master text styles</a:t>
             </a:r>
           </a:p>
@@ -1432,35 +1432,35 @@
           <a:p>
             <a:pPr lvl="0"/>
             <a:r>
-              <a:rPr lang="en-US" smtClean="0"/>
+              <a:rPr lang="en-US"/>
               <a:t>Edit Master text styles</a:t>
             </a:r>
           </a:p>
           <a:p>
             <a:pPr lvl="1"/>
             <a:r>
-              <a:rPr lang="en-US" smtClean="0"/>
+              <a:rPr lang="en-US"/>
               <a:t>Second level</a:t>
             </a:r>
           </a:p>
           <a:p>
             <a:pPr lvl="2"/>
             <a:r>
-              <a:rPr lang="en-US" smtClean="0"/>
+              <a:rPr lang="en-US"/>
               <a:t>Third level</a:t>
             </a:r>
           </a:p>
           <a:p>
             <a:pPr lvl="3"/>
             <a:r>
-              <a:rPr lang="en-US" smtClean="0"/>
+              <a:rPr lang="en-US"/>
               <a:t>Fourth level</a:t>
             </a:r>
           </a:p>
           <a:p>
             <a:pPr lvl="4"/>
             <a:r>
-              <a:rPr lang="en-US" smtClean="0"/>
+              <a:rPr lang="en-US"/>
               <a:t>Fifth level</a:t>
             </a:r>
             <a:endParaRPr lang="en-US" dirty="0"/>
@@ -1526,7 +1526,7 @@
           <a:p>
             <a:pPr lvl="0"/>
             <a:r>
-              <a:rPr lang="en-US" smtClean="0"/>
+              <a:rPr lang="en-US"/>
               <a:t>Edit Master text styles</a:t>
             </a:r>
           </a:p>
@@ -1554,35 +1554,35 @@
           <a:p>
             <a:pPr lvl="0"/>
             <a:r>
-              <a:rPr lang="en-US" smtClean="0"/>
+              <a:rPr lang="en-US"/>
               <a:t>Edit Master text styles</a:t>
             </a:r>
           </a:p>
           <a:p>
             <a:pPr lvl="1"/>
             <a:r>
-              <a:rPr lang="en-US" smtClean="0"/>
+              <a:rPr lang="en-US"/>
               <a:t>Second level</a:t>
             </a:r>
           </a:p>
           <a:p>
             <a:pPr lvl="2"/>
             <a:r>
-              <a:rPr lang="en-US" smtClean="0"/>
+              <a:rPr lang="en-US"/>
               <a:t>Third level</a:t>
             </a:r>
           </a:p>
           <a:p>
             <a:pPr lvl="3"/>
             <a:r>
-              <a:rPr lang="en-US" smtClean="0"/>
+              <a:rPr lang="en-US"/>
               <a:t>Fourth level</a:t>
             </a:r>
           </a:p>
           <a:p>
             <a:pPr lvl="4"/>
             <a:r>
-              <a:rPr lang="en-US" smtClean="0"/>
+              <a:rPr lang="en-US"/>
               <a:t>Fifth level</a:t>
             </a:r>
             <a:endParaRPr lang="en-US" dirty="0"/>
@@ -1606,7 +1606,7 @@
           <a:p>
             <a:fld id="{FE08EA3B-F59E-4D09-A908-09116ABC225E}" type="datetimeFigureOut">
               <a:rPr lang="en-US" smtClean="0"/>
-              <a:t>16-Feb-23</a:t>
+              <a:t>2/19/23</a:t>
             </a:fld>
             <a:endParaRPr lang="en-US"/>
           </a:p>
@@ -1700,7 +1700,7 @@
           <a:lstStyle/>
           <a:p>
             <a:r>
-              <a:rPr lang="en-US" smtClean="0"/>
+              <a:rPr lang="en-US"/>
               <a:t>Click to edit Master title style</a:t>
             </a:r>
             <a:endParaRPr lang="en-US" dirty="0"/>
@@ -1724,7 +1724,7 @@
           <a:p>
             <a:fld id="{FE08EA3B-F59E-4D09-A908-09116ABC225E}" type="datetimeFigureOut">
               <a:rPr lang="en-US" smtClean="0"/>
-              <a:t>16-Feb-23</a:t>
+              <a:t>2/19/23</a:t>
             </a:fld>
             <a:endParaRPr lang="en-US"/>
           </a:p>
@@ -1819,7 +1819,7 @@
           <a:p>
             <a:fld id="{FE08EA3B-F59E-4D09-A908-09116ABC225E}" type="datetimeFigureOut">
               <a:rPr lang="en-US" smtClean="0"/>
-              <a:t>16-Feb-23</a:t>
+              <a:t>2/19/23</a:t>
             </a:fld>
             <a:endParaRPr lang="en-US"/>
           </a:p>
@@ -1922,7 +1922,7 @@
           </a:lstStyle>
           <a:p>
             <a:r>
-              <a:rPr lang="en-US" smtClean="0"/>
+              <a:rPr lang="en-US"/>
               <a:t>Click to edit Master title style</a:t>
             </a:r>
             <a:endParaRPr lang="en-US" dirty="0"/>
@@ -1979,35 +1979,35 @@
           <a:p>
             <a:pPr lvl="0"/>
             <a:r>
-              <a:rPr lang="en-US" smtClean="0"/>
+              <a:rPr lang="en-US"/>
               <a:t>Edit Master text styles</a:t>
             </a:r>
           </a:p>
           <a:p>
             <a:pPr lvl="1"/>
             <a:r>
-              <a:rPr lang="en-US" smtClean="0"/>
+              <a:rPr lang="en-US"/>
               <a:t>Second level</a:t>
             </a:r>
           </a:p>
           <a:p>
             <a:pPr lvl="2"/>
             <a:r>
-              <a:rPr lang="en-US" smtClean="0"/>
+              <a:rPr lang="en-US"/>
               <a:t>Third level</a:t>
             </a:r>
           </a:p>
           <a:p>
             <a:pPr lvl="3"/>
             <a:r>
-              <a:rPr lang="en-US" smtClean="0"/>
+              <a:rPr lang="en-US"/>
               <a:t>Fourth level</a:t>
             </a:r>
           </a:p>
           <a:p>
             <a:pPr lvl="4"/>
             <a:r>
-              <a:rPr lang="en-US" smtClean="0"/>
+              <a:rPr lang="en-US"/>
               <a:t>Fifth level</a:t>
             </a:r>
             <a:endParaRPr lang="en-US" dirty="0"/>
@@ -2073,7 +2073,7 @@
           <a:p>
             <a:pPr lvl="0"/>
             <a:r>
-              <a:rPr lang="en-US" smtClean="0"/>
+              <a:rPr lang="en-US"/>
               <a:t>Edit Master text styles</a:t>
             </a:r>
           </a:p>
@@ -2096,7 +2096,7 @@
           <a:p>
             <a:fld id="{FE08EA3B-F59E-4D09-A908-09116ABC225E}" type="datetimeFigureOut">
               <a:rPr lang="en-US" smtClean="0"/>
-              <a:t>16-Feb-23</a:t>
+              <a:t>2/19/23</a:t>
             </a:fld>
             <a:endParaRPr lang="en-US"/>
           </a:p>
@@ -2199,7 +2199,7 @@
           </a:lstStyle>
           <a:p>
             <a:r>
-              <a:rPr lang="en-US" smtClean="0"/>
+              <a:rPr lang="en-US"/>
               <a:t>Click to edit Master title style</a:t>
             </a:r>
             <a:endParaRPr lang="en-US" dirty="0"/>
@@ -2264,7 +2264,7 @@
           </a:lstStyle>
           <a:p>
             <a:r>
-              <a:rPr lang="en-US" smtClean="0"/>
+              <a:rPr lang="en-US"/>
               <a:t>Click icon to add picture</a:t>
             </a:r>
             <a:endParaRPr lang="en-US" dirty="0"/>
@@ -2330,7 +2330,7 @@
           <a:p>
             <a:pPr lvl="0"/>
             <a:r>
-              <a:rPr lang="en-US" smtClean="0"/>
+              <a:rPr lang="en-US"/>
               <a:t>Edit Master text styles</a:t>
             </a:r>
           </a:p>
@@ -2353,7 +2353,7 @@
           <a:p>
             <a:fld id="{FE08EA3B-F59E-4D09-A908-09116ABC225E}" type="datetimeFigureOut">
               <a:rPr lang="en-US" smtClean="0"/>
-              <a:t>16-Feb-23</a:t>
+              <a:t>2/19/23</a:t>
             </a:fld>
             <a:endParaRPr lang="en-US"/>
           </a:p>
@@ -2462,7 +2462,7 @@
           <a:lstStyle/>
           <a:p>
             <a:r>
-              <a:rPr lang="en-US" smtClean="0"/>
+              <a:rPr lang="en-US"/>
               <a:t>Click to edit Master title style</a:t>
             </a:r>
             <a:endParaRPr lang="en-US" dirty="0"/>
@@ -2496,35 +2496,35 @@
           <a:p>
             <a:pPr lvl="0"/>
             <a:r>
-              <a:rPr lang="en-US" smtClean="0"/>
+              <a:rPr lang="en-US"/>
               <a:t>Edit Master text styles</a:t>
             </a:r>
           </a:p>
           <a:p>
             <a:pPr lvl="1"/>
             <a:r>
-              <a:rPr lang="en-US" smtClean="0"/>
+              <a:rPr lang="en-US"/>
               <a:t>Second level</a:t>
             </a:r>
           </a:p>
           <a:p>
             <a:pPr lvl="2"/>
             <a:r>
-              <a:rPr lang="en-US" smtClean="0"/>
+              <a:rPr lang="en-US"/>
               <a:t>Third level</a:t>
             </a:r>
           </a:p>
           <a:p>
             <a:pPr lvl="3"/>
             <a:r>
-              <a:rPr lang="en-US" smtClean="0"/>
+              <a:rPr lang="en-US"/>
               <a:t>Fourth level</a:t>
             </a:r>
           </a:p>
           <a:p>
             <a:pPr lvl="4"/>
             <a:r>
-              <a:rPr lang="en-US" smtClean="0"/>
+              <a:rPr lang="en-US"/>
               <a:t>Fifth level</a:t>
             </a:r>
             <a:endParaRPr lang="en-US" dirty="0"/>
@@ -2566,7 +2566,7 @@
           <a:p>
             <a:fld id="{FE08EA3B-F59E-4D09-A908-09116ABC225E}" type="datetimeFigureOut">
               <a:rPr lang="en-US" smtClean="0"/>
-              <a:t>16-Feb-23</a:t>
+              <a:t>2/19/23</a:t>
             </a:fld>
             <a:endParaRPr lang="en-US"/>
           </a:p>
@@ -2971,1614 +2971,2404 @@
           <a:chExt cx="0" cy="0"/>
         </a:xfrm>
       </p:grpSpPr>
-      <p:sp>
-        <p:nvSpPr>
-          <p:cNvPr id="19" name="Rounded Rectangle 18"/>
-          <p:cNvSpPr/>
+      <p:grpSp>
+        <p:nvGrpSpPr>
+          <p:cNvPr id="32" name="Group 31">
+            <a:extLst>
+              <a:ext uri="{FF2B5EF4-FFF2-40B4-BE49-F238E27FC236}">
+                <a16:creationId xmlns:a16="http://schemas.microsoft.com/office/drawing/2014/main" id="{D7095F8E-BBF8-D2A0-C6C8-E5349A8A189E}"/>
+              </a:ext>
+            </a:extLst>
+          </p:cNvPr>
+          <p:cNvGrpSpPr/>
           <p:nvPr/>
-        </p:nvSpPr>
-        <p:spPr>
+        </p:nvGrpSpPr>
+        <p:grpSpPr>
           <a:xfrm>
-            <a:off x="6283463" y="3794599"/>
-            <a:ext cx="1978089" cy="2547257"/>
+            <a:off x="1147155" y="331094"/>
+            <a:ext cx="10203414" cy="7232298"/>
+            <a:chOff x="1147155" y="331094"/>
+            <a:chExt cx="10203414" cy="7232298"/>
           </a:xfrm>
-          <a:prstGeom prst="roundRect">
-            <a:avLst/>
-          </a:prstGeom>
-          <a:ln w="28575"/>
-        </p:spPr>
-        <p:style>
-          <a:lnRef idx="2">
-            <a:schemeClr val="accent4"/>
-          </a:lnRef>
-          <a:fillRef idx="1">
-            <a:schemeClr val="lt1"/>
-          </a:fillRef>
-          <a:effectRef idx="0">
-            <a:schemeClr val="accent4"/>
-          </a:effectRef>
-          <a:fontRef idx="minor">
-            <a:schemeClr val="dk1"/>
-          </a:fontRef>
-        </p:style>
-        <p:txBody>
-          <a:bodyPr rot="0" spcFirstLastPara="0" vertOverflow="overflow" horzOverflow="overflow" vert="horz" wrap="square" lIns="91440" tIns="45720" rIns="91440" bIns="45720" numCol="1" spcCol="0" rtlCol="0" fromWordArt="0" anchor="ctr" anchorCtr="0" forceAA="0" compatLnSpc="1">
-            <a:prstTxWarp prst="textNoShape">
+        </p:grpSpPr>
+        <p:sp>
+          <p:nvSpPr>
+            <p:cNvPr id="19" name="Rounded Rectangle 18"/>
+            <p:cNvSpPr/>
+            <p:nvPr/>
+          </p:nvSpPr>
+          <p:spPr>
+            <a:xfrm>
+              <a:off x="6283463" y="3690095"/>
+              <a:ext cx="1978089" cy="2547257"/>
+            </a:xfrm>
+            <a:prstGeom prst="roundRect">
               <a:avLst/>
-            </a:prstTxWarp>
-            <a:noAutofit/>
-          </a:bodyPr>
-          <a:lstStyle/>
-          <a:p>
-            <a:pPr algn="ctr"/>
-            <a:endParaRPr lang="en-US"/>
-          </a:p>
-        </p:txBody>
-      </p:sp>
-      <p:sp>
-        <p:nvSpPr>
-          <p:cNvPr id="16" name="Rounded Rectangle 15"/>
-          <p:cNvSpPr/>
-          <p:nvPr/>
-        </p:nvSpPr>
-        <p:spPr>
-          <a:xfrm>
-            <a:off x="1921626" y="2464560"/>
-            <a:ext cx="2568633" cy="2003367"/>
-          </a:xfrm>
-          <a:prstGeom prst="roundRect">
-            <a:avLst/>
-          </a:prstGeom>
-          <a:ln w="28575"/>
-        </p:spPr>
-        <p:style>
-          <a:lnRef idx="2">
-            <a:schemeClr val="accent6"/>
-          </a:lnRef>
-          <a:fillRef idx="1">
-            <a:schemeClr val="lt1"/>
-          </a:fillRef>
-          <a:effectRef idx="0">
-            <a:schemeClr val="accent6"/>
-          </a:effectRef>
-          <a:fontRef idx="minor">
-            <a:schemeClr val="dk1"/>
-          </a:fontRef>
-        </p:style>
-        <p:txBody>
-          <a:bodyPr rot="0" spcFirstLastPara="0" vertOverflow="overflow" horzOverflow="overflow" vert="horz" wrap="square" lIns="91440" tIns="45720" rIns="91440" bIns="45720" numCol="1" spcCol="0" rtlCol="0" fromWordArt="0" anchor="ctr" anchorCtr="0" forceAA="0" compatLnSpc="1">
-            <a:prstTxWarp prst="textNoShape">
+            </a:prstGeom>
+            <a:ln w="28575"/>
+          </p:spPr>
+          <p:style>
+            <a:lnRef idx="2">
+              <a:schemeClr val="accent4"/>
+            </a:lnRef>
+            <a:fillRef idx="1">
+              <a:schemeClr val="lt1"/>
+            </a:fillRef>
+            <a:effectRef idx="0">
+              <a:schemeClr val="accent4"/>
+            </a:effectRef>
+            <a:fontRef idx="minor">
+              <a:schemeClr val="dk1"/>
+            </a:fontRef>
+          </p:style>
+          <p:txBody>
+            <a:bodyPr rot="0" spcFirstLastPara="0" vertOverflow="overflow" horzOverflow="overflow" vert="horz" wrap="square" lIns="91440" tIns="45720" rIns="91440" bIns="45720" numCol="1" spcCol="0" rtlCol="0" fromWordArt="0" anchor="ctr" anchorCtr="0" forceAA="0" compatLnSpc="1">
+              <a:prstTxWarp prst="textNoShape">
+                <a:avLst/>
+              </a:prstTxWarp>
+              <a:noAutofit/>
+            </a:bodyPr>
+            <a:lstStyle/>
+            <a:p>
+              <a:pPr algn="ctr"/>
+              <a:endParaRPr lang="en-US" sz="1100">
+                <a:latin typeface="Noto Sans" panose="020B0502040504020204" pitchFamily="34" charset="0"/>
+                <a:ea typeface="Noto Sans" panose="020B0502040504020204" pitchFamily="34" charset="0"/>
+                <a:cs typeface="Noto Sans" panose="020B0502040504020204" pitchFamily="34" charset="0"/>
+              </a:endParaRPr>
+            </a:p>
+          </p:txBody>
+        </p:sp>
+        <p:sp>
+          <p:nvSpPr>
+            <p:cNvPr id="16" name="Rounded Rectangle 15"/>
+            <p:cNvSpPr/>
+            <p:nvPr/>
+          </p:nvSpPr>
+          <p:spPr>
+            <a:xfrm>
+              <a:off x="1921626" y="2464560"/>
+              <a:ext cx="2568633" cy="2003367"/>
+            </a:xfrm>
+            <a:prstGeom prst="roundRect">
               <a:avLst/>
-            </a:prstTxWarp>
-            <a:noAutofit/>
-          </a:bodyPr>
-          <a:lstStyle/>
-          <a:p>
-            <a:pPr algn="ctr"/>
-            <a:endParaRPr lang="en-US"/>
-          </a:p>
-        </p:txBody>
-      </p:sp>
-      <p:sp>
-        <p:nvSpPr>
-          <p:cNvPr id="4" name="Rectangle 3"/>
-          <p:cNvSpPr/>
-          <p:nvPr/>
-        </p:nvSpPr>
-        <p:spPr>
-          <a:xfrm>
-            <a:off x="1147155" y="2464560"/>
-            <a:ext cx="324196" cy="2003367"/>
-          </a:xfrm>
-          <a:prstGeom prst="rect">
-            <a:avLst/>
-          </a:prstGeom>
-        </p:spPr>
-        <p:style>
-          <a:lnRef idx="2">
-            <a:schemeClr val="accent1">
-              <a:shade val="50000"/>
-            </a:schemeClr>
-          </a:lnRef>
-          <a:fillRef idx="1">
-            <a:schemeClr val="accent1"/>
-          </a:fillRef>
-          <a:effectRef idx="0">
-            <a:schemeClr val="accent1"/>
-          </a:effectRef>
-          <a:fontRef idx="minor">
-            <a:schemeClr val="lt1"/>
-          </a:fontRef>
-        </p:style>
-        <p:txBody>
-          <a:bodyPr rot="0" spcFirstLastPara="0" vertOverflow="overflow" horzOverflow="overflow" vert="vert270" wrap="square" lIns="91440" tIns="45720" rIns="91440" bIns="45720" numCol="1" spcCol="0" rtlCol="0" fromWordArt="0" anchor="ctr" anchorCtr="0" forceAA="0" compatLnSpc="1">
-            <a:prstTxWarp prst="textNoShape">
+            </a:prstGeom>
+            <a:ln w="28575"/>
+          </p:spPr>
+          <p:style>
+            <a:lnRef idx="2">
+              <a:schemeClr val="accent6"/>
+            </a:lnRef>
+            <a:fillRef idx="1">
+              <a:schemeClr val="lt1"/>
+            </a:fillRef>
+            <a:effectRef idx="0">
+              <a:schemeClr val="accent6"/>
+            </a:effectRef>
+            <a:fontRef idx="minor">
+              <a:schemeClr val="dk1"/>
+            </a:fontRef>
+          </p:style>
+          <p:txBody>
+            <a:bodyPr rot="0" spcFirstLastPara="0" vertOverflow="overflow" horzOverflow="overflow" vert="horz" wrap="square" lIns="91440" tIns="45720" rIns="91440" bIns="45720" numCol="1" spcCol="0" rtlCol="0" fromWordArt="0" anchor="ctr" anchorCtr="0" forceAA="0" compatLnSpc="1">
+              <a:prstTxWarp prst="textNoShape">
+                <a:avLst/>
+              </a:prstTxWarp>
+              <a:noAutofit/>
+            </a:bodyPr>
+            <a:lstStyle/>
+            <a:p>
+              <a:pPr algn="ctr"/>
+              <a:endParaRPr lang="en-US" sz="1100">
+                <a:latin typeface="Noto Sans" panose="020B0502040504020204" pitchFamily="34" charset="0"/>
+                <a:ea typeface="Noto Sans" panose="020B0502040504020204" pitchFamily="34" charset="0"/>
+                <a:cs typeface="Noto Sans" panose="020B0502040504020204" pitchFamily="34" charset="0"/>
+              </a:endParaRPr>
+            </a:p>
+          </p:txBody>
+        </p:sp>
+        <p:sp>
+          <p:nvSpPr>
+            <p:cNvPr id="4" name="Rectangle 3"/>
+            <p:cNvSpPr/>
+            <p:nvPr/>
+          </p:nvSpPr>
+          <p:spPr>
+            <a:xfrm>
+              <a:off x="1147155" y="2464560"/>
+              <a:ext cx="324196" cy="2003367"/>
+            </a:xfrm>
+            <a:prstGeom prst="rect">
               <a:avLst/>
-            </a:prstTxWarp>
-            <a:noAutofit/>
-          </a:bodyPr>
-          <a:lstStyle/>
-          <a:p>
-            <a:pPr algn="ctr"/>
-            <a:r>
-              <a:rPr lang="en-US" sz="1200" dirty="0"/>
-              <a:t>CSI Signal</a:t>
-            </a:r>
-          </a:p>
-        </p:txBody>
-      </p:sp>
-      <p:sp>
-        <p:nvSpPr>
-          <p:cNvPr id="5" name="Rectangle 4"/>
-          <p:cNvSpPr/>
-          <p:nvPr/>
-        </p:nvSpPr>
-        <p:spPr>
-          <a:xfrm>
-            <a:off x="2160624" y="3125422"/>
-            <a:ext cx="908856" cy="656710"/>
-          </a:xfrm>
-          <a:prstGeom prst="rect">
-            <a:avLst/>
-          </a:prstGeom>
-        </p:spPr>
-        <p:style>
-          <a:lnRef idx="2">
-            <a:schemeClr val="accent6">
-              <a:shade val="50000"/>
-            </a:schemeClr>
-          </a:lnRef>
-          <a:fillRef idx="1">
-            <a:schemeClr val="accent6"/>
-          </a:fillRef>
-          <a:effectRef idx="0">
-            <a:schemeClr val="accent6"/>
-          </a:effectRef>
-          <a:fontRef idx="minor">
-            <a:schemeClr val="lt1"/>
-          </a:fontRef>
-        </p:style>
-        <p:txBody>
-          <a:bodyPr rot="0" spcFirstLastPara="0" vertOverflow="overflow" horzOverflow="overflow" vert="horz" wrap="square" lIns="91440" tIns="45720" rIns="91440" bIns="45720" numCol="1" spcCol="0" rtlCol="0" fromWordArt="0" anchor="ctr" anchorCtr="0" forceAA="0" compatLnSpc="1">
-            <a:prstTxWarp prst="textNoShape">
+            </a:prstGeom>
+          </p:spPr>
+          <p:style>
+            <a:lnRef idx="2">
+              <a:schemeClr val="accent1">
+                <a:shade val="50000"/>
+              </a:schemeClr>
+            </a:lnRef>
+            <a:fillRef idx="1">
+              <a:schemeClr val="accent1"/>
+            </a:fillRef>
+            <a:effectRef idx="0">
+              <a:schemeClr val="accent1"/>
+            </a:effectRef>
+            <a:fontRef idx="minor">
+              <a:schemeClr val="lt1"/>
+            </a:fontRef>
+          </p:style>
+          <p:txBody>
+            <a:bodyPr rot="0" spcFirstLastPara="0" vertOverflow="overflow" horzOverflow="overflow" vert="vert270" wrap="square" lIns="91440" tIns="45720" rIns="91440" bIns="45720" numCol="1" spcCol="0" rtlCol="0" fromWordArt="0" anchor="ctr" anchorCtr="0" forceAA="0" compatLnSpc="1">
+              <a:prstTxWarp prst="textNoShape">
+                <a:avLst/>
+              </a:prstTxWarp>
+              <a:noAutofit/>
+            </a:bodyPr>
+            <a:lstStyle/>
+            <a:p>
+              <a:pPr algn="ctr"/>
+              <a:r>
+                <a:rPr lang="en-US" sz="1100" dirty="0">
+                  <a:latin typeface="Noto Sans" panose="020B0502040504020204" pitchFamily="34" charset="0"/>
+                  <a:ea typeface="Noto Sans" panose="020B0502040504020204" pitchFamily="34" charset="0"/>
+                  <a:cs typeface="Noto Sans" panose="020B0502040504020204" pitchFamily="34" charset="0"/>
+                </a:rPr>
+                <a:t>CSI Signal</a:t>
+              </a:r>
+            </a:p>
+          </p:txBody>
+        </p:sp>
+        <p:sp>
+          <p:nvSpPr>
+            <p:cNvPr id="5" name="Rectangle 4"/>
+            <p:cNvSpPr/>
+            <p:nvPr/>
+          </p:nvSpPr>
+          <p:spPr>
+            <a:xfrm>
+              <a:off x="2160624" y="3125422"/>
+              <a:ext cx="908856" cy="656710"/>
+            </a:xfrm>
+            <a:prstGeom prst="rect">
               <a:avLst/>
-            </a:prstTxWarp>
-            <a:noAutofit/>
-          </a:bodyPr>
-          <a:lstStyle/>
-          <a:p>
-            <a:pPr algn="ctr"/>
-            <a:r>
-              <a:rPr lang="en-US" sz="1200" dirty="0"/>
-              <a:t>Signal Processing</a:t>
-            </a:r>
-          </a:p>
-        </p:txBody>
-      </p:sp>
-      <p:sp>
-        <p:nvSpPr>
-          <p:cNvPr id="6" name="Rectangle 5"/>
-          <p:cNvSpPr/>
-          <p:nvPr/>
-        </p:nvSpPr>
-        <p:spPr>
-          <a:xfrm>
-            <a:off x="3330635" y="3137888"/>
-            <a:ext cx="908856" cy="656710"/>
-          </a:xfrm>
-          <a:prstGeom prst="rect">
-            <a:avLst/>
-          </a:prstGeom>
-        </p:spPr>
-        <p:style>
-          <a:lnRef idx="2">
-            <a:schemeClr val="accent6">
-              <a:shade val="50000"/>
-            </a:schemeClr>
-          </a:lnRef>
-          <a:fillRef idx="1">
-            <a:schemeClr val="accent6"/>
-          </a:fillRef>
-          <a:effectRef idx="0">
-            <a:schemeClr val="accent6"/>
-          </a:effectRef>
-          <a:fontRef idx="minor">
-            <a:schemeClr val="lt1"/>
-          </a:fontRef>
-        </p:style>
-        <p:txBody>
-          <a:bodyPr rot="0" spcFirstLastPara="0" vertOverflow="overflow" horzOverflow="overflow" vert="horz" wrap="square" lIns="91440" tIns="45720" rIns="91440" bIns="45720" numCol="1" spcCol="0" rtlCol="0" fromWordArt="0" anchor="ctr" anchorCtr="0" forceAA="0" compatLnSpc="1">
-            <a:prstTxWarp prst="textNoShape">
+            </a:prstGeom>
+          </p:spPr>
+          <p:style>
+            <a:lnRef idx="2">
+              <a:schemeClr val="accent6">
+                <a:shade val="50000"/>
+              </a:schemeClr>
+            </a:lnRef>
+            <a:fillRef idx="1">
+              <a:schemeClr val="accent6"/>
+            </a:fillRef>
+            <a:effectRef idx="0">
+              <a:schemeClr val="accent6"/>
+            </a:effectRef>
+            <a:fontRef idx="minor">
+              <a:schemeClr val="lt1"/>
+            </a:fontRef>
+          </p:style>
+          <p:txBody>
+            <a:bodyPr rot="0" spcFirstLastPara="0" vertOverflow="overflow" horzOverflow="overflow" vert="horz" wrap="square" lIns="91440" tIns="45720" rIns="91440" bIns="45720" numCol="1" spcCol="0" rtlCol="0" fromWordArt="0" anchor="ctr" anchorCtr="0" forceAA="0" compatLnSpc="1">
+              <a:prstTxWarp prst="textNoShape">
+                <a:avLst/>
+              </a:prstTxWarp>
+              <a:noAutofit/>
+            </a:bodyPr>
+            <a:lstStyle/>
+            <a:p>
+              <a:pPr algn="ctr"/>
+              <a:r>
+                <a:rPr lang="en-US" sz="1100" dirty="0">
+                  <a:latin typeface="Noto Sans" panose="020B0502040504020204" pitchFamily="34" charset="0"/>
+                  <a:ea typeface="Noto Sans" panose="020B0502040504020204" pitchFamily="34" charset="0"/>
+                  <a:cs typeface="Noto Sans" panose="020B0502040504020204" pitchFamily="34" charset="0"/>
+                </a:rPr>
+                <a:t>Signal Processing</a:t>
+              </a:r>
+            </a:p>
+          </p:txBody>
+        </p:sp>
+        <p:sp>
+          <p:nvSpPr>
+            <p:cNvPr id="6" name="Rectangle 5"/>
+            <p:cNvSpPr/>
+            <p:nvPr/>
+          </p:nvSpPr>
+          <p:spPr>
+            <a:xfrm>
+              <a:off x="3330635" y="3137888"/>
+              <a:ext cx="908856" cy="656710"/>
+            </a:xfrm>
+            <a:prstGeom prst="rect">
               <a:avLst/>
-            </a:prstTxWarp>
-            <a:noAutofit/>
-          </a:bodyPr>
-          <a:lstStyle/>
-          <a:p>
-            <a:pPr algn="ctr"/>
-            <a:r>
-              <a:rPr lang="en-US" sz="1200" dirty="0"/>
-              <a:t>Signal-to-image</a:t>
-            </a:r>
-          </a:p>
-        </p:txBody>
-      </p:sp>
-      <p:sp>
-        <p:nvSpPr>
-          <p:cNvPr id="7" name="Trapezoid 6"/>
-          <p:cNvSpPr/>
-          <p:nvPr/>
-        </p:nvSpPr>
-        <p:spPr>
-          <a:xfrm rot="5400000">
-            <a:off x="4484929" y="3019917"/>
-            <a:ext cx="1803862" cy="892655"/>
-          </a:xfrm>
-          <a:prstGeom prst="trapezoid">
-            <a:avLst>
-              <a:gd name="adj" fmla="val 50620"/>
-            </a:avLst>
-          </a:prstGeom>
-        </p:spPr>
-        <p:style>
-          <a:lnRef idx="2">
-            <a:schemeClr val="accent5">
-              <a:shade val="50000"/>
-            </a:schemeClr>
-          </a:lnRef>
-          <a:fillRef idx="1">
-            <a:schemeClr val="accent5"/>
-          </a:fillRef>
-          <a:effectRef idx="0">
-            <a:schemeClr val="accent5"/>
-          </a:effectRef>
-          <a:fontRef idx="minor">
-            <a:schemeClr val="lt1"/>
-          </a:fontRef>
-        </p:style>
-        <p:txBody>
-          <a:bodyPr rot="0" spcFirstLastPara="0" vertOverflow="overflow" horzOverflow="overflow" vert="vert270" wrap="square" lIns="91440" tIns="45720" rIns="91440" bIns="45720" numCol="1" spcCol="0" rtlCol="0" fromWordArt="0" anchor="ctr" anchorCtr="0" forceAA="0" compatLnSpc="1">
-            <a:prstTxWarp prst="textNoShape">
+            </a:prstGeom>
+          </p:spPr>
+          <p:style>
+            <a:lnRef idx="2">
+              <a:schemeClr val="accent6">
+                <a:shade val="50000"/>
+              </a:schemeClr>
+            </a:lnRef>
+            <a:fillRef idx="1">
+              <a:schemeClr val="accent6"/>
+            </a:fillRef>
+            <a:effectRef idx="0">
+              <a:schemeClr val="accent6"/>
+            </a:effectRef>
+            <a:fontRef idx="minor">
+              <a:schemeClr val="lt1"/>
+            </a:fontRef>
+          </p:style>
+          <p:txBody>
+            <a:bodyPr rot="0" spcFirstLastPara="0" vertOverflow="overflow" horzOverflow="overflow" vert="horz" wrap="square" lIns="91440" tIns="45720" rIns="91440" bIns="45720" numCol="1" spcCol="0" rtlCol="0" fromWordArt="0" anchor="ctr" anchorCtr="0" forceAA="0" compatLnSpc="1">
+              <a:prstTxWarp prst="textNoShape">
+                <a:avLst/>
+              </a:prstTxWarp>
+              <a:noAutofit/>
+            </a:bodyPr>
+            <a:lstStyle/>
+            <a:p>
+              <a:pPr algn="ctr"/>
+              <a:r>
+                <a:rPr lang="en-US" sz="1100" dirty="0">
+                  <a:latin typeface="Noto Sans" panose="020B0502040504020204" pitchFamily="34" charset="0"/>
+                  <a:ea typeface="Noto Sans" panose="020B0502040504020204" pitchFamily="34" charset="0"/>
+                  <a:cs typeface="Noto Sans" panose="020B0502040504020204" pitchFamily="34" charset="0"/>
+                </a:rPr>
+                <a:t>Signal-to-image</a:t>
+              </a:r>
+            </a:p>
+          </p:txBody>
+        </p:sp>
+        <p:sp>
+          <p:nvSpPr>
+            <p:cNvPr id="7" name="Trapezoid 6"/>
+            <p:cNvSpPr/>
+            <p:nvPr/>
+          </p:nvSpPr>
+          <p:spPr>
+            <a:xfrm rot="5400000">
+              <a:off x="4484929" y="3019917"/>
+              <a:ext cx="1803862" cy="892655"/>
+            </a:xfrm>
+            <a:prstGeom prst="trapezoid">
+              <a:avLst>
+                <a:gd name="adj" fmla="val 50620"/>
+              </a:avLst>
+            </a:prstGeom>
+          </p:spPr>
+          <p:style>
+            <a:lnRef idx="2">
+              <a:schemeClr val="accent5">
+                <a:shade val="50000"/>
+              </a:schemeClr>
+            </a:lnRef>
+            <a:fillRef idx="1">
+              <a:schemeClr val="accent5"/>
+            </a:fillRef>
+            <a:effectRef idx="0">
+              <a:schemeClr val="accent5"/>
+            </a:effectRef>
+            <a:fontRef idx="minor">
+              <a:schemeClr val="lt1"/>
+            </a:fontRef>
+          </p:style>
+          <p:txBody>
+            <a:bodyPr rot="0" spcFirstLastPara="0" vertOverflow="overflow" horzOverflow="overflow" vert="vert270" wrap="square" lIns="91440" tIns="45720" rIns="91440" bIns="45720" numCol="1" spcCol="0" rtlCol="0" fromWordArt="0" anchor="ctr" anchorCtr="0" forceAA="0" compatLnSpc="1">
+              <a:prstTxWarp prst="textNoShape">
+                <a:avLst/>
+              </a:prstTxWarp>
+              <a:noAutofit/>
+            </a:bodyPr>
+            <a:lstStyle/>
+            <a:p>
+              <a:pPr algn="ctr"/>
+              <a:r>
+                <a:rPr lang="en-US" sz="1100" dirty="0">
+                  <a:latin typeface="Noto Sans" panose="020B0502040504020204" pitchFamily="34" charset="0"/>
+                  <a:ea typeface="Noto Sans" panose="020B0502040504020204" pitchFamily="34" charset="0"/>
+                  <a:cs typeface="Noto Sans" panose="020B0502040504020204" pitchFamily="34" charset="0"/>
+                </a:rPr>
+                <a:t>  Feature   </a:t>
+              </a:r>
+            </a:p>
+            <a:p>
+              <a:pPr algn="ctr"/>
+              <a:r>
+                <a:rPr lang="en-US" sz="1100" dirty="0">
+                  <a:latin typeface="Noto Sans" panose="020B0502040504020204" pitchFamily="34" charset="0"/>
+                  <a:ea typeface="Noto Sans" panose="020B0502040504020204" pitchFamily="34" charset="0"/>
+                  <a:cs typeface="Noto Sans" panose="020B0502040504020204" pitchFamily="34" charset="0"/>
+                </a:rPr>
+                <a:t>  Encoder</a:t>
+              </a:r>
+            </a:p>
+          </p:txBody>
+        </p:sp>
+        <p:sp>
+          <p:nvSpPr>
+            <p:cNvPr id="13" name="Rectangle 12"/>
+            <p:cNvSpPr/>
+            <p:nvPr/>
+          </p:nvSpPr>
+          <p:spPr>
+            <a:xfrm>
+              <a:off x="6441467" y="5313516"/>
+              <a:ext cx="1062640" cy="606827"/>
+            </a:xfrm>
+            <a:prstGeom prst="rect">
               <a:avLst/>
-            </a:prstTxWarp>
-            <a:noAutofit/>
-          </a:bodyPr>
-          <a:lstStyle/>
-          <a:p>
-            <a:pPr algn="ctr"/>
-            <a:r>
-              <a:rPr lang="en-US" sz="1200" dirty="0"/>
-              <a:t>CNN Encoder</a:t>
-            </a:r>
-          </a:p>
-        </p:txBody>
-      </p:sp>
-      <p:sp>
-        <p:nvSpPr>
-          <p:cNvPr id="13" name="Rectangle 12"/>
-          <p:cNvSpPr/>
-          <p:nvPr/>
-        </p:nvSpPr>
-        <p:spPr>
-          <a:xfrm>
-            <a:off x="6441467" y="5418020"/>
-            <a:ext cx="1062640" cy="606827"/>
-          </a:xfrm>
-          <a:prstGeom prst="rect">
-            <a:avLst/>
-          </a:prstGeom>
-        </p:spPr>
-        <p:style>
-          <a:lnRef idx="2">
-            <a:schemeClr val="accent4">
-              <a:shade val="50000"/>
-            </a:schemeClr>
-          </a:lnRef>
-          <a:fillRef idx="1">
-            <a:schemeClr val="accent4"/>
-          </a:fillRef>
-          <a:effectRef idx="0">
-            <a:schemeClr val="accent4"/>
-          </a:effectRef>
-          <a:fontRef idx="minor">
-            <a:schemeClr val="lt1"/>
-          </a:fontRef>
-        </p:style>
-        <p:txBody>
-          <a:bodyPr rot="0" spcFirstLastPara="0" vertOverflow="overflow" horzOverflow="overflow" vert="horz" wrap="square" lIns="91440" tIns="45720" rIns="91440" bIns="45720" numCol="1" spcCol="0" rtlCol="0" fromWordArt="0" anchor="ctr" anchorCtr="0" forceAA="0" compatLnSpc="1">
-            <a:prstTxWarp prst="textNoShape">
+            </a:prstGeom>
+          </p:spPr>
+          <p:style>
+            <a:lnRef idx="2">
+              <a:schemeClr val="accent4">
+                <a:shade val="50000"/>
+              </a:schemeClr>
+            </a:lnRef>
+            <a:fillRef idx="1">
+              <a:schemeClr val="accent4"/>
+            </a:fillRef>
+            <a:effectRef idx="0">
+              <a:schemeClr val="accent4"/>
+            </a:effectRef>
+            <a:fontRef idx="minor">
+              <a:schemeClr val="lt1"/>
+            </a:fontRef>
+          </p:style>
+          <p:txBody>
+            <a:bodyPr rot="0" spcFirstLastPara="0" vertOverflow="overflow" horzOverflow="overflow" vert="horz" wrap="square" lIns="91440" tIns="45720" rIns="91440" bIns="45720" numCol="1" spcCol="0" rtlCol="0" fromWordArt="0" anchor="ctr" anchorCtr="0" forceAA="0" compatLnSpc="1">
+              <a:prstTxWarp prst="textNoShape">
+                <a:avLst/>
+              </a:prstTxWarp>
+              <a:noAutofit/>
+            </a:bodyPr>
+            <a:lstStyle/>
+            <a:p>
+              <a:pPr algn="ctr"/>
+              <a:r>
+                <a:rPr lang="en-US" sz="1100" dirty="0">
+                  <a:latin typeface="Noto Sans" panose="020B0502040504020204" pitchFamily="34" charset="0"/>
+                  <a:ea typeface="Noto Sans" panose="020B0502040504020204" pitchFamily="34" charset="0"/>
+                  <a:cs typeface="Noto Sans" panose="020B0502040504020204" pitchFamily="34" charset="0"/>
+                </a:rPr>
+                <a:t>FCN Classifier</a:t>
+              </a:r>
+            </a:p>
+          </p:txBody>
+        </p:sp>
+        <p:sp>
+          <p:nvSpPr>
+            <p:cNvPr id="14" name="Trapezoid 13"/>
+            <p:cNvSpPr/>
+            <p:nvPr/>
+          </p:nvSpPr>
+          <p:spPr>
+            <a:xfrm rot="16200000">
+              <a:off x="6395748" y="4245336"/>
+              <a:ext cx="1154079" cy="540327"/>
+            </a:xfrm>
+            <a:prstGeom prst="trapezoid">
+              <a:avLst>
+                <a:gd name="adj" fmla="val 60385"/>
+              </a:avLst>
+            </a:prstGeom>
+          </p:spPr>
+          <p:style>
+            <a:lnRef idx="2">
+              <a:schemeClr val="accent4">
+                <a:shade val="50000"/>
+              </a:schemeClr>
+            </a:lnRef>
+            <a:fillRef idx="1">
+              <a:schemeClr val="accent4"/>
+            </a:fillRef>
+            <a:effectRef idx="0">
+              <a:schemeClr val="accent4"/>
+            </a:effectRef>
+            <a:fontRef idx="minor">
+              <a:schemeClr val="lt1"/>
+            </a:fontRef>
+          </p:style>
+          <p:txBody>
+            <a:bodyPr rot="0" spcFirstLastPara="0" vertOverflow="overflow" horzOverflow="overflow" vert="horz" wrap="square" lIns="91440" tIns="45720" rIns="91440" bIns="45720" numCol="1" spcCol="0" rtlCol="0" fromWordArt="0" anchor="ctr" anchorCtr="0" forceAA="0" compatLnSpc="1">
+              <a:prstTxWarp prst="textNoShape">
+                <a:avLst/>
+              </a:prstTxWarp>
+              <a:noAutofit/>
+            </a:bodyPr>
+            <a:lstStyle/>
+            <a:p>
+              <a:pPr algn="ctr"/>
+              <a:r>
+                <a:rPr lang="en-US" sz="1100" dirty="0" err="1">
+                  <a:latin typeface="Noto Sans" panose="020B0502040504020204" pitchFamily="34" charset="0"/>
+                  <a:ea typeface="Noto Sans" panose="020B0502040504020204" pitchFamily="34" charset="0"/>
+                  <a:cs typeface="Noto Sans" panose="020B0502040504020204" pitchFamily="34" charset="0"/>
+                </a:rPr>
+                <a:t>Deconv</a:t>
+              </a:r>
+              <a:endParaRPr lang="en-US" sz="1100" dirty="0">
+                <a:latin typeface="Noto Sans" panose="020B0502040504020204" pitchFamily="34" charset="0"/>
+                <a:ea typeface="Noto Sans" panose="020B0502040504020204" pitchFamily="34" charset="0"/>
+                <a:cs typeface="Noto Sans" panose="020B0502040504020204" pitchFamily="34" charset="0"/>
+              </a:endParaRPr>
+            </a:p>
+          </p:txBody>
+        </p:sp>
+        <p:sp>
+          <p:nvSpPr>
+            <p:cNvPr id="15" name="Rectangle 14"/>
+            <p:cNvSpPr/>
+            <p:nvPr/>
+          </p:nvSpPr>
+          <p:spPr>
+            <a:xfrm>
+              <a:off x="7711769" y="5301050"/>
+              <a:ext cx="372502" cy="606827"/>
+            </a:xfrm>
+            <a:prstGeom prst="rect">
               <a:avLst/>
-            </a:prstTxWarp>
-            <a:noAutofit/>
-          </a:bodyPr>
-          <a:lstStyle/>
-          <a:p>
-            <a:pPr algn="ctr"/>
-            <a:r>
-              <a:rPr lang="en-US" sz="1200" dirty="0"/>
-              <a:t>FCN Classifier</a:t>
-            </a:r>
-          </a:p>
-        </p:txBody>
-      </p:sp>
-      <p:sp>
-        <p:nvSpPr>
-          <p:cNvPr id="14" name="Trapezoid 13"/>
-          <p:cNvSpPr/>
-          <p:nvPr/>
-        </p:nvSpPr>
-        <p:spPr>
-          <a:xfrm rot="16200000">
-            <a:off x="6395748" y="4349840"/>
-            <a:ext cx="1154079" cy="540327"/>
-          </a:xfrm>
-          <a:prstGeom prst="trapezoid">
-            <a:avLst>
-              <a:gd name="adj" fmla="val 60385"/>
-            </a:avLst>
-          </a:prstGeom>
-        </p:spPr>
-        <p:style>
-          <a:lnRef idx="2">
-            <a:schemeClr val="accent4">
-              <a:shade val="50000"/>
-            </a:schemeClr>
-          </a:lnRef>
-          <a:fillRef idx="1">
-            <a:schemeClr val="accent4"/>
-          </a:fillRef>
-          <a:effectRef idx="0">
-            <a:schemeClr val="accent4"/>
-          </a:effectRef>
-          <a:fontRef idx="minor">
-            <a:schemeClr val="lt1"/>
-          </a:fontRef>
-        </p:style>
-        <p:txBody>
-          <a:bodyPr rot="0" spcFirstLastPara="0" vertOverflow="overflow" horzOverflow="overflow" vert="horz" wrap="square" lIns="91440" tIns="45720" rIns="91440" bIns="45720" numCol="1" spcCol="0" rtlCol="0" fromWordArt="0" anchor="ctr" anchorCtr="0" forceAA="0" compatLnSpc="1">
-            <a:prstTxWarp prst="textNoShape">
+            </a:prstGeom>
+          </p:spPr>
+          <p:style>
+            <a:lnRef idx="2">
+              <a:schemeClr val="accent4">
+                <a:shade val="50000"/>
+              </a:schemeClr>
+            </a:lnRef>
+            <a:fillRef idx="1">
+              <a:schemeClr val="accent4"/>
+            </a:fillRef>
+            <a:effectRef idx="0">
+              <a:schemeClr val="accent4"/>
+            </a:effectRef>
+            <a:fontRef idx="minor">
+              <a:schemeClr val="lt1"/>
+            </a:fontRef>
+          </p:style>
+          <p:txBody>
+            <a:bodyPr rot="0" spcFirstLastPara="0" vertOverflow="overflow" horzOverflow="overflow" vert="horz" wrap="square" lIns="91440" tIns="45720" rIns="91440" bIns="45720" numCol="1" spcCol="0" rtlCol="0" fromWordArt="0" anchor="ctr" anchorCtr="0" forceAA="0" compatLnSpc="1">
+              <a:prstTxWarp prst="textNoShape">
+                <a:avLst/>
+              </a:prstTxWarp>
+              <a:noAutofit/>
+            </a:bodyPr>
+            <a:lstStyle/>
+            <a:p>
+              <a:pPr algn="ctr"/>
+              <a:r>
+                <a:rPr lang="el-GR" sz="1100" i="1" dirty="0">
+                  <a:latin typeface="Noto Sans" panose="020B0502040504020204" pitchFamily="34" charset="0"/>
+                  <a:ea typeface="Noto Sans" panose="020B0502040504020204" pitchFamily="34" charset="0"/>
+                  <a:cs typeface="Noto Sans" panose="020B0502040504020204" pitchFamily="34" charset="0"/>
+                </a:rPr>
+                <a:t>Φ</a:t>
+              </a:r>
+              <a:endParaRPr lang="en-US" sz="1100" i="1" dirty="0">
+                <a:latin typeface="Noto Sans" panose="020B0502040504020204" pitchFamily="34" charset="0"/>
+                <a:ea typeface="Noto Sans" panose="020B0502040504020204" pitchFamily="34" charset="0"/>
+                <a:cs typeface="Noto Sans" panose="020B0502040504020204" pitchFamily="34" charset="0"/>
+              </a:endParaRPr>
+            </a:p>
+          </p:txBody>
+        </p:sp>
+        <mc:AlternateContent xmlns:mc="http://schemas.openxmlformats.org/markup-compatibility/2006">
+          <mc:Choice xmlns:a14="http://schemas.microsoft.com/office/drawing/2010/main" Requires="a14">
+            <p:sp>
+              <p:nvSpPr>
+                <p:cNvPr id="17" name="Rectangle 16"/>
+                <p:cNvSpPr/>
+                <p:nvPr/>
+              </p:nvSpPr>
+              <p:spPr>
+                <a:xfrm>
+                  <a:off x="8555466" y="5313516"/>
+                  <a:ext cx="1166327" cy="594361"/>
+                </a:xfrm>
+                <a:prstGeom prst="rect">
+                  <a:avLst/>
+                </a:prstGeom>
+              </p:spPr>
+              <p:style>
+                <a:lnRef idx="2">
+                  <a:schemeClr val="accent1">
+                    <a:shade val="50000"/>
+                  </a:schemeClr>
+                </a:lnRef>
+                <a:fillRef idx="1">
+                  <a:schemeClr val="accent1"/>
+                </a:fillRef>
+                <a:effectRef idx="0">
+                  <a:schemeClr val="accent1"/>
+                </a:effectRef>
+                <a:fontRef idx="minor">
+                  <a:schemeClr val="lt1"/>
+                </a:fontRef>
+              </p:style>
+              <p:txBody>
+                <a:bodyPr rot="0" spcFirstLastPara="0" vertOverflow="overflow" horzOverflow="overflow" vert="horz" wrap="square" lIns="91440" tIns="45720" rIns="91440" bIns="45720" numCol="1" spcCol="0" rtlCol="0" fromWordArt="0" anchor="ctr" anchorCtr="0" forceAA="0" compatLnSpc="1">
+                  <a:prstTxWarp prst="textNoShape">
+                    <a:avLst/>
+                  </a:prstTxWarp>
+                  <a:noAutofit/>
+                </a:bodyPr>
+                <a:lstStyle/>
+                <a:p>
+                  <a:pPr algn="ctr"/>
+                  <a:r>
+                    <a:rPr lang="en-US" sz="1100" dirty="0">
+                      <a:latin typeface="Noto Sans" panose="020B0502040504020204" pitchFamily="34" charset="0"/>
+                      <a:ea typeface="Noto Sans" panose="020B0502040504020204" pitchFamily="34" charset="0"/>
+                      <a:cs typeface="Noto Sans" panose="020B0502040504020204" pitchFamily="34" charset="0"/>
+                    </a:rPr>
+                    <a:t>Gesture prediction </a:t>
+                  </a:r>
+                  <a14:m>
+                    <m:oMath xmlns:m="http://schemas.openxmlformats.org/officeDocument/2006/math">
+                      <m:sSub>
+                        <m:sSubPr>
+                          <m:ctrlPr>
+                            <a:rPr lang="en-US" sz="1100" i="1" dirty="0">
+                              <a:latin typeface="Cambria Math" panose="02040503050406030204" pitchFamily="18" charset="0"/>
+                            </a:rPr>
+                          </m:ctrlPr>
+                        </m:sSubPr>
+                        <m:e>
+                          <m:acc>
+                            <m:accPr>
+                              <m:chr m:val="̂"/>
+                              <m:ctrlPr>
+                                <a:rPr lang="en-US" sz="1100" i="1" dirty="0">
+                                  <a:latin typeface="Cambria Math" panose="02040503050406030204" pitchFamily="18" charset="0"/>
+                                </a:rPr>
+                              </m:ctrlPr>
+                            </m:accPr>
+                            <m:e>
+                              <m:r>
+                                <a:rPr lang="en-US" sz="1100" i="1" dirty="0">
+                                  <a:latin typeface="Cambria Math" panose="02040503050406030204" pitchFamily="18" charset="0"/>
+                                </a:rPr>
+                                <m:t>𝑦</m:t>
+                              </m:r>
+                            </m:e>
+                          </m:acc>
+                        </m:e>
+                        <m:sub>
+                          <m:r>
+                            <a:rPr lang="en-US" sz="1100" b="0" i="1" dirty="0" smtClean="0">
+                              <a:latin typeface="Cambria Math" panose="02040503050406030204" pitchFamily="18" charset="0"/>
+                            </a:rPr>
+                            <m:t>𝑟𝑙</m:t>
+                          </m:r>
+                        </m:sub>
+                      </m:sSub>
+                    </m:oMath>
+                  </a14:m>
+                  <a:endParaRPr lang="en-US" sz="1100" dirty="0">
+                    <a:latin typeface="Noto Sans" panose="020B0502040504020204" pitchFamily="34" charset="0"/>
+                    <a:ea typeface="Noto Sans" panose="020B0502040504020204" pitchFamily="34" charset="0"/>
+                    <a:cs typeface="Noto Sans" panose="020B0502040504020204" pitchFamily="34" charset="0"/>
+                  </a:endParaRPr>
+                </a:p>
+              </p:txBody>
+            </p:sp>
+          </mc:Choice>
+          <mc:Fallback>
+            <p:sp>
+              <p:nvSpPr>
+                <p:cNvPr id="17" name="Rectangle 16"/>
+                <p:cNvSpPr>
+                  <a:spLocks noRot="1" noChangeAspect="1" noMove="1" noResize="1" noEditPoints="1" noAdjustHandles="1" noChangeArrowheads="1" noChangeShapeType="1" noTextEdit="1"/>
+                </p:cNvSpPr>
+                <p:nvPr/>
+              </p:nvSpPr>
+              <p:spPr>
+                <a:xfrm>
+                  <a:off x="8555466" y="5313516"/>
+                  <a:ext cx="1166327" cy="594361"/>
+                </a:xfrm>
+                <a:prstGeom prst="rect">
+                  <a:avLst/>
+                </a:prstGeom>
+                <a:blipFill>
+                  <a:blip r:embed="rId2"/>
+                  <a:stretch>
+                    <a:fillRect/>
+                  </a:stretch>
+                </a:blipFill>
+              </p:spPr>
+              <p:txBody>
+                <a:bodyPr/>
+                <a:lstStyle/>
+                <a:p>
+                  <a:r>
+                    <a:rPr lang="en-US">
+                      <a:noFill/>
+                    </a:rPr>
+                    <a:t> </a:t>
+                  </a:r>
+                </a:p>
+              </p:txBody>
+            </p:sp>
+          </mc:Fallback>
+        </mc:AlternateContent>
+        <p:sp>
+          <p:nvSpPr>
+            <p:cNvPr id="18" name="Rectangle 17"/>
+            <p:cNvSpPr/>
+            <p:nvPr/>
+          </p:nvSpPr>
+          <p:spPr>
+            <a:xfrm>
+              <a:off x="8555466" y="4214856"/>
+              <a:ext cx="1166327" cy="594361"/>
+            </a:xfrm>
+            <a:prstGeom prst="rect">
               <a:avLst/>
-            </a:prstTxWarp>
-            <a:noAutofit/>
-          </a:bodyPr>
-          <a:lstStyle/>
-          <a:p>
-            <a:pPr algn="ctr"/>
-            <a:r>
-              <a:rPr lang="en-US" sz="1200" dirty="0" err="1"/>
-              <a:t>Deconv</a:t>
-            </a:r>
-            <a:endParaRPr lang="en-US" sz="1200" dirty="0"/>
-          </a:p>
-        </p:txBody>
-      </p:sp>
-      <p:sp>
-        <p:nvSpPr>
-          <p:cNvPr id="15" name="Rectangle 14"/>
-          <p:cNvSpPr/>
-          <p:nvPr/>
-        </p:nvSpPr>
-        <p:spPr>
-          <a:xfrm>
-            <a:off x="7711769" y="5405554"/>
-            <a:ext cx="372502" cy="606827"/>
-          </a:xfrm>
-          <a:prstGeom prst="rect">
-            <a:avLst/>
-          </a:prstGeom>
-        </p:spPr>
-        <p:style>
-          <a:lnRef idx="2">
-            <a:schemeClr val="accent4">
-              <a:shade val="50000"/>
-            </a:schemeClr>
-          </a:lnRef>
-          <a:fillRef idx="1">
-            <a:schemeClr val="accent4"/>
-          </a:fillRef>
-          <a:effectRef idx="0">
-            <a:schemeClr val="accent4"/>
-          </a:effectRef>
-          <a:fontRef idx="minor">
-            <a:schemeClr val="lt1"/>
-          </a:fontRef>
-        </p:style>
-        <p:txBody>
-          <a:bodyPr rot="0" spcFirstLastPara="0" vertOverflow="overflow" horzOverflow="overflow" vert="horz" wrap="square" lIns="91440" tIns="45720" rIns="91440" bIns="45720" numCol="1" spcCol="0" rtlCol="0" fromWordArt="0" anchor="ctr" anchorCtr="0" forceAA="0" compatLnSpc="1">
-            <a:prstTxWarp prst="textNoShape">
+            </a:prstGeom>
+          </p:spPr>
+          <p:style>
+            <a:lnRef idx="2">
+              <a:schemeClr val="accent1">
+                <a:shade val="50000"/>
+              </a:schemeClr>
+            </a:lnRef>
+            <a:fillRef idx="1">
+              <a:schemeClr val="accent1"/>
+            </a:fillRef>
+            <a:effectRef idx="0">
+              <a:schemeClr val="accent1"/>
+            </a:effectRef>
+            <a:fontRef idx="minor">
+              <a:schemeClr val="lt1"/>
+            </a:fontRef>
+          </p:style>
+          <p:txBody>
+            <a:bodyPr rot="0" spcFirstLastPara="0" vertOverflow="overflow" horzOverflow="overflow" vert="horz" wrap="square" lIns="91440" tIns="45720" rIns="91440" bIns="45720" numCol="1" spcCol="0" rtlCol="0" fromWordArt="0" anchor="ctr" anchorCtr="0" forceAA="0" compatLnSpc="1">
+              <a:prstTxWarp prst="textNoShape">
+                <a:avLst/>
+              </a:prstTxWarp>
+              <a:noAutofit/>
+            </a:bodyPr>
+            <a:lstStyle/>
+            <a:p>
+              <a:pPr algn="ctr"/>
+              <a:r>
+                <a:rPr lang="en-US" sz="1100" dirty="0">
+                  <a:latin typeface="Noto Sans" panose="020B0502040504020204" pitchFamily="34" charset="0"/>
+                  <a:ea typeface="Noto Sans" panose="020B0502040504020204" pitchFamily="34" charset="0"/>
+                  <a:cs typeface="Noto Sans" panose="020B0502040504020204" pitchFamily="34" charset="0"/>
+                </a:rPr>
+                <a:t>BVP prediction</a:t>
+              </a:r>
+            </a:p>
+          </p:txBody>
+        </p:sp>
+        <p:cxnSp>
+          <p:nvCxnSpPr>
+            <p:cNvPr id="25" name="Elbow Connector 24"/>
+            <p:cNvCxnSpPr>
+              <a:cxnSpLocks/>
+              <a:stCxn id="7" idx="0"/>
+              <a:endCxn id="14" idx="0"/>
+            </p:cNvCxnSpPr>
+            <p:nvPr/>
+          </p:nvCxnSpPr>
+          <p:spPr>
+            <a:xfrm>
+              <a:off x="5833188" y="3466245"/>
+              <a:ext cx="869436" cy="1049254"/>
+            </a:xfrm>
+            <a:prstGeom prst="bentConnector3">
+              <a:avLst>
+                <a:gd name="adj1" fmla="val 30378"/>
+              </a:avLst>
+            </a:prstGeom>
+            <a:ln w="9525" cap="flat" cmpd="sng" algn="ctr">
+              <a:solidFill>
+                <a:schemeClr val="dk1"/>
+              </a:solidFill>
+              <a:prstDash val="solid"/>
+              <a:round/>
+              <a:headEnd type="none" w="med" len="med"/>
+              <a:tailEnd type="arrow" w="med" len="med"/>
+            </a:ln>
+          </p:spPr>
+          <p:style>
+            <a:lnRef idx="0">
+              <a:scrgbClr r="0" g="0" b="0"/>
+            </a:lnRef>
+            <a:fillRef idx="0">
+              <a:scrgbClr r="0" g="0" b="0"/>
+            </a:fillRef>
+            <a:effectRef idx="0">
+              <a:scrgbClr r="0" g="0" b="0"/>
+            </a:effectRef>
+            <a:fontRef idx="minor">
+              <a:schemeClr val="tx1"/>
+            </a:fontRef>
+          </p:style>
+        </p:cxnSp>
+        <p:cxnSp>
+          <p:nvCxnSpPr>
+            <p:cNvPr id="28" name="Elbow Connector 27"/>
+            <p:cNvCxnSpPr>
+              <a:cxnSpLocks/>
+              <a:stCxn id="7" idx="0"/>
+              <a:endCxn id="13" idx="1"/>
+            </p:cNvCxnSpPr>
+            <p:nvPr/>
+          </p:nvCxnSpPr>
+          <p:spPr>
+            <a:xfrm>
+              <a:off x="5833188" y="3466245"/>
+              <a:ext cx="608279" cy="2150685"/>
+            </a:xfrm>
+            <a:prstGeom prst="bentConnector3">
+              <a:avLst>
+                <a:gd name="adj1" fmla="val 43269"/>
+              </a:avLst>
+            </a:prstGeom>
+            <a:ln w="9525" cap="flat" cmpd="sng" algn="ctr">
+              <a:solidFill>
+                <a:schemeClr val="dk1"/>
+              </a:solidFill>
+              <a:prstDash val="solid"/>
+              <a:round/>
+              <a:headEnd type="none" w="med" len="med"/>
+              <a:tailEnd type="arrow" w="med" len="med"/>
+            </a:ln>
+          </p:spPr>
+          <p:style>
+            <a:lnRef idx="0">
+              <a:scrgbClr r="0" g="0" b="0"/>
+            </a:lnRef>
+            <a:fillRef idx="0">
+              <a:scrgbClr r="0" g="0" b="0"/>
+            </a:fillRef>
+            <a:effectRef idx="0">
+              <a:scrgbClr r="0" g="0" b="0"/>
+            </a:effectRef>
+            <a:fontRef idx="minor">
+              <a:schemeClr val="tx1"/>
+            </a:fontRef>
+          </p:style>
+        </p:cxnSp>
+        <p:cxnSp>
+          <p:nvCxnSpPr>
+            <p:cNvPr id="31" name="Straight Arrow Connector 30"/>
+            <p:cNvCxnSpPr>
+              <a:stCxn id="14" idx="2"/>
+              <a:endCxn id="18" idx="1"/>
+            </p:cNvCxnSpPr>
+            <p:nvPr/>
+          </p:nvCxnSpPr>
+          <p:spPr>
+            <a:xfrm flipV="1">
+              <a:off x="7242951" y="4512036"/>
+              <a:ext cx="1312515" cy="3462"/>
+            </a:xfrm>
+            <a:prstGeom prst="straightConnector1">
               <a:avLst/>
-            </a:prstTxWarp>
-            <a:noAutofit/>
-          </a:bodyPr>
-          <a:lstStyle/>
-          <a:p>
-            <a:pPr algn="ctr"/>
-            <a:r>
-              <a:rPr lang="el-GR" sz="1200" i="1" dirty="0"/>
-              <a:t>Φ</a:t>
-            </a:r>
-            <a:endParaRPr lang="en-US" sz="1200" i="1" dirty="0"/>
-          </a:p>
-        </p:txBody>
-      </p:sp>
-      <mc:AlternateContent xmlns:mc="http://schemas.openxmlformats.org/markup-compatibility/2006" xmlns:a14="http://schemas.microsoft.com/office/drawing/2010/main">
-        <mc:Choice Requires="a14">
-          <p:sp>
-            <p:nvSpPr>
-              <p:cNvPr id="17" name="Rectangle 16"/>
-              <p:cNvSpPr/>
-              <p:nvPr/>
-            </p:nvSpPr>
-            <p:spPr>
-              <a:xfrm>
-                <a:off x="8555466" y="5418020"/>
-                <a:ext cx="1166327" cy="594361"/>
-              </a:xfrm>
-              <a:prstGeom prst="rect">
+            </a:prstGeom>
+            <a:ln w="9525" cap="flat" cmpd="sng" algn="ctr">
+              <a:solidFill>
+                <a:schemeClr val="dk1"/>
+              </a:solidFill>
+              <a:prstDash val="solid"/>
+              <a:round/>
+              <a:headEnd type="none" w="med" len="med"/>
+              <a:tailEnd type="arrow" w="med" len="med"/>
+            </a:ln>
+          </p:spPr>
+          <p:style>
+            <a:lnRef idx="0">
+              <a:scrgbClr r="0" g="0" b="0"/>
+            </a:lnRef>
+            <a:fillRef idx="0">
+              <a:scrgbClr r="0" g="0" b="0"/>
+            </a:fillRef>
+            <a:effectRef idx="0">
+              <a:scrgbClr r="0" g="0" b="0"/>
+            </a:effectRef>
+            <a:fontRef idx="minor">
+              <a:schemeClr val="tx1"/>
+            </a:fontRef>
+          </p:style>
+        </p:cxnSp>
+        <p:cxnSp>
+          <p:nvCxnSpPr>
+            <p:cNvPr id="33" name="Straight Arrow Connector 32"/>
+            <p:cNvCxnSpPr>
+              <a:stCxn id="13" idx="3"/>
+              <a:endCxn id="15" idx="1"/>
+            </p:cNvCxnSpPr>
+            <p:nvPr/>
+          </p:nvCxnSpPr>
+          <p:spPr>
+            <a:xfrm flipV="1">
+              <a:off x="7504107" y="5604463"/>
+              <a:ext cx="207662" cy="12466"/>
+            </a:xfrm>
+            <a:prstGeom prst="straightConnector1">
+              <a:avLst/>
+            </a:prstGeom>
+            <a:ln w="9525" cap="flat" cmpd="sng" algn="ctr">
+              <a:solidFill>
+                <a:schemeClr val="dk1"/>
+              </a:solidFill>
+              <a:prstDash val="solid"/>
+              <a:round/>
+              <a:headEnd type="none" w="med" len="med"/>
+              <a:tailEnd type="arrow" w="med" len="med"/>
+            </a:ln>
+          </p:spPr>
+          <p:style>
+            <a:lnRef idx="0">
+              <a:scrgbClr r="0" g="0" b="0"/>
+            </a:lnRef>
+            <a:fillRef idx="0">
+              <a:scrgbClr r="0" g="0" b="0"/>
+            </a:fillRef>
+            <a:effectRef idx="0">
+              <a:scrgbClr r="0" g="0" b="0"/>
+            </a:effectRef>
+            <a:fontRef idx="minor">
+              <a:schemeClr val="tx1"/>
+            </a:fontRef>
+          </p:style>
+        </p:cxnSp>
+        <p:cxnSp>
+          <p:nvCxnSpPr>
+            <p:cNvPr id="35" name="Straight Arrow Connector 34"/>
+            <p:cNvCxnSpPr>
+              <a:stCxn id="15" idx="3"/>
+              <a:endCxn id="17" idx="1"/>
+            </p:cNvCxnSpPr>
+            <p:nvPr/>
+          </p:nvCxnSpPr>
+          <p:spPr>
+            <a:xfrm>
+              <a:off x="8084271" y="5604464"/>
+              <a:ext cx="471194" cy="6233"/>
+            </a:xfrm>
+            <a:prstGeom prst="straightConnector1">
+              <a:avLst/>
+            </a:prstGeom>
+            <a:ln w="9525" cap="flat" cmpd="sng" algn="ctr">
+              <a:solidFill>
+                <a:schemeClr val="dk1"/>
+              </a:solidFill>
+              <a:prstDash val="solid"/>
+              <a:round/>
+              <a:headEnd type="none" w="med" len="med"/>
+              <a:tailEnd type="arrow" w="med" len="med"/>
+            </a:ln>
+          </p:spPr>
+          <p:style>
+            <a:lnRef idx="0">
+              <a:scrgbClr r="0" g="0" b="0"/>
+            </a:lnRef>
+            <a:fillRef idx="0">
+              <a:scrgbClr r="0" g="0" b="0"/>
+            </a:fillRef>
+            <a:effectRef idx="0">
+              <a:scrgbClr r="0" g="0" b="0"/>
+            </a:effectRef>
+            <a:fontRef idx="minor">
+              <a:schemeClr val="tx1"/>
+            </a:fontRef>
+          </p:style>
+        </p:cxnSp>
+        <p:sp>
+          <p:nvSpPr>
+            <p:cNvPr id="36" name="Rounded Rectangle 35"/>
+            <p:cNvSpPr/>
+            <p:nvPr/>
+          </p:nvSpPr>
+          <p:spPr>
+            <a:xfrm>
+              <a:off x="6283463" y="682670"/>
+              <a:ext cx="1978089" cy="2547257"/>
+            </a:xfrm>
+            <a:prstGeom prst="roundRect">
+              <a:avLst/>
+            </a:prstGeom>
+            <a:ln w="28575"/>
+          </p:spPr>
+          <p:style>
+            <a:lnRef idx="2">
+              <a:schemeClr val="accent4"/>
+            </a:lnRef>
+            <a:fillRef idx="1">
+              <a:schemeClr val="lt1"/>
+            </a:fillRef>
+            <a:effectRef idx="0">
+              <a:schemeClr val="accent4"/>
+            </a:effectRef>
+            <a:fontRef idx="minor">
+              <a:schemeClr val="dk1"/>
+            </a:fontRef>
+          </p:style>
+          <p:txBody>
+            <a:bodyPr rot="0" spcFirstLastPara="0" vertOverflow="overflow" horzOverflow="overflow" vert="horz" wrap="square" lIns="91440" tIns="45720" rIns="91440" bIns="45720" numCol="1" spcCol="0" rtlCol="0" fromWordArt="0" anchor="ctr" anchorCtr="0" forceAA="0" compatLnSpc="1">
+              <a:prstTxWarp prst="textNoShape">
                 <a:avLst/>
-              </a:prstGeom>
-            </p:spPr>
-            <p:style>
-              <a:lnRef idx="2">
-                <a:schemeClr val="accent1">
-                  <a:shade val="50000"/>
-                </a:schemeClr>
-              </a:lnRef>
-              <a:fillRef idx="1">
-                <a:schemeClr val="accent1"/>
-              </a:fillRef>
-              <a:effectRef idx="0">
-                <a:schemeClr val="accent1"/>
-              </a:effectRef>
-              <a:fontRef idx="minor">
-                <a:schemeClr val="lt1"/>
-              </a:fontRef>
-            </p:style>
-            <p:txBody>
-              <a:bodyPr rot="0" spcFirstLastPara="0" vertOverflow="overflow" horzOverflow="overflow" vert="horz" wrap="square" lIns="91440" tIns="45720" rIns="91440" bIns="45720" numCol="1" spcCol="0" rtlCol="0" fromWordArt="0" anchor="ctr" anchorCtr="0" forceAA="0" compatLnSpc="1">
-                <a:prstTxWarp prst="textNoShape">
+              </a:prstTxWarp>
+              <a:noAutofit/>
+            </a:bodyPr>
+            <a:lstStyle/>
+            <a:p>
+              <a:pPr algn="ctr"/>
+              <a:endParaRPr lang="en-US" sz="1100">
+                <a:latin typeface="Noto Sans" panose="020B0502040504020204" pitchFamily="34" charset="0"/>
+                <a:ea typeface="Noto Sans" panose="020B0502040504020204" pitchFamily="34" charset="0"/>
+                <a:cs typeface="Noto Sans" panose="020B0502040504020204" pitchFamily="34" charset="0"/>
+              </a:endParaRPr>
+            </a:p>
+          </p:txBody>
+        </p:sp>
+        <p:sp>
+          <p:nvSpPr>
+            <p:cNvPr id="37" name="Rectangle 36"/>
+            <p:cNvSpPr/>
+            <p:nvPr/>
+          </p:nvSpPr>
+          <p:spPr>
+            <a:xfrm>
+              <a:off x="6441467" y="2306091"/>
+              <a:ext cx="1062640" cy="606827"/>
+            </a:xfrm>
+            <a:prstGeom prst="rect">
+              <a:avLst/>
+            </a:prstGeom>
+          </p:spPr>
+          <p:style>
+            <a:lnRef idx="2">
+              <a:schemeClr val="accent4">
+                <a:shade val="50000"/>
+              </a:schemeClr>
+            </a:lnRef>
+            <a:fillRef idx="1">
+              <a:schemeClr val="accent4"/>
+            </a:fillRef>
+            <a:effectRef idx="0">
+              <a:schemeClr val="accent4"/>
+            </a:effectRef>
+            <a:fontRef idx="minor">
+              <a:schemeClr val="lt1"/>
+            </a:fontRef>
+          </p:style>
+          <p:txBody>
+            <a:bodyPr rot="0" spcFirstLastPara="0" vertOverflow="overflow" horzOverflow="overflow" vert="horz" wrap="square" lIns="91440" tIns="45720" rIns="91440" bIns="45720" numCol="1" spcCol="0" rtlCol="0" fromWordArt="0" anchor="ctr" anchorCtr="0" forceAA="0" compatLnSpc="1">
+              <a:prstTxWarp prst="textNoShape">
+                <a:avLst/>
+              </a:prstTxWarp>
+              <a:noAutofit/>
+            </a:bodyPr>
+            <a:lstStyle/>
+            <a:p>
+              <a:pPr algn="ctr"/>
+              <a:r>
+                <a:rPr lang="en-US" sz="1100" dirty="0">
+                  <a:latin typeface="Noto Sans" panose="020B0502040504020204" pitchFamily="34" charset="0"/>
+                  <a:ea typeface="Noto Sans" panose="020B0502040504020204" pitchFamily="34" charset="0"/>
+                  <a:cs typeface="Noto Sans" panose="020B0502040504020204" pitchFamily="34" charset="0"/>
+                </a:rPr>
+                <a:t>FCN Classifier</a:t>
+              </a:r>
+            </a:p>
+          </p:txBody>
+        </p:sp>
+        <p:sp>
+          <p:nvSpPr>
+            <p:cNvPr id="38" name="Trapezoid 37"/>
+            <p:cNvSpPr/>
+            <p:nvPr/>
+          </p:nvSpPr>
+          <p:spPr>
+            <a:xfrm rot="16200000">
+              <a:off x="6395748" y="1237911"/>
+              <a:ext cx="1154079" cy="540327"/>
+            </a:xfrm>
+            <a:prstGeom prst="trapezoid">
+              <a:avLst>
+                <a:gd name="adj" fmla="val 60385"/>
+              </a:avLst>
+            </a:prstGeom>
+          </p:spPr>
+          <p:style>
+            <a:lnRef idx="2">
+              <a:schemeClr val="accent4">
+                <a:shade val="50000"/>
+              </a:schemeClr>
+            </a:lnRef>
+            <a:fillRef idx="1">
+              <a:schemeClr val="accent4"/>
+            </a:fillRef>
+            <a:effectRef idx="0">
+              <a:schemeClr val="accent4"/>
+            </a:effectRef>
+            <a:fontRef idx="minor">
+              <a:schemeClr val="lt1"/>
+            </a:fontRef>
+          </p:style>
+          <p:txBody>
+            <a:bodyPr rot="0" spcFirstLastPara="0" vertOverflow="overflow" horzOverflow="overflow" vert="horz" wrap="square" lIns="91440" tIns="45720" rIns="91440" bIns="45720" numCol="1" spcCol="0" rtlCol="0" fromWordArt="0" anchor="ctr" anchorCtr="0" forceAA="0" compatLnSpc="1">
+              <a:prstTxWarp prst="textNoShape">
+                <a:avLst/>
+              </a:prstTxWarp>
+              <a:noAutofit/>
+            </a:bodyPr>
+            <a:lstStyle/>
+            <a:p>
+              <a:pPr algn="ctr"/>
+              <a:r>
+                <a:rPr lang="en-US" sz="1100" dirty="0" err="1">
+                  <a:latin typeface="Noto Sans" panose="020B0502040504020204" pitchFamily="34" charset="0"/>
+                  <a:ea typeface="Noto Sans" panose="020B0502040504020204" pitchFamily="34" charset="0"/>
+                  <a:cs typeface="Noto Sans" panose="020B0502040504020204" pitchFamily="34" charset="0"/>
+                </a:rPr>
+                <a:t>Deconv</a:t>
+              </a:r>
+              <a:endParaRPr lang="en-US" sz="1100" dirty="0">
+                <a:latin typeface="Noto Sans" panose="020B0502040504020204" pitchFamily="34" charset="0"/>
+                <a:ea typeface="Noto Sans" panose="020B0502040504020204" pitchFamily="34" charset="0"/>
+                <a:cs typeface="Noto Sans" panose="020B0502040504020204" pitchFamily="34" charset="0"/>
+              </a:endParaRPr>
+            </a:p>
+          </p:txBody>
+        </p:sp>
+        <p:sp>
+          <p:nvSpPr>
+            <p:cNvPr id="39" name="Rectangle 38"/>
+            <p:cNvSpPr/>
+            <p:nvPr/>
+          </p:nvSpPr>
+          <p:spPr>
+            <a:xfrm>
+              <a:off x="7711769" y="2293625"/>
+              <a:ext cx="372502" cy="606827"/>
+            </a:xfrm>
+            <a:prstGeom prst="rect">
+              <a:avLst/>
+            </a:prstGeom>
+          </p:spPr>
+          <p:style>
+            <a:lnRef idx="2">
+              <a:schemeClr val="accent4">
+                <a:shade val="50000"/>
+              </a:schemeClr>
+            </a:lnRef>
+            <a:fillRef idx="1">
+              <a:schemeClr val="accent4"/>
+            </a:fillRef>
+            <a:effectRef idx="0">
+              <a:schemeClr val="accent4"/>
+            </a:effectRef>
+            <a:fontRef idx="minor">
+              <a:schemeClr val="lt1"/>
+            </a:fontRef>
+          </p:style>
+          <p:txBody>
+            <a:bodyPr rot="0" spcFirstLastPara="0" vertOverflow="overflow" horzOverflow="overflow" vert="horz" wrap="square" lIns="91440" tIns="45720" rIns="91440" bIns="45720" numCol="1" spcCol="0" rtlCol="0" fromWordArt="0" anchor="ctr" anchorCtr="0" forceAA="0" compatLnSpc="1">
+              <a:prstTxWarp prst="textNoShape">
+                <a:avLst/>
+              </a:prstTxWarp>
+              <a:noAutofit/>
+            </a:bodyPr>
+            <a:lstStyle/>
+            <a:p>
+              <a:pPr algn="ctr"/>
+              <a:r>
+                <a:rPr lang="el-GR" sz="1100" i="1" dirty="0">
+                  <a:latin typeface="Noto Sans" panose="020B0502040504020204" pitchFamily="34" charset="0"/>
+                  <a:ea typeface="Noto Sans" panose="020B0502040504020204" pitchFamily="34" charset="0"/>
+                  <a:cs typeface="Noto Sans" panose="020B0502040504020204" pitchFamily="34" charset="0"/>
+                </a:rPr>
+                <a:t>Φ</a:t>
+              </a:r>
+              <a:endParaRPr lang="en-US" sz="1100" i="1" dirty="0">
+                <a:latin typeface="Noto Sans" panose="020B0502040504020204" pitchFamily="34" charset="0"/>
+                <a:ea typeface="Noto Sans" panose="020B0502040504020204" pitchFamily="34" charset="0"/>
+                <a:cs typeface="Noto Sans" panose="020B0502040504020204" pitchFamily="34" charset="0"/>
+              </a:endParaRPr>
+            </a:p>
+          </p:txBody>
+        </p:sp>
+        <mc:AlternateContent xmlns:mc="http://schemas.openxmlformats.org/markup-compatibility/2006">
+          <mc:Choice xmlns:a14="http://schemas.microsoft.com/office/drawing/2010/main" Requires="a14">
+            <p:sp>
+              <p:nvSpPr>
+                <p:cNvPr id="40" name="Rectangle 39"/>
+                <p:cNvSpPr/>
+                <p:nvPr/>
+              </p:nvSpPr>
+              <p:spPr>
+                <a:xfrm>
+                  <a:off x="8555466" y="2306091"/>
+                  <a:ext cx="1166327" cy="594361"/>
+                </a:xfrm>
+                <a:prstGeom prst="rect">
                   <a:avLst/>
-                </a:prstTxWarp>
-                <a:noAutofit/>
-              </a:bodyPr>
-              <a:lstStyle/>
-              <a:p>
-                <a:pPr algn="ctr"/>
-                <a:r>
-                  <a:rPr lang="en-US" sz="1200" dirty="0" smtClean="0"/>
-                  <a:t>Gesture prediction </a:t>
-                </a:r>
-                <a14:m>
-                  <m:oMath xmlns:m="http://schemas.openxmlformats.org/officeDocument/2006/math">
-                    <m:sSub>
-                      <m:sSubPr>
-                        <m:ctrlPr>
-                          <a:rPr lang="en-US" sz="1200" i="1" dirty="0">
-                            <a:latin typeface="Cambria Math" panose="02040503050406030204" pitchFamily="18" charset="0"/>
-                          </a:rPr>
-                        </m:ctrlPr>
-                      </m:sSubPr>
-                      <m:e>
-                        <m:acc>
-                          <m:accPr>
-                            <m:chr m:val="̂"/>
+                </a:prstGeom>
+              </p:spPr>
+              <p:style>
+                <a:lnRef idx="2">
+                  <a:schemeClr val="accent1">
+                    <a:shade val="50000"/>
+                  </a:schemeClr>
+                </a:lnRef>
+                <a:fillRef idx="1">
+                  <a:schemeClr val="accent1"/>
+                </a:fillRef>
+                <a:effectRef idx="0">
+                  <a:schemeClr val="accent1"/>
+                </a:effectRef>
+                <a:fontRef idx="minor">
+                  <a:schemeClr val="lt1"/>
+                </a:fontRef>
+              </p:style>
+              <p:txBody>
+                <a:bodyPr rot="0" spcFirstLastPara="0" vertOverflow="overflow" horzOverflow="overflow" vert="horz" wrap="square" lIns="91440" tIns="45720" rIns="91440" bIns="45720" numCol="1" spcCol="0" rtlCol="0" fromWordArt="0" anchor="ctr" anchorCtr="0" forceAA="0" compatLnSpc="1">
+                  <a:prstTxWarp prst="textNoShape">
+                    <a:avLst/>
+                  </a:prstTxWarp>
+                  <a:noAutofit/>
+                </a:bodyPr>
+                <a:lstStyle/>
+                <a:p>
+                  <a:pPr algn="ctr"/>
+                  <a:r>
+                    <a:rPr lang="en-US" sz="1100" dirty="0">
+                      <a:latin typeface="Noto Sans" panose="020B0502040504020204" pitchFamily="34" charset="0"/>
+                      <a:ea typeface="Noto Sans" panose="020B0502040504020204" pitchFamily="34" charset="0"/>
+                      <a:cs typeface="Noto Sans" panose="020B0502040504020204" pitchFamily="34" charset="0"/>
+                    </a:rPr>
+                    <a:t>Gesture prediction </a:t>
+                  </a:r>
+                  <a14:m>
+                    <m:oMath xmlns:m="http://schemas.openxmlformats.org/officeDocument/2006/math">
+                      <m:sSub>
+                        <m:sSubPr>
+                          <m:ctrlPr>
+                            <a:rPr lang="en-US" sz="1100" i="1" dirty="0" smtClean="0">
+                              <a:latin typeface="Cambria Math" panose="02040503050406030204" pitchFamily="18" charset="0"/>
+                            </a:rPr>
+                          </m:ctrlPr>
+                        </m:sSubPr>
+                        <m:e>
+                          <m:acc>
+                            <m:accPr>
+                              <m:chr m:val="̂"/>
+                              <m:ctrlPr>
+                                <a:rPr lang="en-US" sz="1100" i="1" dirty="0" smtClean="0">
+                                  <a:latin typeface="Cambria Math" panose="02040503050406030204" pitchFamily="18" charset="0"/>
+                                </a:rPr>
+                              </m:ctrlPr>
+                            </m:accPr>
+                            <m:e>
+                              <m:r>
+                                <a:rPr lang="en-US" sz="1100" b="0" i="1" dirty="0" smtClean="0">
+                                  <a:latin typeface="Cambria Math" panose="02040503050406030204" pitchFamily="18" charset="0"/>
+                                </a:rPr>
+                                <m:t>𝑦</m:t>
+                              </m:r>
+                            </m:e>
+                          </m:acc>
+                        </m:e>
+                        <m:sub>
+                          <m:r>
+                            <a:rPr lang="en-US" sz="1100" b="0" i="1" dirty="0" smtClean="0">
+                              <a:latin typeface="Cambria Math" panose="02040503050406030204" pitchFamily="18" charset="0"/>
+                            </a:rPr>
+                            <m:t>0</m:t>
+                          </m:r>
+                        </m:sub>
+                      </m:sSub>
+                    </m:oMath>
+                  </a14:m>
+                  <a:endParaRPr lang="en-US" sz="1100" dirty="0">
+                    <a:latin typeface="Noto Sans" panose="020B0502040504020204" pitchFamily="34" charset="0"/>
+                    <a:ea typeface="Noto Sans" panose="020B0502040504020204" pitchFamily="34" charset="0"/>
+                    <a:cs typeface="Noto Sans" panose="020B0502040504020204" pitchFamily="34" charset="0"/>
+                  </a:endParaRPr>
+                </a:p>
+              </p:txBody>
+            </p:sp>
+          </mc:Choice>
+          <mc:Fallback>
+            <p:sp>
+              <p:nvSpPr>
+                <p:cNvPr id="40" name="Rectangle 39"/>
+                <p:cNvSpPr>
+                  <a:spLocks noRot="1" noChangeAspect="1" noMove="1" noResize="1" noEditPoints="1" noAdjustHandles="1" noChangeArrowheads="1" noChangeShapeType="1" noTextEdit="1"/>
+                </p:cNvSpPr>
+                <p:nvPr/>
+              </p:nvSpPr>
+              <p:spPr>
+                <a:xfrm>
+                  <a:off x="8555466" y="2306091"/>
+                  <a:ext cx="1166327" cy="594361"/>
+                </a:xfrm>
+                <a:prstGeom prst="rect">
+                  <a:avLst/>
+                </a:prstGeom>
+                <a:blipFill>
+                  <a:blip r:embed="rId3"/>
+                  <a:stretch>
+                    <a:fillRect/>
+                  </a:stretch>
+                </a:blipFill>
+              </p:spPr>
+              <p:txBody>
+                <a:bodyPr/>
+                <a:lstStyle/>
+                <a:p>
+                  <a:r>
+                    <a:rPr lang="en-US">
+                      <a:noFill/>
+                    </a:rPr>
+                    <a:t> </a:t>
+                  </a:r>
+                </a:p>
+              </p:txBody>
+            </p:sp>
+          </mc:Fallback>
+        </mc:AlternateContent>
+        <p:sp>
+          <p:nvSpPr>
+            <p:cNvPr id="41" name="Rectangle 40"/>
+            <p:cNvSpPr/>
+            <p:nvPr/>
+          </p:nvSpPr>
+          <p:spPr>
+            <a:xfrm>
+              <a:off x="8555466" y="1207715"/>
+              <a:ext cx="1166327" cy="594361"/>
+            </a:xfrm>
+            <a:prstGeom prst="rect">
+              <a:avLst/>
+            </a:prstGeom>
+          </p:spPr>
+          <p:style>
+            <a:lnRef idx="2">
+              <a:schemeClr val="accent1">
+                <a:shade val="50000"/>
+              </a:schemeClr>
+            </a:lnRef>
+            <a:fillRef idx="1">
+              <a:schemeClr val="accent1"/>
+            </a:fillRef>
+            <a:effectRef idx="0">
+              <a:schemeClr val="accent1"/>
+            </a:effectRef>
+            <a:fontRef idx="minor">
+              <a:schemeClr val="lt1"/>
+            </a:fontRef>
+          </p:style>
+          <p:txBody>
+            <a:bodyPr rot="0" spcFirstLastPara="0" vertOverflow="overflow" horzOverflow="overflow" vert="horz" wrap="square" lIns="91440" tIns="45720" rIns="91440" bIns="45720" numCol="1" spcCol="0" rtlCol="0" fromWordArt="0" anchor="ctr" anchorCtr="0" forceAA="0" compatLnSpc="1">
+              <a:prstTxWarp prst="textNoShape">
+                <a:avLst/>
+              </a:prstTxWarp>
+              <a:noAutofit/>
+            </a:bodyPr>
+            <a:lstStyle/>
+            <a:p>
+              <a:pPr algn="ctr"/>
+              <a:r>
+                <a:rPr lang="en-US" sz="1100" dirty="0">
+                  <a:latin typeface="Noto Sans" panose="020B0502040504020204" pitchFamily="34" charset="0"/>
+                  <a:ea typeface="Noto Sans" panose="020B0502040504020204" pitchFamily="34" charset="0"/>
+                  <a:cs typeface="Noto Sans" panose="020B0502040504020204" pitchFamily="34" charset="0"/>
+                </a:rPr>
+                <a:t>BVP prediction</a:t>
+              </a:r>
+            </a:p>
+          </p:txBody>
+        </p:sp>
+        <p:cxnSp>
+          <p:nvCxnSpPr>
+            <p:cNvPr id="42" name="Straight Arrow Connector 41"/>
+            <p:cNvCxnSpPr>
+              <a:cxnSpLocks/>
+              <a:stCxn id="38" idx="2"/>
+            </p:cNvCxnSpPr>
+            <p:nvPr/>
+          </p:nvCxnSpPr>
+          <p:spPr>
+            <a:xfrm flipV="1">
+              <a:off x="7242951" y="1504611"/>
+              <a:ext cx="1312515" cy="3462"/>
+            </a:xfrm>
+            <a:prstGeom prst="straightConnector1">
+              <a:avLst/>
+            </a:prstGeom>
+            <a:ln w="9525" cap="flat" cmpd="sng" algn="ctr">
+              <a:solidFill>
+                <a:schemeClr val="dk1"/>
+              </a:solidFill>
+              <a:prstDash val="solid"/>
+              <a:round/>
+              <a:headEnd type="none" w="med" len="med"/>
+              <a:tailEnd type="arrow" w="med" len="med"/>
+            </a:ln>
+          </p:spPr>
+          <p:style>
+            <a:lnRef idx="0">
+              <a:scrgbClr r="0" g="0" b="0"/>
+            </a:lnRef>
+            <a:fillRef idx="0">
+              <a:scrgbClr r="0" g="0" b="0"/>
+            </a:fillRef>
+            <a:effectRef idx="0">
+              <a:scrgbClr r="0" g="0" b="0"/>
+            </a:effectRef>
+            <a:fontRef idx="minor">
+              <a:schemeClr val="tx1"/>
+            </a:fontRef>
+          </p:style>
+        </p:cxnSp>
+        <p:cxnSp>
+          <p:nvCxnSpPr>
+            <p:cNvPr id="43" name="Straight Arrow Connector 42"/>
+            <p:cNvCxnSpPr>
+              <a:stCxn id="37" idx="3"/>
+              <a:endCxn id="39" idx="1"/>
+            </p:cNvCxnSpPr>
+            <p:nvPr/>
+          </p:nvCxnSpPr>
+          <p:spPr>
+            <a:xfrm flipV="1">
+              <a:off x="7504107" y="2597038"/>
+              <a:ext cx="207662" cy="12466"/>
+            </a:xfrm>
+            <a:prstGeom prst="straightConnector1">
+              <a:avLst/>
+            </a:prstGeom>
+            <a:ln w="9525" cap="flat" cmpd="sng" algn="ctr">
+              <a:solidFill>
+                <a:schemeClr val="dk1"/>
+              </a:solidFill>
+              <a:prstDash val="solid"/>
+              <a:round/>
+              <a:headEnd type="none" w="med" len="med"/>
+              <a:tailEnd type="arrow" w="med" len="med"/>
+            </a:ln>
+          </p:spPr>
+          <p:style>
+            <a:lnRef idx="0">
+              <a:scrgbClr r="0" g="0" b="0"/>
+            </a:lnRef>
+            <a:fillRef idx="0">
+              <a:scrgbClr r="0" g="0" b="0"/>
+            </a:fillRef>
+            <a:effectRef idx="0">
+              <a:scrgbClr r="0" g="0" b="0"/>
+            </a:effectRef>
+            <a:fontRef idx="minor">
+              <a:schemeClr val="tx1"/>
+            </a:fontRef>
+          </p:style>
+        </p:cxnSp>
+        <p:cxnSp>
+          <p:nvCxnSpPr>
+            <p:cNvPr id="44" name="Straight Arrow Connector 43"/>
+            <p:cNvCxnSpPr>
+              <a:stCxn id="39" idx="3"/>
+              <a:endCxn id="40" idx="1"/>
+            </p:cNvCxnSpPr>
+            <p:nvPr/>
+          </p:nvCxnSpPr>
+          <p:spPr>
+            <a:xfrm>
+              <a:off x="8084271" y="2597039"/>
+              <a:ext cx="471194" cy="6233"/>
+            </a:xfrm>
+            <a:prstGeom prst="straightConnector1">
+              <a:avLst/>
+            </a:prstGeom>
+            <a:ln w="9525" cap="flat" cmpd="sng" algn="ctr">
+              <a:solidFill>
+                <a:schemeClr val="dk1"/>
+              </a:solidFill>
+              <a:prstDash val="solid"/>
+              <a:round/>
+              <a:headEnd type="none" w="med" len="med"/>
+              <a:tailEnd type="arrow" w="med" len="med"/>
+            </a:ln>
+          </p:spPr>
+          <p:style>
+            <a:lnRef idx="0">
+              <a:scrgbClr r="0" g="0" b="0"/>
+            </a:lnRef>
+            <a:fillRef idx="0">
+              <a:scrgbClr r="0" g="0" b="0"/>
+            </a:fillRef>
+            <a:effectRef idx="0">
+              <a:scrgbClr r="0" g="0" b="0"/>
+            </a:effectRef>
+            <a:fontRef idx="minor">
+              <a:schemeClr val="tx1"/>
+            </a:fontRef>
+          </p:style>
+        </p:cxnSp>
+        <p:cxnSp>
+          <p:nvCxnSpPr>
+            <p:cNvPr id="46" name="Straight Arrow Connector 45"/>
+            <p:cNvCxnSpPr>
+              <a:stCxn id="5" idx="3"/>
+              <a:endCxn id="6" idx="1"/>
+            </p:cNvCxnSpPr>
+            <p:nvPr/>
+          </p:nvCxnSpPr>
+          <p:spPr>
+            <a:xfrm>
+              <a:off x="3069481" y="3453777"/>
+              <a:ext cx="261155" cy="12466"/>
+            </a:xfrm>
+            <a:prstGeom prst="straightConnector1">
+              <a:avLst/>
+            </a:prstGeom>
+            <a:ln w="9525" cap="flat" cmpd="sng" algn="ctr">
+              <a:solidFill>
+                <a:schemeClr val="dk1"/>
+              </a:solidFill>
+              <a:prstDash val="solid"/>
+              <a:round/>
+              <a:headEnd type="none" w="med" len="med"/>
+              <a:tailEnd type="arrow" w="med" len="med"/>
+            </a:ln>
+          </p:spPr>
+          <p:style>
+            <a:lnRef idx="0">
+              <a:scrgbClr r="0" g="0" b="0"/>
+            </a:lnRef>
+            <a:fillRef idx="0">
+              <a:scrgbClr r="0" g="0" b="0"/>
+            </a:fillRef>
+            <a:effectRef idx="0">
+              <a:scrgbClr r="0" g="0" b="0"/>
+            </a:effectRef>
+            <a:fontRef idx="minor">
+              <a:schemeClr val="tx1"/>
+            </a:fontRef>
+          </p:style>
+        </p:cxnSp>
+        <p:cxnSp>
+          <p:nvCxnSpPr>
+            <p:cNvPr id="48" name="Straight Arrow Connector 47"/>
+            <p:cNvCxnSpPr>
+              <a:stCxn id="6" idx="3"/>
+              <a:endCxn id="7" idx="2"/>
+            </p:cNvCxnSpPr>
+            <p:nvPr/>
+          </p:nvCxnSpPr>
+          <p:spPr>
+            <a:xfrm>
+              <a:off x="4239491" y="3466244"/>
+              <a:ext cx="701042" cy="1"/>
+            </a:xfrm>
+            <a:prstGeom prst="straightConnector1">
+              <a:avLst/>
+            </a:prstGeom>
+            <a:ln w="9525" cap="flat" cmpd="sng" algn="ctr">
+              <a:solidFill>
+                <a:schemeClr val="dk1"/>
+              </a:solidFill>
+              <a:prstDash val="solid"/>
+              <a:round/>
+              <a:headEnd type="none" w="med" len="med"/>
+              <a:tailEnd type="arrow" w="med" len="med"/>
+            </a:ln>
+          </p:spPr>
+          <p:style>
+            <a:lnRef idx="0">
+              <a:scrgbClr r="0" g="0" b="0"/>
+            </a:lnRef>
+            <a:fillRef idx="0">
+              <a:scrgbClr r="0" g="0" b="0"/>
+            </a:fillRef>
+            <a:effectRef idx="0">
+              <a:scrgbClr r="0" g="0" b="0"/>
+            </a:effectRef>
+            <a:fontRef idx="minor">
+              <a:schemeClr val="tx1"/>
+            </a:fontRef>
+          </p:style>
+        </p:cxnSp>
+        <p:cxnSp>
+          <p:nvCxnSpPr>
+            <p:cNvPr id="50" name="Straight Arrow Connector 49"/>
+            <p:cNvCxnSpPr>
+              <a:stCxn id="4" idx="3"/>
+              <a:endCxn id="5" idx="1"/>
+            </p:cNvCxnSpPr>
+            <p:nvPr/>
+          </p:nvCxnSpPr>
+          <p:spPr>
+            <a:xfrm flipV="1">
+              <a:off x="1471352" y="3453777"/>
+              <a:ext cx="689273" cy="12466"/>
+            </a:xfrm>
+            <a:prstGeom prst="straightConnector1">
+              <a:avLst/>
+            </a:prstGeom>
+            <a:ln w="9525" cap="flat" cmpd="sng" algn="ctr">
+              <a:solidFill>
+                <a:schemeClr val="dk1"/>
+              </a:solidFill>
+              <a:prstDash val="solid"/>
+              <a:round/>
+              <a:headEnd type="none" w="med" len="med"/>
+              <a:tailEnd type="arrow" w="med" len="med"/>
+            </a:ln>
+          </p:spPr>
+          <p:style>
+            <a:lnRef idx="0">
+              <a:scrgbClr r="0" g="0" b="0"/>
+            </a:lnRef>
+            <a:fillRef idx="0">
+              <a:scrgbClr r="0" g="0" b="0"/>
+            </a:fillRef>
+            <a:effectRef idx="0">
+              <a:scrgbClr r="0" g="0" b="0"/>
+            </a:effectRef>
+            <a:fontRef idx="minor">
+              <a:schemeClr val="tx1"/>
+            </a:fontRef>
+          </p:style>
+        </p:cxnSp>
+        <p:cxnSp>
+          <p:nvCxnSpPr>
+            <p:cNvPr id="52" name="Elbow Connector 51"/>
+            <p:cNvCxnSpPr>
+              <a:stCxn id="7" idx="0"/>
+              <a:endCxn id="37" idx="1"/>
+            </p:cNvCxnSpPr>
+            <p:nvPr/>
+          </p:nvCxnSpPr>
+          <p:spPr>
+            <a:xfrm flipV="1">
+              <a:off x="5833188" y="2609505"/>
+              <a:ext cx="608279" cy="856740"/>
+            </a:xfrm>
+            <a:prstGeom prst="bentConnector3">
+              <a:avLst>
+                <a:gd name="adj1" fmla="val 43269"/>
+              </a:avLst>
+            </a:prstGeom>
+            <a:ln w="9525" cap="flat" cmpd="sng" algn="ctr">
+              <a:solidFill>
+                <a:schemeClr val="dk1"/>
+              </a:solidFill>
+              <a:prstDash val="solid"/>
+              <a:round/>
+              <a:headEnd type="none" w="med" len="med"/>
+              <a:tailEnd type="arrow" w="med" len="med"/>
+            </a:ln>
+          </p:spPr>
+          <p:style>
+            <a:lnRef idx="0">
+              <a:scrgbClr r="0" g="0" b="0"/>
+            </a:lnRef>
+            <a:fillRef idx="0">
+              <a:scrgbClr r="0" g="0" b="0"/>
+            </a:fillRef>
+            <a:effectRef idx="0">
+              <a:scrgbClr r="0" g="0" b="0"/>
+            </a:effectRef>
+            <a:fontRef idx="minor">
+              <a:schemeClr val="tx1"/>
+            </a:fontRef>
+          </p:style>
+        </p:cxnSp>
+        <p:cxnSp>
+          <p:nvCxnSpPr>
+            <p:cNvPr id="55" name="Elbow Connector 54"/>
+            <p:cNvCxnSpPr>
+              <a:stCxn id="7" idx="0"/>
+              <a:endCxn id="38" idx="0"/>
+            </p:cNvCxnSpPr>
+            <p:nvPr/>
+          </p:nvCxnSpPr>
+          <p:spPr>
+            <a:xfrm flipV="1">
+              <a:off x="5833188" y="1508074"/>
+              <a:ext cx="869436" cy="1958171"/>
+            </a:xfrm>
+            <a:prstGeom prst="bentConnector3">
+              <a:avLst>
+                <a:gd name="adj1" fmla="val 30378"/>
+              </a:avLst>
+            </a:prstGeom>
+            <a:ln w="9525" cap="flat" cmpd="sng" algn="ctr">
+              <a:solidFill>
+                <a:schemeClr val="dk1"/>
+              </a:solidFill>
+              <a:prstDash val="solid"/>
+              <a:round/>
+              <a:headEnd type="none" w="med" len="med"/>
+              <a:tailEnd type="arrow" w="med" len="med"/>
+            </a:ln>
+          </p:spPr>
+          <p:style>
+            <a:lnRef idx="0">
+              <a:scrgbClr r="0" g="0" b="0"/>
+            </a:lnRef>
+            <a:fillRef idx="0">
+              <a:scrgbClr r="0" g="0" b="0"/>
+            </a:fillRef>
+            <a:effectRef idx="0">
+              <a:scrgbClr r="0" g="0" b="0"/>
+            </a:effectRef>
+            <a:fontRef idx="minor">
+              <a:schemeClr val="tx1"/>
+            </a:fontRef>
+          </p:style>
+        </p:cxnSp>
+        <mc:AlternateContent xmlns:mc="http://schemas.openxmlformats.org/markup-compatibility/2006">
+          <mc:Choice xmlns:a14="http://schemas.microsoft.com/office/drawing/2010/main" Requires="a14">
+            <p:sp>
+              <p:nvSpPr>
+                <p:cNvPr id="57" name="Rectangle 56"/>
+                <p:cNvSpPr/>
+                <p:nvPr/>
+              </p:nvSpPr>
+              <p:spPr>
+                <a:xfrm>
+                  <a:off x="9437915" y="3177552"/>
+                  <a:ext cx="1912654" cy="552450"/>
+                </a:xfrm>
+                <a:prstGeom prst="rect">
+                  <a:avLst/>
+                </a:prstGeom>
+              </p:spPr>
+              <p:style>
+                <a:lnRef idx="2">
+                  <a:schemeClr val="accent3">
+                    <a:shade val="50000"/>
+                  </a:schemeClr>
+                </a:lnRef>
+                <a:fillRef idx="1">
+                  <a:schemeClr val="accent3"/>
+                </a:fillRef>
+                <a:effectRef idx="0">
+                  <a:schemeClr val="accent3"/>
+                </a:effectRef>
+                <a:fontRef idx="minor">
+                  <a:schemeClr val="lt1"/>
+                </a:fontRef>
+              </p:style>
+              <p:txBody>
+                <a:bodyPr rtlCol="0" anchor="ctr"/>
+                <a:lstStyle/>
+                <a:p>
+                  <a:pPr algn="ctr"/>
+                  <a:r>
+                    <a:rPr lang="en-US" sz="1100" b="0" dirty="0">
+                      <a:latin typeface="Noto Sans" panose="020B0502040504020204" pitchFamily="34" charset="0"/>
+                      <a:ea typeface="Noto Sans" panose="020B0502040504020204" pitchFamily="34" charset="0"/>
+                      <a:cs typeface="Noto Sans" panose="020B0502040504020204" pitchFamily="34" charset="0"/>
+                    </a:rPr>
+                    <a:t>Reward function </a:t>
+                  </a:r>
+                  <a14:m>
+                    <m:oMath xmlns:m="http://schemas.openxmlformats.org/officeDocument/2006/math">
+                      <m:r>
+                        <m:rPr>
+                          <m:sty m:val="p"/>
+                        </m:rPr>
+                        <a:rPr lang="en-US" sz="1100" b="0" i="0" dirty="0" smtClean="0">
+                          <a:latin typeface="Cambria Math" panose="02040503050406030204" pitchFamily="18" charset="0"/>
+                        </a:rPr>
+                        <m:t>R</m:t>
+                      </m:r>
+                      <m:d>
+                        <m:dPr>
+                          <m:ctrlPr>
+                            <a:rPr lang="en-US" sz="1100" b="0" i="1" dirty="0" smtClean="0">
+                              <a:latin typeface="Cambria Math" panose="02040503050406030204" pitchFamily="18" charset="0"/>
+                            </a:rPr>
+                          </m:ctrlPr>
+                        </m:dPr>
+                        <m:e>
+                          <m:r>
+                            <a:rPr lang="en-US" sz="1100" b="0" i="1" dirty="0" smtClean="0">
+                              <a:latin typeface="Cambria Math" panose="02040503050406030204" pitchFamily="18" charset="0"/>
+                            </a:rPr>
+                            <m:t>𝑀</m:t>
+                          </m:r>
+                          <m:d>
+                            <m:dPr>
+                              <m:ctrlPr>
+                                <a:rPr lang="en-US" sz="1100" b="0" i="1" dirty="0" smtClean="0">
+                                  <a:latin typeface="Cambria Math" panose="02040503050406030204" pitchFamily="18" charset="0"/>
+                                </a:rPr>
+                              </m:ctrlPr>
+                            </m:dPr>
+                            <m:e>
+                              <m:sSub>
+                                <m:sSubPr>
+                                  <m:ctrlPr>
+                                    <a:rPr lang="en-US" sz="1100" i="1" dirty="0">
+                                      <a:latin typeface="Cambria Math" panose="02040503050406030204" pitchFamily="18" charset="0"/>
+                                    </a:rPr>
+                                  </m:ctrlPr>
+                                </m:sSubPr>
+                                <m:e>
+                                  <m:acc>
+                                    <m:accPr>
+                                      <m:chr m:val="̂"/>
+                                      <m:ctrlPr>
+                                        <a:rPr lang="en-US" sz="1100" i="1" dirty="0">
+                                          <a:latin typeface="Cambria Math" panose="02040503050406030204" pitchFamily="18" charset="0"/>
+                                        </a:rPr>
+                                      </m:ctrlPr>
+                                    </m:accPr>
+                                    <m:e>
+                                      <m:r>
+                                        <a:rPr lang="en-US" sz="1100" i="1" dirty="0">
+                                          <a:latin typeface="Cambria Math" panose="02040503050406030204" pitchFamily="18" charset="0"/>
+                                        </a:rPr>
+                                        <m:t>𝑦</m:t>
+                                      </m:r>
+                                    </m:e>
+                                  </m:acc>
+                                </m:e>
+                                <m:sub>
+                                  <m:r>
+                                    <a:rPr lang="en-US" sz="1100" b="0" i="1" dirty="0" smtClean="0">
+                                      <a:latin typeface="Cambria Math" panose="02040503050406030204" pitchFamily="18" charset="0"/>
+                                    </a:rPr>
+                                    <m:t>𝑟𝑙</m:t>
+                                  </m:r>
+                                </m:sub>
+                              </m:sSub>
+                              <m:r>
+                                <a:rPr lang="en-US" sz="1100" b="0" i="1" dirty="0" smtClean="0">
+                                  <a:latin typeface="Cambria Math" panose="02040503050406030204" pitchFamily="18" charset="0"/>
+                                </a:rPr>
+                                <m:t>,</m:t>
+                              </m:r>
+                              <m:r>
+                                <a:rPr lang="en-US" sz="1100" b="0" i="1" dirty="0" smtClean="0">
+                                  <a:latin typeface="Cambria Math" panose="02040503050406030204" pitchFamily="18" charset="0"/>
+                                </a:rPr>
+                                <m:t>𝑦</m:t>
+                              </m:r>
+                            </m:e>
+                          </m:d>
+                          <m:r>
+                            <a:rPr lang="en-US" sz="1100" b="0" i="1" dirty="0" smtClean="0">
+                              <a:latin typeface="Cambria Math" panose="02040503050406030204" pitchFamily="18" charset="0"/>
+                            </a:rPr>
+                            <m:t>−</m:t>
+                          </m:r>
+                          <m:r>
+                            <a:rPr lang="en-US" sz="1100" b="0" i="1" dirty="0" smtClean="0">
+                              <a:latin typeface="Cambria Math" panose="02040503050406030204" pitchFamily="18" charset="0"/>
+                            </a:rPr>
+                            <m:t>𝑀</m:t>
+                          </m:r>
+                          <m:d>
+                            <m:dPr>
+                              <m:ctrlPr>
+                                <a:rPr lang="en-US" sz="1100" b="0" i="1" dirty="0" smtClean="0">
+                                  <a:latin typeface="Cambria Math" panose="02040503050406030204" pitchFamily="18" charset="0"/>
+                                </a:rPr>
+                              </m:ctrlPr>
+                            </m:dPr>
+                            <m:e>
+                              <m:sSub>
+                                <m:sSubPr>
+                                  <m:ctrlPr>
+                                    <a:rPr lang="en-US" sz="1100" i="1" dirty="0">
+                                      <a:latin typeface="Cambria Math" panose="02040503050406030204" pitchFamily="18" charset="0"/>
+                                    </a:rPr>
+                                  </m:ctrlPr>
+                                </m:sSubPr>
+                                <m:e>
+                                  <m:acc>
+                                    <m:accPr>
+                                      <m:chr m:val="̂"/>
+                                      <m:ctrlPr>
+                                        <a:rPr lang="en-US" sz="1100" i="1" dirty="0">
+                                          <a:latin typeface="Cambria Math" panose="02040503050406030204" pitchFamily="18" charset="0"/>
+                                        </a:rPr>
+                                      </m:ctrlPr>
+                                    </m:accPr>
+                                    <m:e>
+                                      <m:r>
+                                        <a:rPr lang="en-US" sz="1100" i="1" dirty="0">
+                                          <a:latin typeface="Cambria Math" panose="02040503050406030204" pitchFamily="18" charset="0"/>
+                                        </a:rPr>
+                                        <m:t>𝑦</m:t>
+                                      </m:r>
+                                    </m:e>
+                                  </m:acc>
+                                </m:e>
+                                <m:sub>
+                                  <m:r>
+                                    <a:rPr lang="en-US" sz="1100" i="1" dirty="0">
+                                      <a:latin typeface="Cambria Math" panose="02040503050406030204" pitchFamily="18" charset="0"/>
+                                    </a:rPr>
+                                    <m:t>0</m:t>
+                                  </m:r>
+                                </m:sub>
+                              </m:sSub>
+                              <m:r>
+                                <a:rPr lang="en-US" sz="1100" b="0" i="1" dirty="0" smtClean="0">
+                                  <a:latin typeface="Cambria Math" panose="02040503050406030204" pitchFamily="18" charset="0"/>
+                                </a:rPr>
+                                <m:t>,</m:t>
+                              </m:r>
+                              <m:r>
+                                <a:rPr lang="en-US" sz="1100" b="0" i="1" dirty="0" smtClean="0">
+                                  <a:latin typeface="Cambria Math" panose="02040503050406030204" pitchFamily="18" charset="0"/>
+                                </a:rPr>
+                                <m:t>𝑦</m:t>
+                              </m:r>
+                            </m:e>
+                          </m:d>
+                        </m:e>
+                      </m:d>
+                    </m:oMath>
+                  </a14:m>
+                  <a:endParaRPr lang="en-US" sz="1100" dirty="0">
+                    <a:latin typeface="Noto Sans" panose="020B0502040504020204" pitchFamily="34" charset="0"/>
+                    <a:ea typeface="Noto Sans" panose="020B0502040504020204" pitchFamily="34" charset="0"/>
+                    <a:cs typeface="Noto Sans" panose="020B0502040504020204" pitchFamily="34" charset="0"/>
+                  </a:endParaRPr>
+                </a:p>
+              </p:txBody>
+            </p:sp>
+          </mc:Choice>
+          <mc:Fallback>
+            <p:sp>
+              <p:nvSpPr>
+                <p:cNvPr id="57" name="Rectangle 56"/>
+                <p:cNvSpPr>
+                  <a:spLocks noRot="1" noChangeAspect="1" noMove="1" noResize="1" noEditPoints="1" noAdjustHandles="1" noChangeArrowheads="1" noChangeShapeType="1" noTextEdit="1"/>
+                </p:cNvSpPr>
+                <p:nvPr/>
+              </p:nvSpPr>
+              <p:spPr>
+                <a:xfrm>
+                  <a:off x="9437915" y="3177552"/>
+                  <a:ext cx="1912654" cy="552450"/>
+                </a:xfrm>
+                <a:prstGeom prst="rect">
+                  <a:avLst/>
+                </a:prstGeom>
+                <a:blipFill>
+                  <a:blip r:embed="rId4"/>
+                  <a:stretch>
+                    <a:fillRect/>
+                  </a:stretch>
+                </a:blipFill>
+              </p:spPr>
+              <p:txBody>
+                <a:bodyPr/>
+                <a:lstStyle/>
+                <a:p>
+                  <a:r>
+                    <a:rPr lang="en-US">
+                      <a:noFill/>
+                    </a:rPr>
+                    <a:t> </a:t>
+                  </a:r>
+                </a:p>
+              </p:txBody>
+            </p:sp>
+          </mc:Fallback>
+        </mc:AlternateContent>
+        <p:cxnSp>
+          <p:nvCxnSpPr>
+            <p:cNvPr id="59" name="Elbow Connector 58"/>
+            <p:cNvCxnSpPr>
+              <a:stCxn id="40" idx="3"/>
+              <a:endCxn id="57" idx="0"/>
+            </p:cNvCxnSpPr>
+            <p:nvPr/>
+          </p:nvCxnSpPr>
+          <p:spPr>
+            <a:xfrm>
+              <a:off x="9721793" y="2603272"/>
+              <a:ext cx="672449" cy="574280"/>
+            </a:xfrm>
+            <a:prstGeom prst="bentConnector2">
+              <a:avLst/>
+            </a:prstGeom>
+            <a:ln w="9525" cap="flat" cmpd="sng" algn="ctr">
+              <a:solidFill>
+                <a:schemeClr val="dk1"/>
+              </a:solidFill>
+              <a:prstDash val="solid"/>
+              <a:round/>
+              <a:headEnd type="none" w="med" len="med"/>
+              <a:tailEnd type="arrow" w="med" len="med"/>
+            </a:ln>
+          </p:spPr>
+          <p:style>
+            <a:lnRef idx="0">
+              <a:scrgbClr r="0" g="0" b="0"/>
+            </a:lnRef>
+            <a:fillRef idx="0">
+              <a:scrgbClr r="0" g="0" b="0"/>
+            </a:fillRef>
+            <a:effectRef idx="0">
+              <a:scrgbClr r="0" g="0" b="0"/>
+            </a:effectRef>
+            <a:fontRef idx="minor">
+              <a:schemeClr val="tx1"/>
+            </a:fontRef>
+          </p:style>
+        </p:cxnSp>
+        <p:cxnSp>
+          <p:nvCxnSpPr>
+            <p:cNvPr id="61" name="Elbow Connector 60"/>
+            <p:cNvCxnSpPr>
+              <a:stCxn id="17" idx="3"/>
+              <a:endCxn id="57" idx="2"/>
+            </p:cNvCxnSpPr>
+            <p:nvPr/>
+          </p:nvCxnSpPr>
+          <p:spPr>
+            <a:xfrm flipV="1">
+              <a:off x="9721793" y="3730002"/>
+              <a:ext cx="672449" cy="1880695"/>
+            </a:xfrm>
+            <a:prstGeom prst="bentConnector2">
+              <a:avLst/>
+            </a:prstGeom>
+            <a:ln w="9525" cap="flat" cmpd="sng" algn="ctr">
+              <a:solidFill>
+                <a:schemeClr val="dk1"/>
+              </a:solidFill>
+              <a:prstDash val="solid"/>
+              <a:round/>
+              <a:headEnd type="none" w="med" len="med"/>
+              <a:tailEnd type="arrow" w="med" len="med"/>
+            </a:ln>
+          </p:spPr>
+          <p:style>
+            <a:lnRef idx="0">
+              <a:scrgbClr r="0" g="0" b="0"/>
+            </a:lnRef>
+            <a:fillRef idx="0">
+              <a:scrgbClr r="0" g="0" b="0"/>
+            </a:fillRef>
+            <a:effectRef idx="0">
+              <a:scrgbClr r="0" g="0" b="0"/>
+            </a:effectRef>
+            <a:fontRef idx="minor">
+              <a:schemeClr val="tx1"/>
+            </a:fontRef>
+          </p:style>
+        </p:cxnSp>
+        <mc:AlternateContent xmlns:mc="http://schemas.openxmlformats.org/markup-compatibility/2006">
+          <mc:Choice xmlns:a14="http://schemas.microsoft.com/office/drawing/2010/main" Requires="a14">
+            <p:sp>
+              <p:nvSpPr>
+                <p:cNvPr id="64" name="Rectangle 63"/>
+                <p:cNvSpPr/>
+                <p:nvPr/>
+              </p:nvSpPr>
+              <p:spPr>
+                <a:xfrm>
+                  <a:off x="4397829" y="331094"/>
+                  <a:ext cx="1091962" cy="351576"/>
+                </a:xfrm>
+                <a:prstGeom prst="rect">
+                  <a:avLst/>
+                </a:prstGeom>
+              </p:spPr>
+              <p:style>
+                <a:lnRef idx="2">
+                  <a:schemeClr val="accent3">
+                    <a:shade val="50000"/>
+                  </a:schemeClr>
+                </a:lnRef>
+                <a:fillRef idx="1">
+                  <a:schemeClr val="accent3"/>
+                </a:fillRef>
+                <a:effectRef idx="0">
+                  <a:schemeClr val="accent3"/>
+                </a:effectRef>
+                <a:fontRef idx="minor">
+                  <a:schemeClr val="lt1"/>
+                </a:fontRef>
+              </p:style>
+              <p:txBody>
+                <a:bodyPr rtlCol="0" anchor="ctr"/>
+                <a:lstStyle/>
+                <a:p>
+                  <a:pPr algn="ctr"/>
+                  <a14:m>
+                    <m:oMathPara xmlns:m="http://schemas.openxmlformats.org/officeDocument/2006/math">
+                      <m:oMathParaPr>
+                        <m:jc m:val="centerGroup"/>
+                      </m:oMathParaPr>
+                      <m:oMath xmlns:m="http://schemas.openxmlformats.org/officeDocument/2006/math">
+                        <m:sSub>
+                          <m:sSubPr>
                             <m:ctrlPr>
-                              <a:rPr lang="en-US" sz="1200" i="1" dirty="0">
+                              <a:rPr lang="en-US" sz="1100" b="0" i="1" smtClean="0">
                                 <a:latin typeface="Cambria Math" panose="02040503050406030204" pitchFamily="18" charset="0"/>
                               </a:rPr>
                             </m:ctrlPr>
-                          </m:accPr>
+                          </m:sSubPr>
                           <m:e>
                             <m:r>
-                              <a:rPr lang="en-US" sz="1200" i="1" dirty="0">
+                              <a:rPr lang="en-US" sz="1100" b="0" i="1" smtClean="0">
                                 <a:latin typeface="Cambria Math" panose="02040503050406030204" pitchFamily="18" charset="0"/>
                               </a:rPr>
-                              <m:t>𝑦</m:t>
+                              <m:t>𝐷</m:t>
                             </m:r>
                           </m:e>
-                        </m:acc>
-                      </m:e>
-                      <m:sub>
+                          <m:sub>
+                            <m:r>
+                              <a:rPr lang="en-US" sz="1100" b="0" i="1" smtClean="0">
+                                <a:latin typeface="Cambria Math" panose="02040503050406030204" pitchFamily="18" charset="0"/>
+                              </a:rPr>
+                              <m:t>0</m:t>
+                            </m:r>
+                          </m:sub>
+                        </m:sSub>
                         <m:r>
-                          <a:rPr lang="en-US" sz="1200" b="0" i="1" dirty="0" smtClean="0">
+                          <a:rPr lang="en-US" sz="1100" b="0" i="1" smtClean="0">
                             <a:latin typeface="Cambria Math" panose="02040503050406030204" pitchFamily="18" charset="0"/>
                           </a:rPr>
-                          <m:t>𝑟𝑙</m:t>
+                          <m:t>=[0,…,0]</m:t>
                         </m:r>
-                      </m:sub>
-                    </m:sSub>
-                  </m:oMath>
-                </a14:m>
-                <a:endParaRPr lang="en-US" sz="1200" dirty="0"/>
-              </a:p>
-            </p:txBody>
-          </p:sp>
-        </mc:Choice>
-        <mc:Fallback xmlns="">
-          <p:sp>
-            <p:nvSpPr>
-              <p:cNvPr id="17" name="Rectangle 16"/>
-              <p:cNvSpPr>
-                <a:spLocks noRot="1" noChangeAspect="1" noMove="1" noResize="1" noEditPoints="1" noAdjustHandles="1" noChangeArrowheads="1" noChangeShapeType="1" noTextEdit="1"/>
-              </p:cNvSpPr>
-              <p:nvPr/>
-            </p:nvSpPr>
-            <p:spPr>
-              <a:xfrm>
-                <a:off x="8555466" y="5418020"/>
-                <a:ext cx="1166327" cy="594361"/>
-              </a:xfrm>
-              <a:prstGeom prst="rect">
-                <a:avLst/>
-              </a:prstGeom>
-              <a:blipFill>
-                <a:blip r:embed="rId2"/>
-                <a:stretch>
-                  <a:fillRect/>
-                </a:stretch>
-              </a:blipFill>
-            </p:spPr>
-            <p:txBody>
-              <a:bodyPr/>
-              <a:lstStyle/>
-              <a:p>
-                <a:r>
-                  <a:rPr lang="en-US">
-                    <a:noFill/>
-                  </a:rPr>
-                  <a:t> </a:t>
-                </a:r>
-              </a:p>
-            </p:txBody>
-          </p:sp>
-        </mc:Fallback>
-      </mc:AlternateContent>
-      <p:sp>
-        <p:nvSpPr>
-          <p:cNvPr id="18" name="Rectangle 17"/>
-          <p:cNvSpPr/>
-          <p:nvPr/>
-        </p:nvSpPr>
-        <p:spPr>
-          <a:xfrm>
-            <a:off x="8555466" y="4319360"/>
-            <a:ext cx="1166327" cy="594361"/>
-          </a:xfrm>
-          <a:prstGeom prst="rect">
-            <a:avLst/>
-          </a:prstGeom>
-        </p:spPr>
-        <p:style>
-          <a:lnRef idx="2">
-            <a:schemeClr val="accent1">
-              <a:shade val="50000"/>
-            </a:schemeClr>
-          </a:lnRef>
-          <a:fillRef idx="1">
-            <a:schemeClr val="accent1"/>
-          </a:fillRef>
-          <a:effectRef idx="0">
-            <a:schemeClr val="accent1"/>
-          </a:effectRef>
-          <a:fontRef idx="minor">
-            <a:schemeClr val="lt1"/>
-          </a:fontRef>
-        </p:style>
-        <p:txBody>
-          <a:bodyPr rot="0" spcFirstLastPara="0" vertOverflow="overflow" horzOverflow="overflow" vert="horz" wrap="square" lIns="91440" tIns="45720" rIns="91440" bIns="45720" numCol="1" spcCol="0" rtlCol="0" fromWordArt="0" anchor="ctr" anchorCtr="0" forceAA="0" compatLnSpc="1">
-            <a:prstTxWarp prst="textNoShape">
+                      </m:oMath>
+                    </m:oMathPara>
+                  </a14:m>
+                  <a:endParaRPr lang="en-US" sz="1100" dirty="0">
+                    <a:latin typeface="Noto Sans" panose="020B0502040504020204" pitchFamily="34" charset="0"/>
+                    <a:ea typeface="Noto Sans" panose="020B0502040504020204" pitchFamily="34" charset="0"/>
+                    <a:cs typeface="Noto Sans" panose="020B0502040504020204" pitchFamily="34" charset="0"/>
+                  </a:endParaRPr>
+                </a:p>
+              </p:txBody>
+            </p:sp>
+          </mc:Choice>
+          <mc:Fallback>
+            <p:sp>
+              <p:nvSpPr>
+                <p:cNvPr id="64" name="Rectangle 63"/>
+                <p:cNvSpPr>
+                  <a:spLocks noRot="1" noChangeAspect="1" noMove="1" noResize="1" noEditPoints="1" noAdjustHandles="1" noChangeArrowheads="1" noChangeShapeType="1" noTextEdit="1"/>
+                </p:cNvSpPr>
+                <p:nvPr/>
+              </p:nvSpPr>
+              <p:spPr>
+                <a:xfrm>
+                  <a:off x="4397829" y="331094"/>
+                  <a:ext cx="1091962" cy="351576"/>
+                </a:xfrm>
+                <a:prstGeom prst="rect">
+                  <a:avLst/>
+                </a:prstGeom>
+                <a:blipFill>
+                  <a:blip r:embed="rId5"/>
+                  <a:stretch>
+                    <a:fillRect/>
+                  </a:stretch>
+                </a:blipFill>
+              </p:spPr>
+              <p:txBody>
+                <a:bodyPr/>
+                <a:lstStyle/>
+                <a:p>
+                  <a:r>
+                    <a:rPr lang="en-US">
+                      <a:noFill/>
+                    </a:rPr>
+                    <a:t> </a:t>
+                  </a:r>
+                </a:p>
+              </p:txBody>
+            </p:sp>
+          </mc:Fallback>
+        </mc:AlternateContent>
+        <p:cxnSp>
+          <p:nvCxnSpPr>
+            <p:cNvPr id="66" name="Elbow Connector 65"/>
+            <p:cNvCxnSpPr>
+              <a:stCxn id="64" idx="3"/>
+              <a:endCxn id="37" idx="1"/>
+            </p:cNvCxnSpPr>
+            <p:nvPr/>
+          </p:nvCxnSpPr>
+          <p:spPr>
+            <a:xfrm>
+              <a:off x="5489791" y="506882"/>
+              <a:ext cx="951676" cy="2102623"/>
+            </a:xfrm>
+            <a:prstGeom prst="bentConnector3">
+              <a:avLst>
+                <a:gd name="adj1" fmla="val 50000"/>
+              </a:avLst>
+            </a:prstGeom>
+            <a:ln w="9525" cap="flat" cmpd="sng" algn="ctr">
+              <a:solidFill>
+                <a:schemeClr val="dk1"/>
+              </a:solidFill>
+              <a:prstDash val="solid"/>
+              <a:round/>
+              <a:headEnd type="none" w="med" len="med"/>
+              <a:tailEnd type="arrow" w="med" len="med"/>
+            </a:ln>
+          </p:spPr>
+          <p:style>
+            <a:lnRef idx="0">
+              <a:scrgbClr r="0" g="0" b="0"/>
+            </a:lnRef>
+            <a:fillRef idx="0">
+              <a:scrgbClr r="0" g="0" b="0"/>
+            </a:fillRef>
+            <a:effectRef idx="0">
+              <a:scrgbClr r="0" g="0" b="0"/>
+            </a:effectRef>
+            <a:fontRef idx="minor">
+              <a:schemeClr val="tx1"/>
+            </a:fontRef>
+          </p:style>
+        </p:cxnSp>
+        <p:cxnSp>
+          <p:nvCxnSpPr>
+            <p:cNvPr id="74" name="Elbow Connector 73"/>
+            <p:cNvCxnSpPr>
+              <a:stCxn id="64" idx="3"/>
+              <a:endCxn id="38" idx="0"/>
+            </p:cNvCxnSpPr>
+            <p:nvPr/>
+          </p:nvCxnSpPr>
+          <p:spPr>
+            <a:xfrm>
+              <a:off x="5489791" y="506882"/>
+              <a:ext cx="1212833" cy="1001192"/>
+            </a:xfrm>
+            <a:prstGeom prst="bentConnector3">
+              <a:avLst>
+                <a:gd name="adj1" fmla="val 39310"/>
+              </a:avLst>
+            </a:prstGeom>
+            <a:ln w="9525" cap="flat" cmpd="sng" algn="ctr">
+              <a:solidFill>
+                <a:schemeClr val="dk1"/>
+              </a:solidFill>
+              <a:prstDash val="solid"/>
+              <a:round/>
+              <a:headEnd type="none" w="med" len="med"/>
+              <a:tailEnd type="arrow" w="med" len="med"/>
+            </a:ln>
+          </p:spPr>
+          <p:style>
+            <a:lnRef idx="0">
+              <a:scrgbClr r="0" g="0" b="0"/>
+            </a:lnRef>
+            <a:fillRef idx="0">
+              <a:scrgbClr r="0" g="0" b="0"/>
+            </a:fillRef>
+            <a:effectRef idx="0">
+              <a:scrgbClr r="0" g="0" b="0"/>
+            </a:effectRef>
+            <a:fontRef idx="minor">
+              <a:schemeClr val="tx1"/>
+            </a:fontRef>
+          </p:style>
+        </p:cxnSp>
+        <p:sp>
+          <p:nvSpPr>
+            <p:cNvPr id="78" name="Rectangle 77"/>
+            <p:cNvSpPr/>
+            <p:nvPr/>
+          </p:nvSpPr>
+          <p:spPr>
+            <a:xfrm>
+              <a:off x="3846986" y="7047246"/>
+              <a:ext cx="1611127" cy="516146"/>
+            </a:xfrm>
+            <a:prstGeom prst="rect">
               <a:avLst/>
-            </a:prstTxWarp>
-            <a:noAutofit/>
-          </a:bodyPr>
-          <a:lstStyle/>
-          <a:p>
-            <a:pPr algn="ctr"/>
-            <a:r>
-              <a:rPr lang="en-US" sz="1200" dirty="0"/>
-              <a:t>BVP prediction</a:t>
-            </a:r>
-          </a:p>
-        </p:txBody>
-      </p:sp>
-      <p:cxnSp>
-        <p:nvCxnSpPr>
-          <p:cNvPr id="25" name="Elbow Connector 24"/>
-          <p:cNvCxnSpPr>
-            <a:stCxn id="7" idx="0"/>
-            <a:endCxn id="14" idx="0"/>
-          </p:cNvCxnSpPr>
-          <p:nvPr/>
-        </p:nvCxnSpPr>
-        <p:spPr>
-          <a:xfrm>
-            <a:off x="5833189" y="3466244"/>
-            <a:ext cx="869435" cy="1153758"/>
-          </a:xfrm>
-          <a:prstGeom prst="bentConnector3">
-            <a:avLst>
-              <a:gd name="adj1" fmla="val 30683"/>
-            </a:avLst>
-          </a:prstGeom>
-          <a:ln w="9525" cap="flat" cmpd="sng" algn="ctr">
-            <a:solidFill>
-              <a:schemeClr val="dk1"/>
-            </a:solidFill>
-            <a:prstDash val="solid"/>
-            <a:round/>
-            <a:headEnd type="none" w="med" len="med"/>
-            <a:tailEnd type="arrow" w="med" len="med"/>
-          </a:ln>
-        </p:spPr>
-        <p:style>
-          <a:lnRef idx="0">
-            <a:scrgbClr r="0" g="0" b="0"/>
-          </a:lnRef>
-          <a:fillRef idx="0">
-            <a:scrgbClr r="0" g="0" b="0"/>
-          </a:fillRef>
-          <a:effectRef idx="0">
-            <a:scrgbClr r="0" g="0" b="0"/>
-          </a:effectRef>
-          <a:fontRef idx="minor">
-            <a:schemeClr val="tx1"/>
-          </a:fontRef>
-        </p:style>
-      </p:cxnSp>
-      <p:cxnSp>
-        <p:nvCxnSpPr>
-          <p:cNvPr id="28" name="Elbow Connector 27"/>
-          <p:cNvCxnSpPr>
-            <a:stCxn id="7" idx="0"/>
-            <a:endCxn id="13" idx="1"/>
-          </p:cNvCxnSpPr>
-          <p:nvPr/>
-        </p:nvCxnSpPr>
-        <p:spPr>
-          <a:xfrm>
-            <a:off x="5833189" y="3466245"/>
-            <a:ext cx="608279" cy="2255189"/>
-          </a:xfrm>
-          <a:prstGeom prst="bentConnector3">
-            <a:avLst>
-              <a:gd name="adj1" fmla="val 43864"/>
-            </a:avLst>
-          </a:prstGeom>
-          <a:ln w="9525" cap="flat" cmpd="sng" algn="ctr">
-            <a:solidFill>
-              <a:schemeClr val="dk1"/>
-            </a:solidFill>
-            <a:prstDash val="solid"/>
-            <a:round/>
-            <a:headEnd type="none" w="med" len="med"/>
-            <a:tailEnd type="arrow" w="med" len="med"/>
-          </a:ln>
-        </p:spPr>
-        <p:style>
-          <a:lnRef idx="0">
-            <a:scrgbClr r="0" g="0" b="0"/>
-          </a:lnRef>
-          <a:fillRef idx="0">
-            <a:scrgbClr r="0" g="0" b="0"/>
-          </a:fillRef>
-          <a:effectRef idx="0">
-            <a:scrgbClr r="0" g="0" b="0"/>
-          </a:effectRef>
-          <a:fontRef idx="minor">
-            <a:schemeClr val="tx1"/>
-          </a:fontRef>
-        </p:style>
-      </p:cxnSp>
-      <p:cxnSp>
-        <p:nvCxnSpPr>
-          <p:cNvPr id="31" name="Straight Arrow Connector 30"/>
-          <p:cNvCxnSpPr>
-            <a:stCxn id="14" idx="2"/>
-            <a:endCxn id="18" idx="1"/>
-          </p:cNvCxnSpPr>
-          <p:nvPr/>
-        </p:nvCxnSpPr>
-        <p:spPr>
-          <a:xfrm flipV="1">
-            <a:off x="7242951" y="4616540"/>
-            <a:ext cx="1312515" cy="3462"/>
-          </a:xfrm>
-          <a:prstGeom prst="straightConnector1">
-            <a:avLst/>
-          </a:prstGeom>
-          <a:ln w="9525" cap="flat" cmpd="sng" algn="ctr">
-            <a:solidFill>
-              <a:schemeClr val="dk1"/>
-            </a:solidFill>
-            <a:prstDash val="solid"/>
-            <a:round/>
-            <a:headEnd type="none" w="med" len="med"/>
-            <a:tailEnd type="arrow" w="med" len="med"/>
-          </a:ln>
-        </p:spPr>
-        <p:style>
-          <a:lnRef idx="0">
-            <a:scrgbClr r="0" g="0" b="0"/>
-          </a:lnRef>
-          <a:fillRef idx="0">
-            <a:scrgbClr r="0" g="0" b="0"/>
-          </a:fillRef>
-          <a:effectRef idx="0">
-            <a:scrgbClr r="0" g="0" b="0"/>
-          </a:effectRef>
-          <a:fontRef idx="minor">
-            <a:schemeClr val="tx1"/>
-          </a:fontRef>
-        </p:style>
-      </p:cxnSp>
-      <p:cxnSp>
-        <p:nvCxnSpPr>
-          <p:cNvPr id="33" name="Straight Arrow Connector 32"/>
-          <p:cNvCxnSpPr>
-            <a:stCxn id="13" idx="3"/>
-            <a:endCxn id="15" idx="1"/>
-          </p:cNvCxnSpPr>
-          <p:nvPr/>
-        </p:nvCxnSpPr>
-        <p:spPr>
-          <a:xfrm flipV="1">
-            <a:off x="7504107" y="5708967"/>
-            <a:ext cx="207662" cy="12466"/>
-          </a:xfrm>
-          <a:prstGeom prst="straightConnector1">
-            <a:avLst/>
-          </a:prstGeom>
-          <a:ln w="9525" cap="flat" cmpd="sng" algn="ctr">
-            <a:solidFill>
-              <a:schemeClr val="dk1"/>
-            </a:solidFill>
-            <a:prstDash val="solid"/>
-            <a:round/>
-            <a:headEnd type="none" w="med" len="med"/>
-            <a:tailEnd type="arrow" w="med" len="med"/>
-          </a:ln>
-        </p:spPr>
-        <p:style>
-          <a:lnRef idx="0">
-            <a:scrgbClr r="0" g="0" b="0"/>
-          </a:lnRef>
-          <a:fillRef idx="0">
-            <a:scrgbClr r="0" g="0" b="0"/>
-          </a:fillRef>
-          <a:effectRef idx="0">
-            <a:scrgbClr r="0" g="0" b="0"/>
-          </a:effectRef>
-          <a:fontRef idx="minor">
-            <a:schemeClr val="tx1"/>
-          </a:fontRef>
-        </p:style>
-      </p:cxnSp>
-      <p:cxnSp>
-        <p:nvCxnSpPr>
-          <p:cNvPr id="35" name="Straight Arrow Connector 34"/>
-          <p:cNvCxnSpPr>
-            <a:stCxn id="15" idx="3"/>
-            <a:endCxn id="17" idx="1"/>
-          </p:cNvCxnSpPr>
-          <p:nvPr/>
-        </p:nvCxnSpPr>
-        <p:spPr>
-          <a:xfrm>
-            <a:off x="8084271" y="5708968"/>
-            <a:ext cx="471194" cy="6233"/>
-          </a:xfrm>
-          <a:prstGeom prst="straightConnector1">
-            <a:avLst/>
-          </a:prstGeom>
-          <a:ln w="9525" cap="flat" cmpd="sng" algn="ctr">
-            <a:solidFill>
-              <a:schemeClr val="dk1"/>
-            </a:solidFill>
-            <a:prstDash val="solid"/>
-            <a:round/>
-            <a:headEnd type="none" w="med" len="med"/>
-            <a:tailEnd type="arrow" w="med" len="med"/>
-          </a:ln>
-        </p:spPr>
-        <p:style>
-          <a:lnRef idx="0">
-            <a:scrgbClr r="0" g="0" b="0"/>
-          </a:lnRef>
-          <a:fillRef idx="0">
-            <a:scrgbClr r="0" g="0" b="0"/>
-          </a:fillRef>
-          <a:effectRef idx="0">
-            <a:scrgbClr r="0" g="0" b="0"/>
-          </a:effectRef>
-          <a:fontRef idx="minor">
-            <a:schemeClr val="tx1"/>
-          </a:fontRef>
-        </p:style>
-      </p:cxnSp>
-      <p:sp>
-        <p:nvSpPr>
-          <p:cNvPr id="36" name="Rounded Rectangle 35"/>
-          <p:cNvSpPr/>
-          <p:nvPr/>
-        </p:nvSpPr>
-        <p:spPr>
-          <a:xfrm>
-            <a:off x="6283463" y="578166"/>
-            <a:ext cx="1978089" cy="2547257"/>
-          </a:xfrm>
-          <a:prstGeom prst="roundRect">
-            <a:avLst/>
-          </a:prstGeom>
-          <a:ln w="28575"/>
-        </p:spPr>
-        <p:style>
-          <a:lnRef idx="2">
-            <a:schemeClr val="accent4"/>
-          </a:lnRef>
-          <a:fillRef idx="1">
-            <a:schemeClr val="lt1"/>
-          </a:fillRef>
-          <a:effectRef idx="0">
-            <a:schemeClr val="accent4"/>
-          </a:effectRef>
-          <a:fontRef idx="minor">
-            <a:schemeClr val="dk1"/>
-          </a:fontRef>
-        </p:style>
-        <p:txBody>
-          <a:bodyPr rot="0" spcFirstLastPara="0" vertOverflow="overflow" horzOverflow="overflow" vert="horz" wrap="square" lIns="91440" tIns="45720" rIns="91440" bIns="45720" numCol="1" spcCol="0" rtlCol="0" fromWordArt="0" anchor="ctr" anchorCtr="0" forceAA="0" compatLnSpc="1">
-            <a:prstTxWarp prst="textNoShape">
-              <a:avLst/>
-            </a:prstTxWarp>
-            <a:noAutofit/>
-          </a:bodyPr>
-          <a:lstStyle/>
-          <a:p>
-            <a:pPr algn="ctr"/>
-            <a:endParaRPr lang="en-US"/>
-          </a:p>
-        </p:txBody>
-      </p:sp>
-      <p:sp>
-        <p:nvSpPr>
-          <p:cNvPr id="37" name="Rectangle 36"/>
-          <p:cNvSpPr/>
-          <p:nvPr/>
-        </p:nvSpPr>
-        <p:spPr>
-          <a:xfrm>
-            <a:off x="6441467" y="2201587"/>
-            <a:ext cx="1062640" cy="606827"/>
-          </a:xfrm>
-          <a:prstGeom prst="rect">
-            <a:avLst/>
-          </a:prstGeom>
-        </p:spPr>
-        <p:style>
-          <a:lnRef idx="2">
-            <a:schemeClr val="accent4">
-              <a:shade val="50000"/>
-            </a:schemeClr>
-          </a:lnRef>
-          <a:fillRef idx="1">
-            <a:schemeClr val="accent4"/>
-          </a:fillRef>
-          <a:effectRef idx="0">
-            <a:schemeClr val="accent4"/>
-          </a:effectRef>
-          <a:fontRef idx="minor">
-            <a:schemeClr val="lt1"/>
-          </a:fontRef>
-        </p:style>
-        <p:txBody>
-          <a:bodyPr rot="0" spcFirstLastPara="0" vertOverflow="overflow" horzOverflow="overflow" vert="horz" wrap="square" lIns="91440" tIns="45720" rIns="91440" bIns="45720" numCol="1" spcCol="0" rtlCol="0" fromWordArt="0" anchor="ctr" anchorCtr="0" forceAA="0" compatLnSpc="1">
-            <a:prstTxWarp prst="textNoShape">
-              <a:avLst/>
-            </a:prstTxWarp>
-            <a:noAutofit/>
-          </a:bodyPr>
-          <a:lstStyle/>
-          <a:p>
-            <a:pPr algn="ctr"/>
-            <a:r>
-              <a:rPr lang="en-US" sz="1200" dirty="0"/>
-              <a:t>FCN Classifier</a:t>
-            </a:r>
-          </a:p>
-        </p:txBody>
-      </p:sp>
-      <p:sp>
-        <p:nvSpPr>
-          <p:cNvPr id="38" name="Trapezoid 37"/>
-          <p:cNvSpPr/>
-          <p:nvPr/>
-        </p:nvSpPr>
-        <p:spPr>
-          <a:xfrm rot="16200000">
-            <a:off x="6395748" y="1133407"/>
-            <a:ext cx="1154079" cy="540327"/>
-          </a:xfrm>
-          <a:prstGeom prst="trapezoid">
-            <a:avLst>
-              <a:gd name="adj" fmla="val 60385"/>
-            </a:avLst>
-          </a:prstGeom>
-        </p:spPr>
-        <p:style>
-          <a:lnRef idx="2">
-            <a:schemeClr val="accent4">
-              <a:shade val="50000"/>
-            </a:schemeClr>
-          </a:lnRef>
-          <a:fillRef idx="1">
-            <a:schemeClr val="accent4"/>
-          </a:fillRef>
-          <a:effectRef idx="0">
-            <a:schemeClr val="accent4"/>
-          </a:effectRef>
-          <a:fontRef idx="minor">
-            <a:schemeClr val="lt1"/>
-          </a:fontRef>
-        </p:style>
-        <p:txBody>
-          <a:bodyPr rot="0" spcFirstLastPara="0" vertOverflow="overflow" horzOverflow="overflow" vert="horz" wrap="square" lIns="91440" tIns="45720" rIns="91440" bIns="45720" numCol="1" spcCol="0" rtlCol="0" fromWordArt="0" anchor="ctr" anchorCtr="0" forceAA="0" compatLnSpc="1">
-            <a:prstTxWarp prst="textNoShape">
-              <a:avLst/>
-            </a:prstTxWarp>
-            <a:noAutofit/>
-          </a:bodyPr>
-          <a:lstStyle/>
-          <a:p>
-            <a:pPr algn="ctr"/>
-            <a:r>
-              <a:rPr lang="en-US" sz="1200" dirty="0" err="1"/>
-              <a:t>Deconv</a:t>
-            </a:r>
-            <a:endParaRPr lang="en-US" sz="1200" dirty="0"/>
-          </a:p>
-        </p:txBody>
-      </p:sp>
-      <p:sp>
-        <p:nvSpPr>
-          <p:cNvPr id="39" name="Rectangle 38"/>
-          <p:cNvSpPr/>
-          <p:nvPr/>
-        </p:nvSpPr>
-        <p:spPr>
-          <a:xfrm>
-            <a:off x="7711769" y="2189121"/>
-            <a:ext cx="372502" cy="606827"/>
-          </a:xfrm>
-          <a:prstGeom prst="rect">
-            <a:avLst/>
-          </a:prstGeom>
-        </p:spPr>
-        <p:style>
-          <a:lnRef idx="2">
-            <a:schemeClr val="accent4">
-              <a:shade val="50000"/>
-            </a:schemeClr>
-          </a:lnRef>
-          <a:fillRef idx="1">
-            <a:schemeClr val="accent4"/>
-          </a:fillRef>
-          <a:effectRef idx="0">
-            <a:schemeClr val="accent4"/>
-          </a:effectRef>
-          <a:fontRef idx="minor">
-            <a:schemeClr val="lt1"/>
-          </a:fontRef>
-        </p:style>
-        <p:txBody>
-          <a:bodyPr rot="0" spcFirstLastPara="0" vertOverflow="overflow" horzOverflow="overflow" vert="horz" wrap="square" lIns="91440" tIns="45720" rIns="91440" bIns="45720" numCol="1" spcCol="0" rtlCol="0" fromWordArt="0" anchor="ctr" anchorCtr="0" forceAA="0" compatLnSpc="1">
-            <a:prstTxWarp prst="textNoShape">
-              <a:avLst/>
-            </a:prstTxWarp>
-            <a:noAutofit/>
-          </a:bodyPr>
-          <a:lstStyle/>
-          <a:p>
-            <a:pPr algn="ctr"/>
-            <a:r>
-              <a:rPr lang="el-GR" sz="1200" i="1" dirty="0"/>
-              <a:t>Φ</a:t>
-            </a:r>
-            <a:endParaRPr lang="en-US" sz="1200" i="1" dirty="0"/>
-          </a:p>
-        </p:txBody>
-      </p:sp>
-      <mc:AlternateContent xmlns:mc="http://schemas.openxmlformats.org/markup-compatibility/2006" xmlns:a14="http://schemas.microsoft.com/office/drawing/2010/main">
-        <mc:Choice Requires="a14">
-          <p:sp>
-            <p:nvSpPr>
-              <p:cNvPr id="40" name="Rectangle 39"/>
-              <p:cNvSpPr/>
-              <p:nvPr/>
-            </p:nvSpPr>
-            <p:spPr>
-              <a:xfrm>
-                <a:off x="8555466" y="2201587"/>
-                <a:ext cx="1166327" cy="594361"/>
-              </a:xfrm>
-              <a:prstGeom prst="rect">
-                <a:avLst/>
-              </a:prstGeom>
-            </p:spPr>
-            <p:style>
-              <a:lnRef idx="2">
-                <a:schemeClr val="accent1">
-                  <a:shade val="50000"/>
-                </a:schemeClr>
-              </a:lnRef>
-              <a:fillRef idx="1">
-                <a:schemeClr val="accent1"/>
-              </a:fillRef>
-              <a:effectRef idx="0">
-                <a:schemeClr val="accent1"/>
-              </a:effectRef>
-              <a:fontRef idx="minor">
-                <a:schemeClr val="lt1"/>
-              </a:fontRef>
-            </p:style>
-            <p:txBody>
-              <a:bodyPr rot="0" spcFirstLastPara="0" vertOverflow="overflow" horzOverflow="overflow" vert="horz" wrap="square" lIns="91440" tIns="45720" rIns="91440" bIns="45720" numCol="1" spcCol="0" rtlCol="0" fromWordArt="0" anchor="ctr" anchorCtr="0" forceAA="0" compatLnSpc="1">
-                <a:prstTxWarp prst="textNoShape">
+            </a:prstGeom>
+          </p:spPr>
+          <p:style>
+            <a:lnRef idx="2">
+              <a:schemeClr val="accent3">
+                <a:shade val="50000"/>
+              </a:schemeClr>
+            </a:lnRef>
+            <a:fillRef idx="1">
+              <a:schemeClr val="accent3"/>
+            </a:fillRef>
+            <a:effectRef idx="0">
+              <a:schemeClr val="accent3"/>
+            </a:effectRef>
+            <a:fontRef idx="minor">
+              <a:schemeClr val="lt1"/>
+            </a:fontRef>
+          </p:style>
+          <p:txBody>
+            <a:bodyPr rtlCol="0" anchor="ctr"/>
+            <a:lstStyle/>
+            <a:p>
+              <a:pPr algn="ctr"/>
+              <a:r>
+                <a:rPr lang="en-US" sz="1100" dirty="0">
+                  <a:latin typeface="Noto Sans" panose="020B0502040504020204" pitchFamily="34" charset="0"/>
+                  <a:ea typeface="Noto Sans" panose="020B0502040504020204" pitchFamily="34" charset="0"/>
+                  <a:cs typeface="Noto Sans" panose="020B0502040504020204" pitchFamily="34" charset="0"/>
+                </a:rPr>
+                <a:t>RL Agent</a:t>
+              </a:r>
+            </a:p>
+          </p:txBody>
+        </p:sp>
+        <p:cxnSp>
+          <p:nvCxnSpPr>
+            <p:cNvPr id="80" name="Elbow Connector 79"/>
+            <p:cNvCxnSpPr>
+              <a:stCxn id="57" idx="3"/>
+              <a:endCxn id="78" idx="3"/>
+            </p:cNvCxnSpPr>
+            <p:nvPr/>
+          </p:nvCxnSpPr>
+          <p:spPr>
+            <a:xfrm flipH="1">
+              <a:off x="5458113" y="3453777"/>
+              <a:ext cx="5892456" cy="3851542"/>
+            </a:xfrm>
+            <a:prstGeom prst="bentConnector3">
+              <a:avLst>
+                <a:gd name="adj1" fmla="val -3880"/>
+              </a:avLst>
+            </a:prstGeom>
+            <a:ln w="9525" cap="flat" cmpd="sng" algn="ctr">
+              <a:solidFill>
+                <a:schemeClr val="dk1"/>
+              </a:solidFill>
+              <a:prstDash val="solid"/>
+              <a:round/>
+              <a:headEnd type="none" w="med" len="med"/>
+              <a:tailEnd type="arrow" w="med" len="med"/>
+            </a:ln>
+          </p:spPr>
+          <p:style>
+            <a:lnRef idx="0">
+              <a:scrgbClr r="0" g="0" b="0"/>
+            </a:lnRef>
+            <a:fillRef idx="0">
+              <a:scrgbClr r="0" g="0" b="0"/>
+            </a:fillRef>
+            <a:effectRef idx="0">
+              <a:scrgbClr r="0" g="0" b="0"/>
+            </a:effectRef>
+            <a:fontRef idx="minor">
+              <a:schemeClr val="tx1"/>
+            </a:fontRef>
+          </p:style>
+        </p:cxnSp>
+        <mc:AlternateContent xmlns:mc="http://schemas.openxmlformats.org/markup-compatibility/2006">
+          <mc:Choice xmlns:a14="http://schemas.microsoft.com/office/drawing/2010/main" Requires="a14">
+            <p:sp>
+              <p:nvSpPr>
+                <p:cNvPr id="84" name="Rectangle 83"/>
+                <p:cNvSpPr/>
+                <p:nvPr/>
+              </p:nvSpPr>
+              <p:spPr>
+                <a:xfrm>
+                  <a:off x="3846987" y="6132848"/>
+                  <a:ext cx="1642804" cy="516146"/>
+                </a:xfrm>
+                <a:prstGeom prst="rect">
                   <a:avLst/>
-                </a:prstTxWarp>
-                <a:noAutofit/>
-              </a:bodyPr>
-              <a:lstStyle/>
-              <a:p>
-                <a:pPr algn="ctr"/>
-                <a:r>
-                  <a:rPr lang="en-US" sz="1200" dirty="0" smtClean="0"/>
-                  <a:t>Gesture prediction </a:t>
-                </a:r>
-                <a14:m>
-                  <m:oMath xmlns:m="http://schemas.openxmlformats.org/officeDocument/2006/math">
-                    <m:sSub>
-                      <m:sSubPr>
-                        <m:ctrlPr>
-                          <a:rPr lang="en-US" sz="1200" i="1" dirty="0" smtClean="0">
-                            <a:latin typeface="Cambria Math" panose="02040503050406030204" pitchFamily="18" charset="0"/>
-                          </a:rPr>
-                        </m:ctrlPr>
-                      </m:sSubPr>
-                      <m:e>
-                        <m:acc>
-                          <m:accPr>
-                            <m:chr m:val="̂"/>
+                </a:prstGeom>
+              </p:spPr>
+              <p:style>
+                <a:lnRef idx="2">
+                  <a:schemeClr val="accent3">
+                    <a:shade val="50000"/>
+                  </a:schemeClr>
+                </a:lnRef>
+                <a:fillRef idx="1">
+                  <a:schemeClr val="accent3"/>
+                </a:fillRef>
+                <a:effectRef idx="0">
+                  <a:schemeClr val="accent3"/>
+                </a:effectRef>
+                <a:fontRef idx="minor">
+                  <a:schemeClr val="lt1"/>
+                </a:fontRef>
+              </p:style>
+              <p:txBody>
+                <a:bodyPr rtlCol="0" anchor="ctr"/>
+                <a:lstStyle/>
+                <a:p>
+                  <a:pPr algn="ctr"/>
+                  <a:r>
+                    <a:rPr lang="en-US" sz="1100" dirty="0">
+                      <a:latin typeface="Noto Sans" panose="020B0502040504020204" pitchFamily="34" charset="0"/>
+                      <a:ea typeface="Noto Sans" panose="020B0502040504020204" pitchFamily="34" charset="0"/>
+                      <a:cs typeface="Noto Sans" panose="020B0502040504020204" pitchFamily="34" charset="0"/>
+                    </a:rPr>
+                    <a:t>Domain Embedding</a:t>
+                  </a:r>
+                </a:p>
+                <a:p>
+                  <a:pPr algn="ctr"/>
+                  <a14:m>
+                    <m:oMathPara xmlns:m="http://schemas.openxmlformats.org/officeDocument/2006/math">
+                      <m:oMathParaPr>
+                        <m:jc m:val="centerGroup"/>
+                      </m:oMathParaPr>
+                      <m:oMath xmlns:m="http://schemas.openxmlformats.org/officeDocument/2006/math">
+                        <m:sSub>
+                          <m:sSubPr>
                             <m:ctrlPr>
-                              <a:rPr lang="en-US" sz="1200" i="1" dirty="0" smtClean="0">
+                              <a:rPr lang="en-US" sz="1100" b="0" i="1" smtClean="0">
                                 <a:latin typeface="Cambria Math" panose="02040503050406030204" pitchFamily="18" charset="0"/>
                               </a:rPr>
                             </m:ctrlPr>
-                          </m:accPr>
+                          </m:sSubPr>
                           <m:e>
                             <m:r>
-                              <a:rPr lang="en-US" sz="1200" b="0" i="1" dirty="0" smtClean="0">
+                              <a:rPr lang="en-US" sz="1100" b="0" i="1" smtClean="0">
                                 <a:latin typeface="Cambria Math" panose="02040503050406030204" pitchFamily="18" charset="0"/>
                               </a:rPr>
-                              <m:t>𝑦</m:t>
+                              <m:t>𝐷</m:t>
                             </m:r>
                           </m:e>
-                        </m:acc>
-                      </m:e>
-                      <m:sub>
+                          <m:sub>
+                            <m:r>
+                              <a:rPr lang="en-US" sz="1100" b="0" i="1" smtClean="0">
+                                <a:latin typeface="Cambria Math" panose="02040503050406030204" pitchFamily="18" charset="0"/>
+                              </a:rPr>
+                              <m:t>𝑟</m:t>
+                            </m:r>
+                          </m:sub>
+                        </m:sSub>
                         <m:r>
-                          <a:rPr lang="en-US" sz="1200" b="0" i="1" dirty="0" smtClean="0">
+                          <a:rPr lang="en-US" sz="1100" b="0" i="1" smtClean="0">
                             <a:latin typeface="Cambria Math" panose="02040503050406030204" pitchFamily="18" charset="0"/>
                           </a:rPr>
-                          <m:t>0</m:t>
-                        </m:r>
-                      </m:sub>
-                    </m:sSub>
-                  </m:oMath>
-                </a14:m>
-                <a:endParaRPr lang="en-US" sz="1200" dirty="0"/>
-              </a:p>
-            </p:txBody>
-          </p:sp>
-        </mc:Choice>
-        <mc:Fallback xmlns="">
-          <p:sp>
-            <p:nvSpPr>
-              <p:cNvPr id="40" name="Rectangle 39"/>
-              <p:cNvSpPr>
-                <a:spLocks noRot="1" noChangeAspect="1" noMove="1" noResize="1" noEditPoints="1" noAdjustHandles="1" noChangeArrowheads="1" noChangeShapeType="1" noTextEdit="1"/>
-              </p:cNvSpPr>
-              <p:nvPr/>
-            </p:nvSpPr>
-            <p:spPr>
-              <a:xfrm>
-                <a:off x="8555466" y="2201587"/>
-                <a:ext cx="1166327" cy="594361"/>
-              </a:xfrm>
-              <a:prstGeom prst="rect">
-                <a:avLst/>
-              </a:prstGeom>
-              <a:blipFill>
-                <a:blip r:embed="rId3"/>
-                <a:stretch>
-                  <a:fillRect/>
-                </a:stretch>
-              </a:blipFill>
-            </p:spPr>
-            <p:txBody>
-              <a:bodyPr/>
-              <a:lstStyle/>
-              <a:p>
-                <a:r>
-                  <a:rPr lang="en-US">
-                    <a:noFill/>
-                  </a:rPr>
-                  <a:t> </a:t>
-                </a:r>
-              </a:p>
-            </p:txBody>
-          </p:sp>
-        </mc:Fallback>
-      </mc:AlternateContent>
-      <p:sp>
-        <p:nvSpPr>
-          <p:cNvPr id="41" name="Rectangle 40"/>
-          <p:cNvSpPr/>
-          <p:nvPr/>
-        </p:nvSpPr>
-        <p:spPr>
-          <a:xfrm>
-            <a:off x="8555466" y="1102927"/>
-            <a:ext cx="1166327" cy="594361"/>
-          </a:xfrm>
-          <a:prstGeom prst="rect">
-            <a:avLst/>
-          </a:prstGeom>
-        </p:spPr>
-        <p:style>
-          <a:lnRef idx="2">
-            <a:schemeClr val="accent1">
-              <a:shade val="50000"/>
-            </a:schemeClr>
-          </a:lnRef>
-          <a:fillRef idx="1">
-            <a:schemeClr val="accent1"/>
-          </a:fillRef>
-          <a:effectRef idx="0">
-            <a:schemeClr val="accent1"/>
-          </a:effectRef>
-          <a:fontRef idx="minor">
-            <a:schemeClr val="lt1"/>
-          </a:fontRef>
-        </p:style>
-        <p:txBody>
-          <a:bodyPr rot="0" spcFirstLastPara="0" vertOverflow="overflow" horzOverflow="overflow" vert="horz" wrap="square" lIns="91440" tIns="45720" rIns="91440" bIns="45720" numCol="1" spcCol="0" rtlCol="0" fromWordArt="0" anchor="ctr" anchorCtr="0" forceAA="0" compatLnSpc="1">
-            <a:prstTxWarp prst="textNoShape">
-              <a:avLst/>
-            </a:prstTxWarp>
-            <a:noAutofit/>
-          </a:bodyPr>
-          <a:lstStyle/>
-          <a:p>
-            <a:pPr algn="ctr"/>
-            <a:r>
-              <a:rPr lang="en-US" sz="1200" dirty="0"/>
-              <a:t>BVP prediction</a:t>
-            </a:r>
-          </a:p>
-        </p:txBody>
-      </p:sp>
-      <p:cxnSp>
-        <p:nvCxnSpPr>
-          <p:cNvPr id="42" name="Straight Arrow Connector 41"/>
-          <p:cNvCxnSpPr>
-            <a:stCxn id="38" idx="2"/>
-            <a:endCxn id="41" idx="1"/>
-          </p:cNvCxnSpPr>
-          <p:nvPr/>
-        </p:nvCxnSpPr>
-        <p:spPr>
-          <a:xfrm flipV="1">
-            <a:off x="7242951" y="1400107"/>
-            <a:ext cx="1312515" cy="3462"/>
-          </a:xfrm>
-          <a:prstGeom prst="straightConnector1">
-            <a:avLst/>
-          </a:prstGeom>
-          <a:ln w="9525" cap="flat" cmpd="sng" algn="ctr">
-            <a:solidFill>
-              <a:schemeClr val="dk1"/>
-            </a:solidFill>
-            <a:prstDash val="solid"/>
-            <a:round/>
-            <a:headEnd type="none" w="med" len="med"/>
-            <a:tailEnd type="arrow" w="med" len="med"/>
-          </a:ln>
-        </p:spPr>
-        <p:style>
-          <a:lnRef idx="0">
-            <a:scrgbClr r="0" g="0" b="0"/>
-          </a:lnRef>
-          <a:fillRef idx="0">
-            <a:scrgbClr r="0" g="0" b="0"/>
-          </a:fillRef>
-          <a:effectRef idx="0">
-            <a:scrgbClr r="0" g="0" b="0"/>
-          </a:effectRef>
-          <a:fontRef idx="minor">
-            <a:schemeClr val="tx1"/>
-          </a:fontRef>
-        </p:style>
-      </p:cxnSp>
-      <p:cxnSp>
-        <p:nvCxnSpPr>
-          <p:cNvPr id="43" name="Straight Arrow Connector 42"/>
-          <p:cNvCxnSpPr>
-            <a:stCxn id="37" idx="3"/>
-            <a:endCxn id="39" idx="1"/>
-          </p:cNvCxnSpPr>
-          <p:nvPr/>
-        </p:nvCxnSpPr>
-        <p:spPr>
-          <a:xfrm flipV="1">
-            <a:off x="7504107" y="2492534"/>
-            <a:ext cx="207662" cy="12466"/>
-          </a:xfrm>
-          <a:prstGeom prst="straightConnector1">
-            <a:avLst/>
-          </a:prstGeom>
-          <a:ln w="9525" cap="flat" cmpd="sng" algn="ctr">
-            <a:solidFill>
-              <a:schemeClr val="dk1"/>
-            </a:solidFill>
-            <a:prstDash val="solid"/>
-            <a:round/>
-            <a:headEnd type="none" w="med" len="med"/>
-            <a:tailEnd type="arrow" w="med" len="med"/>
-          </a:ln>
-        </p:spPr>
-        <p:style>
-          <a:lnRef idx="0">
-            <a:scrgbClr r="0" g="0" b="0"/>
-          </a:lnRef>
-          <a:fillRef idx="0">
-            <a:scrgbClr r="0" g="0" b="0"/>
-          </a:fillRef>
-          <a:effectRef idx="0">
-            <a:scrgbClr r="0" g="0" b="0"/>
-          </a:effectRef>
-          <a:fontRef idx="minor">
-            <a:schemeClr val="tx1"/>
-          </a:fontRef>
-        </p:style>
-      </p:cxnSp>
-      <p:cxnSp>
-        <p:nvCxnSpPr>
-          <p:cNvPr id="44" name="Straight Arrow Connector 43"/>
-          <p:cNvCxnSpPr>
-            <a:stCxn id="39" idx="3"/>
-            <a:endCxn id="40" idx="1"/>
-          </p:cNvCxnSpPr>
-          <p:nvPr/>
-        </p:nvCxnSpPr>
-        <p:spPr>
-          <a:xfrm>
-            <a:off x="8084271" y="2492535"/>
-            <a:ext cx="471194" cy="6233"/>
-          </a:xfrm>
-          <a:prstGeom prst="straightConnector1">
-            <a:avLst/>
-          </a:prstGeom>
-          <a:ln w="9525" cap="flat" cmpd="sng" algn="ctr">
-            <a:solidFill>
-              <a:schemeClr val="dk1"/>
-            </a:solidFill>
-            <a:prstDash val="solid"/>
-            <a:round/>
-            <a:headEnd type="none" w="med" len="med"/>
-            <a:tailEnd type="arrow" w="med" len="med"/>
-          </a:ln>
-        </p:spPr>
-        <p:style>
-          <a:lnRef idx="0">
-            <a:scrgbClr r="0" g="0" b="0"/>
-          </a:lnRef>
-          <a:fillRef idx="0">
-            <a:scrgbClr r="0" g="0" b="0"/>
-          </a:fillRef>
-          <a:effectRef idx="0">
-            <a:scrgbClr r="0" g="0" b="0"/>
-          </a:effectRef>
-          <a:fontRef idx="minor">
-            <a:schemeClr val="tx1"/>
-          </a:fontRef>
-        </p:style>
-      </p:cxnSp>
-      <p:cxnSp>
-        <p:nvCxnSpPr>
-          <p:cNvPr id="46" name="Straight Arrow Connector 45"/>
-          <p:cNvCxnSpPr>
-            <a:stCxn id="5" idx="3"/>
-            <a:endCxn id="6" idx="1"/>
-          </p:cNvCxnSpPr>
-          <p:nvPr/>
-        </p:nvCxnSpPr>
-        <p:spPr>
-          <a:xfrm>
-            <a:off x="3069481" y="3453777"/>
-            <a:ext cx="261155" cy="12466"/>
-          </a:xfrm>
-          <a:prstGeom prst="straightConnector1">
-            <a:avLst/>
-          </a:prstGeom>
-          <a:ln w="9525" cap="flat" cmpd="sng" algn="ctr">
-            <a:solidFill>
-              <a:schemeClr val="dk1"/>
-            </a:solidFill>
-            <a:prstDash val="solid"/>
-            <a:round/>
-            <a:headEnd type="none" w="med" len="med"/>
-            <a:tailEnd type="arrow" w="med" len="med"/>
-          </a:ln>
-        </p:spPr>
-        <p:style>
-          <a:lnRef idx="0">
-            <a:scrgbClr r="0" g="0" b="0"/>
-          </a:lnRef>
-          <a:fillRef idx="0">
-            <a:scrgbClr r="0" g="0" b="0"/>
-          </a:fillRef>
-          <a:effectRef idx="0">
-            <a:scrgbClr r="0" g="0" b="0"/>
-          </a:effectRef>
-          <a:fontRef idx="minor">
-            <a:schemeClr val="tx1"/>
-          </a:fontRef>
-        </p:style>
-      </p:cxnSp>
-      <p:cxnSp>
-        <p:nvCxnSpPr>
-          <p:cNvPr id="48" name="Straight Arrow Connector 47"/>
-          <p:cNvCxnSpPr>
-            <a:stCxn id="6" idx="3"/>
-            <a:endCxn id="7" idx="2"/>
-          </p:cNvCxnSpPr>
-          <p:nvPr/>
-        </p:nvCxnSpPr>
-        <p:spPr>
-          <a:xfrm>
-            <a:off x="4239491" y="3466244"/>
-            <a:ext cx="701042" cy="1"/>
-          </a:xfrm>
-          <a:prstGeom prst="straightConnector1">
-            <a:avLst/>
-          </a:prstGeom>
-          <a:ln w="9525" cap="flat" cmpd="sng" algn="ctr">
-            <a:solidFill>
-              <a:schemeClr val="dk1"/>
-            </a:solidFill>
-            <a:prstDash val="solid"/>
-            <a:round/>
-            <a:headEnd type="none" w="med" len="med"/>
-            <a:tailEnd type="arrow" w="med" len="med"/>
-          </a:ln>
-        </p:spPr>
-        <p:style>
-          <a:lnRef idx="0">
-            <a:scrgbClr r="0" g="0" b="0"/>
-          </a:lnRef>
-          <a:fillRef idx="0">
-            <a:scrgbClr r="0" g="0" b="0"/>
-          </a:fillRef>
-          <a:effectRef idx="0">
-            <a:scrgbClr r="0" g="0" b="0"/>
-          </a:effectRef>
-          <a:fontRef idx="minor">
-            <a:schemeClr val="tx1"/>
-          </a:fontRef>
-        </p:style>
-      </p:cxnSp>
-      <p:cxnSp>
-        <p:nvCxnSpPr>
-          <p:cNvPr id="50" name="Straight Arrow Connector 49"/>
-          <p:cNvCxnSpPr>
-            <a:stCxn id="4" idx="3"/>
-            <a:endCxn id="5" idx="1"/>
-          </p:cNvCxnSpPr>
-          <p:nvPr/>
-        </p:nvCxnSpPr>
-        <p:spPr>
-          <a:xfrm flipV="1">
-            <a:off x="1471352" y="3453777"/>
-            <a:ext cx="689273" cy="12466"/>
-          </a:xfrm>
-          <a:prstGeom prst="straightConnector1">
-            <a:avLst/>
-          </a:prstGeom>
-          <a:ln w="9525" cap="flat" cmpd="sng" algn="ctr">
-            <a:solidFill>
-              <a:schemeClr val="dk1"/>
-            </a:solidFill>
-            <a:prstDash val="solid"/>
-            <a:round/>
-            <a:headEnd type="none" w="med" len="med"/>
-            <a:tailEnd type="arrow" w="med" len="med"/>
-          </a:ln>
-        </p:spPr>
-        <p:style>
-          <a:lnRef idx="0">
-            <a:scrgbClr r="0" g="0" b="0"/>
-          </a:lnRef>
-          <a:fillRef idx="0">
-            <a:scrgbClr r="0" g="0" b="0"/>
-          </a:fillRef>
-          <a:effectRef idx="0">
-            <a:scrgbClr r="0" g="0" b="0"/>
-          </a:effectRef>
-          <a:fontRef idx="minor">
-            <a:schemeClr val="tx1"/>
-          </a:fontRef>
-        </p:style>
-      </p:cxnSp>
-      <p:cxnSp>
-        <p:nvCxnSpPr>
-          <p:cNvPr id="52" name="Elbow Connector 51"/>
-          <p:cNvCxnSpPr>
-            <a:stCxn id="7" idx="0"/>
-            <a:endCxn id="37" idx="1"/>
-          </p:cNvCxnSpPr>
-          <p:nvPr/>
-        </p:nvCxnSpPr>
-        <p:spPr>
-          <a:xfrm flipV="1">
-            <a:off x="5833189" y="2505000"/>
-            <a:ext cx="608279" cy="961244"/>
-          </a:xfrm>
-          <a:prstGeom prst="bentConnector3">
-            <a:avLst>
-              <a:gd name="adj1" fmla="val 43864"/>
-            </a:avLst>
-          </a:prstGeom>
-          <a:ln w="9525" cap="flat" cmpd="sng" algn="ctr">
-            <a:solidFill>
-              <a:schemeClr val="dk1"/>
-            </a:solidFill>
-            <a:prstDash val="solid"/>
-            <a:round/>
-            <a:headEnd type="none" w="med" len="med"/>
-            <a:tailEnd type="arrow" w="med" len="med"/>
-          </a:ln>
-        </p:spPr>
-        <p:style>
-          <a:lnRef idx="0">
-            <a:scrgbClr r="0" g="0" b="0"/>
-          </a:lnRef>
-          <a:fillRef idx="0">
-            <a:scrgbClr r="0" g="0" b="0"/>
-          </a:fillRef>
-          <a:effectRef idx="0">
-            <a:scrgbClr r="0" g="0" b="0"/>
-          </a:effectRef>
-          <a:fontRef idx="minor">
-            <a:schemeClr val="tx1"/>
-          </a:fontRef>
-        </p:style>
-      </p:cxnSp>
-      <p:cxnSp>
-        <p:nvCxnSpPr>
-          <p:cNvPr id="55" name="Elbow Connector 54"/>
-          <p:cNvCxnSpPr>
-            <a:stCxn id="7" idx="0"/>
-            <a:endCxn id="38" idx="0"/>
-          </p:cNvCxnSpPr>
-          <p:nvPr/>
-        </p:nvCxnSpPr>
-        <p:spPr>
-          <a:xfrm flipV="1">
-            <a:off x="5833189" y="1403570"/>
-            <a:ext cx="869435" cy="2062675"/>
-          </a:xfrm>
-          <a:prstGeom prst="bentConnector3">
-            <a:avLst>
-              <a:gd name="adj1" fmla="val 30683"/>
-            </a:avLst>
-          </a:prstGeom>
-          <a:ln w="9525" cap="flat" cmpd="sng" algn="ctr">
-            <a:solidFill>
-              <a:schemeClr val="dk1"/>
-            </a:solidFill>
-            <a:prstDash val="solid"/>
-            <a:round/>
-            <a:headEnd type="none" w="med" len="med"/>
-            <a:tailEnd type="arrow" w="med" len="med"/>
-          </a:ln>
-        </p:spPr>
-        <p:style>
-          <a:lnRef idx="0">
-            <a:scrgbClr r="0" g="0" b="0"/>
-          </a:lnRef>
-          <a:fillRef idx="0">
-            <a:scrgbClr r="0" g="0" b="0"/>
-          </a:fillRef>
-          <a:effectRef idx="0">
-            <a:scrgbClr r="0" g="0" b="0"/>
-          </a:effectRef>
-          <a:fontRef idx="minor">
-            <a:schemeClr val="tx1"/>
-          </a:fontRef>
-        </p:style>
-      </p:cxnSp>
-      <mc:AlternateContent xmlns:mc="http://schemas.openxmlformats.org/markup-compatibility/2006" xmlns:a14="http://schemas.microsoft.com/office/drawing/2010/main">
-        <mc:Choice Requires="a14">
-          <p:sp>
-            <p:nvSpPr>
-              <p:cNvPr id="57" name="Rectangle 56"/>
-              <p:cNvSpPr/>
-              <p:nvPr/>
-            </p:nvSpPr>
-            <p:spPr>
-              <a:xfrm>
-                <a:off x="9437915" y="3177552"/>
-                <a:ext cx="1912654" cy="552450"/>
-              </a:xfrm>
-              <a:prstGeom prst="rect">
-                <a:avLst/>
-              </a:prstGeom>
-            </p:spPr>
-            <p:style>
-              <a:lnRef idx="2">
-                <a:schemeClr val="accent3">
-                  <a:shade val="50000"/>
-                </a:schemeClr>
-              </a:lnRef>
-              <a:fillRef idx="1">
-                <a:schemeClr val="accent3"/>
-              </a:fillRef>
-              <a:effectRef idx="0">
-                <a:schemeClr val="accent3"/>
-              </a:effectRef>
-              <a:fontRef idx="minor">
-                <a:schemeClr val="lt1"/>
-              </a:fontRef>
-            </p:style>
-            <p:txBody>
-              <a:bodyPr rtlCol="0" anchor="ctr"/>
-              <a:lstStyle/>
-              <a:p>
-                <a:pPr algn="ctr"/>
-                <a:r>
-                  <a:rPr lang="en-US" sz="1200" b="0" dirty="0" smtClean="0"/>
-                  <a:t>Reward function </a:t>
-                </a:r>
-                <a14:m>
-                  <m:oMath xmlns:m="http://schemas.openxmlformats.org/officeDocument/2006/math">
-                    <m:r>
-                      <m:rPr>
-                        <m:sty m:val="p"/>
-                      </m:rPr>
-                      <a:rPr lang="en-US" sz="1200" b="0" i="0" dirty="0" smtClean="0">
-                        <a:latin typeface="Cambria Math" panose="02040503050406030204" pitchFamily="18" charset="0"/>
-                      </a:rPr>
-                      <m:t>R</m:t>
-                    </m:r>
-                    <m:d>
-                      <m:dPr>
-                        <m:ctrlPr>
-                          <a:rPr lang="en-US" sz="1200" b="0" i="1" dirty="0" smtClean="0">
-                            <a:latin typeface="Cambria Math" panose="02040503050406030204" pitchFamily="18" charset="0"/>
-                          </a:rPr>
-                        </m:ctrlPr>
-                      </m:dPr>
-                      <m:e>
-                        <m:r>
-                          <a:rPr lang="en-US" sz="1200" b="0" i="1" dirty="0" smtClean="0">
-                            <a:latin typeface="Cambria Math" panose="02040503050406030204" pitchFamily="18" charset="0"/>
-                          </a:rPr>
-                          <m:t>𝑀</m:t>
+                          <m:t>=</m:t>
                         </m:r>
                         <m:d>
                           <m:dPr>
+                            <m:begChr m:val="["/>
+                            <m:endChr m:val="]"/>
                             <m:ctrlPr>
-                              <a:rPr lang="en-US" sz="1200" b="0" i="1" dirty="0" smtClean="0">
+                              <a:rPr lang="en-US" sz="1100" b="0" i="1" smtClean="0">
                                 <a:latin typeface="Cambria Math" panose="02040503050406030204" pitchFamily="18" charset="0"/>
                               </a:rPr>
                             </m:ctrlPr>
@@ -4587,106 +5377,22 @@
                             <m:sSub>
                               <m:sSubPr>
                                 <m:ctrlPr>
-                                  <a:rPr lang="en-US" sz="1200" i="1" dirty="0">
+                                  <a:rPr lang="en-US" sz="1100" b="0" i="1" smtClean="0">
                                     <a:latin typeface="Cambria Math" panose="02040503050406030204" pitchFamily="18" charset="0"/>
                                   </a:rPr>
                                 </m:ctrlPr>
                               </m:sSubPr>
                               <m:e>
-                                <m:acc>
-                                  <m:accPr>
-                                    <m:chr m:val="̂"/>
-                                    <m:ctrlPr>
-                                      <a:rPr lang="en-US" sz="1200" i="1" dirty="0">
-                                        <a:latin typeface="Cambria Math" panose="02040503050406030204" pitchFamily="18" charset="0"/>
-                                      </a:rPr>
-                                    </m:ctrlPr>
-                                  </m:accPr>
-                                  <m:e>
-                                    <m:r>
-                                      <a:rPr lang="en-US" sz="1200" i="1" dirty="0">
-                                        <a:latin typeface="Cambria Math" panose="02040503050406030204" pitchFamily="18" charset="0"/>
-                                      </a:rPr>
-                                      <m:t>𝑦</m:t>
-                                    </m:r>
-                                  </m:e>
-                                </m:acc>
+                                <m:r>
+                                  <a:rPr lang="en-US" sz="1100" b="0" i="1" smtClean="0">
+                                    <a:latin typeface="Cambria Math" panose="02040503050406030204" pitchFamily="18" charset="0"/>
+                                  </a:rPr>
+                                  <m:t>𝑑</m:t>
+                                </m:r>
                               </m:e>
                               <m:sub>
                                 <m:r>
-                                  <a:rPr lang="en-US" sz="1200" b="0" i="1" dirty="0" smtClean="0">
-                                    <a:latin typeface="Cambria Math" panose="02040503050406030204" pitchFamily="18" charset="0"/>
-                                  </a:rPr>
-                                  <m:t>𝑟𝑙</m:t>
-                                </m:r>
-                              </m:sub>
-                            </m:sSub>
-                            <m:r>
-                              <a:rPr lang="en-US" sz="1200" b="0" i="1" dirty="0" smtClean="0">
-                                <a:latin typeface="Cambria Math" panose="02040503050406030204" pitchFamily="18" charset="0"/>
-                              </a:rPr>
-                              <m:t>,</m:t>
-                            </m:r>
-                            <m:r>
-                              <a:rPr lang="en-US" sz="1200" b="0" i="1" dirty="0" smtClean="0">
-                                <a:latin typeface="Cambria Math" panose="02040503050406030204" pitchFamily="18" charset="0"/>
-                              </a:rPr>
-                              <m:t>𝑦</m:t>
-                            </m:r>
-                          </m:e>
-                        </m:d>
-                        <m:r>
-                          <a:rPr lang="en-US" sz="1200" b="0" i="1" dirty="0" smtClean="0">
-                            <a:latin typeface="Cambria Math" panose="02040503050406030204" pitchFamily="18" charset="0"/>
-                          </a:rPr>
-                          <m:t>−</m:t>
-                        </m:r>
-                        <m:r>
-                          <a:rPr lang="en-US" sz="1200" b="0" i="1" dirty="0" smtClean="0">
-                            <a:latin typeface="Cambria Math" panose="02040503050406030204" pitchFamily="18" charset="0"/>
-                          </a:rPr>
-                          <m:t>𝑀</m:t>
-                        </m:r>
-                        <m:d>
-                          <m:dPr>
-                            <m:ctrlPr>
-                              <a:rPr lang="en-US" sz="1200" b="0" i="1" dirty="0" smtClean="0">
-                                <a:latin typeface="Cambria Math" panose="02040503050406030204" pitchFamily="18" charset="0"/>
-                              </a:rPr>
-                            </m:ctrlPr>
-                          </m:dPr>
-                          <m:e>
-                            <m:sSub>
-                              <m:sSubPr>
-                                <m:ctrlPr>
-                                  <a:rPr lang="en-US" sz="1200" i="1" dirty="0">
-                                    <a:latin typeface="Cambria Math" panose="02040503050406030204" pitchFamily="18" charset="0"/>
-                                  </a:rPr>
-                                </m:ctrlPr>
-                              </m:sSubPr>
-                              <m:e>
-                                <m:acc>
-                                  <m:accPr>
-                                    <m:chr m:val="̂"/>
-                                    <m:ctrlPr>
-                                      <a:rPr lang="en-US" sz="1200" i="1" dirty="0">
-                                        <a:latin typeface="Cambria Math" panose="02040503050406030204" pitchFamily="18" charset="0"/>
-                                      </a:rPr>
-                                    </m:ctrlPr>
-                                  </m:accPr>
-                                  <m:e>
-                                    <m:r>
-                                      <a:rPr lang="en-US" sz="1200" i="1" dirty="0">
-                                        <a:latin typeface="Cambria Math" panose="02040503050406030204" pitchFamily="18" charset="0"/>
-                                      </a:rPr>
-                                      <m:t>𝑦</m:t>
-                                    </m:r>
-                                  </m:e>
-                                </m:acc>
-                              </m:e>
-                              <m:sub>
-                                <m:r>
-                                  <a:rPr lang="en-US" sz="1200" i="1" dirty="0">
+                                  <a:rPr lang="en-US" sz="1100" b="0" i="1" smtClean="0">
                                     <a:latin typeface="Cambria Math" panose="02040503050406030204" pitchFamily="18" charset="0"/>
                                   </a:rPr>
                                   <m:t>0</m:t>
@@ -4694,897 +5400,351 @@
                               </m:sub>
                             </m:sSub>
                             <m:r>
-                              <a:rPr lang="en-US" sz="1200" b="0" i="1" dirty="0" smtClean="0">
+                              <a:rPr lang="en-US" sz="1100" b="0" i="1" smtClean="0">
                                 <a:latin typeface="Cambria Math" panose="02040503050406030204" pitchFamily="18" charset="0"/>
                               </a:rPr>
-                              <m:t>,</m:t>
+                              <m:t>,…,</m:t>
                             </m:r>
-                            <m:r>
-                              <a:rPr lang="en-US" sz="1200" b="0" i="1" dirty="0" smtClean="0">
-                                <a:latin typeface="Cambria Math" panose="02040503050406030204" pitchFamily="18" charset="0"/>
-                              </a:rPr>
-                              <m:t>𝑦</m:t>
-                            </m:r>
+                            <m:sSub>
+                              <m:sSubPr>
+                                <m:ctrlPr>
+                                  <a:rPr lang="en-US" sz="1100" b="0" i="1" smtClean="0">
+                                    <a:latin typeface="Cambria Math" panose="02040503050406030204" pitchFamily="18" charset="0"/>
+                                  </a:rPr>
+                                </m:ctrlPr>
+                              </m:sSubPr>
+                              <m:e>
+                                <m:r>
+                                  <a:rPr lang="en-US" sz="1100" b="0" i="1" smtClean="0">
+                                    <a:latin typeface="Cambria Math" panose="02040503050406030204" pitchFamily="18" charset="0"/>
+                                  </a:rPr>
+                                  <m:t>𝑑</m:t>
+                                </m:r>
+                              </m:e>
+                              <m:sub>
+                                <m:r>
+                                  <a:rPr lang="en-US" sz="1100" b="0" i="1" smtClean="0">
+                                    <a:latin typeface="Cambria Math" panose="02040503050406030204" pitchFamily="18" charset="0"/>
+                                  </a:rPr>
+                                  <m:t>𝑅</m:t>
+                                </m:r>
+                              </m:sub>
+                            </m:sSub>
                           </m:e>
                         </m:d>
-                      </m:e>
-                    </m:d>
-                  </m:oMath>
-                </a14:m>
-                <a:endParaRPr lang="en-US" sz="1200" dirty="0"/>
-              </a:p>
-            </p:txBody>
-          </p:sp>
-        </mc:Choice>
-        <mc:Fallback xmlns="">
-          <p:sp>
-            <p:nvSpPr>
-              <p:cNvPr id="57" name="Rectangle 56"/>
-              <p:cNvSpPr>
-                <a:spLocks noRot="1" noChangeAspect="1" noMove="1" noResize="1" noEditPoints="1" noAdjustHandles="1" noChangeArrowheads="1" noChangeShapeType="1" noTextEdit="1"/>
-              </p:cNvSpPr>
-              <p:nvPr/>
-            </p:nvSpPr>
-            <p:spPr>
-              <a:xfrm>
-                <a:off x="9437915" y="3177552"/>
-                <a:ext cx="1912654" cy="552450"/>
-              </a:xfrm>
-              <a:prstGeom prst="rect">
-                <a:avLst/>
-              </a:prstGeom>
-              <a:blipFill>
-                <a:blip r:embed="rId4"/>
-                <a:stretch>
-                  <a:fillRect/>
-                </a:stretch>
-              </a:blipFill>
-            </p:spPr>
-            <p:txBody>
-              <a:bodyPr/>
-              <a:lstStyle/>
-              <a:p>
-                <a:r>
-                  <a:rPr lang="en-US">
-                    <a:noFill/>
-                  </a:rPr>
-                  <a:t> </a:t>
-                </a:r>
-              </a:p>
-            </p:txBody>
-          </p:sp>
-        </mc:Fallback>
-      </mc:AlternateContent>
-      <p:cxnSp>
-        <p:nvCxnSpPr>
-          <p:cNvPr id="59" name="Elbow Connector 58"/>
-          <p:cNvCxnSpPr>
-            <a:stCxn id="40" idx="3"/>
-            <a:endCxn id="57" idx="0"/>
-          </p:cNvCxnSpPr>
-          <p:nvPr/>
-        </p:nvCxnSpPr>
-        <p:spPr>
-          <a:xfrm>
-            <a:off x="9721793" y="2498768"/>
-            <a:ext cx="672449" cy="678784"/>
-          </a:xfrm>
-          <a:prstGeom prst="bentConnector2">
-            <a:avLst/>
-          </a:prstGeom>
-          <a:ln w="9525" cap="flat" cmpd="sng" algn="ctr">
-            <a:solidFill>
-              <a:schemeClr val="dk1"/>
-            </a:solidFill>
-            <a:prstDash val="solid"/>
-            <a:round/>
-            <a:headEnd type="none" w="med" len="med"/>
-            <a:tailEnd type="arrow" w="med" len="med"/>
-          </a:ln>
-        </p:spPr>
-        <p:style>
-          <a:lnRef idx="0">
-            <a:scrgbClr r="0" g="0" b="0"/>
-          </a:lnRef>
-          <a:fillRef idx="0">
-            <a:scrgbClr r="0" g="0" b="0"/>
-          </a:fillRef>
-          <a:effectRef idx="0">
-            <a:scrgbClr r="0" g="0" b="0"/>
-          </a:effectRef>
-          <a:fontRef idx="minor">
-            <a:schemeClr val="tx1"/>
-          </a:fontRef>
-        </p:style>
-      </p:cxnSp>
-      <p:cxnSp>
-        <p:nvCxnSpPr>
-          <p:cNvPr id="61" name="Elbow Connector 60"/>
-          <p:cNvCxnSpPr>
-            <a:stCxn id="17" idx="3"/>
-            <a:endCxn id="57" idx="2"/>
-          </p:cNvCxnSpPr>
-          <p:nvPr/>
-        </p:nvCxnSpPr>
-        <p:spPr>
-          <a:xfrm flipV="1">
-            <a:off x="9721793" y="3730002"/>
-            <a:ext cx="672449" cy="1985199"/>
-          </a:xfrm>
-          <a:prstGeom prst="bentConnector2">
-            <a:avLst/>
-          </a:prstGeom>
-          <a:ln w="9525" cap="flat" cmpd="sng" algn="ctr">
-            <a:solidFill>
-              <a:schemeClr val="dk1"/>
-            </a:solidFill>
-            <a:prstDash val="solid"/>
-            <a:round/>
-            <a:headEnd type="none" w="med" len="med"/>
-            <a:tailEnd type="arrow" w="med" len="med"/>
-          </a:ln>
-        </p:spPr>
-        <p:style>
-          <a:lnRef idx="0">
-            <a:scrgbClr r="0" g="0" b="0"/>
-          </a:lnRef>
-          <a:fillRef idx="0">
-            <a:scrgbClr r="0" g="0" b="0"/>
-          </a:fillRef>
-          <a:effectRef idx="0">
-            <a:scrgbClr r="0" g="0" b="0"/>
-          </a:effectRef>
-          <a:fontRef idx="minor">
-            <a:schemeClr val="tx1"/>
-          </a:fontRef>
-        </p:style>
-      </p:cxnSp>
-      <mc:AlternateContent xmlns:mc="http://schemas.openxmlformats.org/markup-compatibility/2006">
-        <mc:Choice xmlns:a14="http://schemas.microsoft.com/office/drawing/2010/main" Requires="a14">
-          <p:sp>
-            <p:nvSpPr>
-              <p:cNvPr id="64" name="Rectangle 63"/>
-              <p:cNvSpPr/>
-              <p:nvPr/>
-            </p:nvSpPr>
-            <p:spPr>
-              <a:xfrm>
-                <a:off x="4397829" y="226590"/>
-                <a:ext cx="1091962" cy="351576"/>
-              </a:xfrm>
-              <a:prstGeom prst="rect">
-                <a:avLst/>
-              </a:prstGeom>
-            </p:spPr>
-            <p:style>
-              <a:lnRef idx="2">
-                <a:schemeClr val="accent3">
-                  <a:shade val="50000"/>
-                </a:schemeClr>
-              </a:lnRef>
-              <a:fillRef idx="1">
-                <a:schemeClr val="accent3"/>
-              </a:fillRef>
-              <a:effectRef idx="0">
-                <a:schemeClr val="accent3"/>
-              </a:effectRef>
-              <a:fontRef idx="minor">
-                <a:schemeClr val="lt1"/>
-              </a:fontRef>
-            </p:style>
-            <p:txBody>
-              <a:bodyPr rtlCol="0" anchor="ctr"/>
-              <a:lstStyle/>
-              <a:p>
-                <a:pPr algn="ctr"/>
-                <a14:m>
-                  <m:oMathPara xmlns:m="http://schemas.openxmlformats.org/officeDocument/2006/math">
-                    <m:oMathParaPr>
-                      <m:jc m:val="centerGroup"/>
-                    </m:oMathParaPr>
-                    <m:oMath xmlns:m="http://schemas.openxmlformats.org/officeDocument/2006/math">
-                      <m:sSub>
-                        <m:sSubPr>
-                          <m:ctrlPr>
-                            <a:rPr lang="en-US" sz="1200" b="0" i="1" smtClean="0">
-                              <a:latin typeface="Cambria Math" panose="02040503050406030204" pitchFamily="18" charset="0"/>
-                            </a:rPr>
-                          </m:ctrlPr>
-                        </m:sSubPr>
-                        <m:e>
-                          <m:r>
-                            <a:rPr lang="en-US" sz="1200" b="0" i="1" smtClean="0">
-                              <a:latin typeface="Cambria Math" panose="02040503050406030204" pitchFamily="18" charset="0"/>
-                            </a:rPr>
-                            <m:t>𝐷</m:t>
-                          </m:r>
-                        </m:e>
-                        <m:sub>
-                          <m:r>
-                            <a:rPr lang="en-US" sz="1200" b="0" i="1" smtClean="0">
-                              <a:latin typeface="Cambria Math" panose="02040503050406030204" pitchFamily="18" charset="0"/>
-                            </a:rPr>
-                            <m:t>0</m:t>
-                          </m:r>
-                        </m:sub>
-                      </m:sSub>
-                      <m:r>
-                        <a:rPr lang="en-US" sz="1200" b="0" i="1" smtClean="0">
-                          <a:latin typeface="Cambria Math" panose="02040503050406030204" pitchFamily="18" charset="0"/>
-                        </a:rPr>
-                        <m:t>=</m:t>
-                      </m:r>
-                      <m:r>
-                        <a:rPr lang="en-US" sz="1200" b="0" i="1" smtClean="0">
-                          <a:latin typeface="Cambria Math" panose="02040503050406030204" pitchFamily="18" charset="0"/>
-                        </a:rPr>
-                        <m:t>[0,…,0]</m:t>
-                      </m:r>
-                    </m:oMath>
-                  </m:oMathPara>
-                </a14:m>
-                <a:endParaRPr lang="en-US" sz="1200" dirty="0"/>
-              </a:p>
-            </p:txBody>
-          </p:sp>
-        </mc:Choice>
-        <mc:Fallback>
-          <p:sp>
-            <p:nvSpPr>
-              <p:cNvPr id="64" name="Rectangle 63"/>
-              <p:cNvSpPr>
-                <a:spLocks noRot="1" noChangeAspect="1" noMove="1" noResize="1" noEditPoints="1" noAdjustHandles="1" noChangeArrowheads="1" noChangeShapeType="1" noTextEdit="1"/>
-              </p:cNvSpPr>
-              <p:nvPr/>
-            </p:nvSpPr>
-            <p:spPr>
-              <a:xfrm>
-                <a:off x="4397829" y="226590"/>
-                <a:ext cx="1091962" cy="351576"/>
-              </a:xfrm>
-              <a:prstGeom prst="rect">
-                <a:avLst/>
-              </a:prstGeom>
-              <a:blipFill>
-                <a:blip r:embed="rId5"/>
-                <a:stretch>
-                  <a:fillRect/>
-                </a:stretch>
-              </a:blipFill>
-            </p:spPr>
-            <p:txBody>
-              <a:bodyPr/>
-              <a:lstStyle/>
-              <a:p>
-                <a:r>
-                  <a:rPr lang="en-US">
-                    <a:noFill/>
-                  </a:rPr>
-                  <a:t> </a:t>
-                </a:r>
-              </a:p>
-            </p:txBody>
-          </p:sp>
-        </mc:Fallback>
-      </mc:AlternateContent>
-      <p:cxnSp>
-        <p:nvCxnSpPr>
-          <p:cNvPr id="66" name="Elbow Connector 65"/>
-          <p:cNvCxnSpPr>
-            <a:stCxn id="64" idx="3"/>
-            <a:endCxn id="37" idx="1"/>
-          </p:cNvCxnSpPr>
-          <p:nvPr/>
-        </p:nvCxnSpPr>
-        <p:spPr>
-          <a:xfrm>
-            <a:off x="5489791" y="402378"/>
-            <a:ext cx="951676" cy="2102623"/>
-          </a:xfrm>
-          <a:prstGeom prst="bentConnector3">
-            <a:avLst>
-              <a:gd name="adj1" fmla="val 50000"/>
-            </a:avLst>
-          </a:prstGeom>
-          <a:ln w="9525" cap="flat" cmpd="sng" algn="ctr">
-            <a:solidFill>
-              <a:schemeClr val="dk1"/>
-            </a:solidFill>
-            <a:prstDash val="solid"/>
-            <a:round/>
-            <a:headEnd type="none" w="med" len="med"/>
-            <a:tailEnd type="arrow" w="med" len="med"/>
-          </a:ln>
-        </p:spPr>
-        <p:style>
-          <a:lnRef idx="0">
-            <a:scrgbClr r="0" g="0" b="0"/>
-          </a:lnRef>
-          <a:fillRef idx="0">
-            <a:scrgbClr r="0" g="0" b="0"/>
-          </a:fillRef>
-          <a:effectRef idx="0">
-            <a:scrgbClr r="0" g="0" b="0"/>
-          </a:effectRef>
-          <a:fontRef idx="minor">
-            <a:schemeClr val="tx1"/>
-          </a:fontRef>
-        </p:style>
-      </p:cxnSp>
-      <p:cxnSp>
-        <p:nvCxnSpPr>
-          <p:cNvPr id="74" name="Elbow Connector 73"/>
-          <p:cNvCxnSpPr>
-            <a:stCxn id="64" idx="3"/>
-            <a:endCxn id="38" idx="0"/>
-          </p:cNvCxnSpPr>
-          <p:nvPr/>
-        </p:nvCxnSpPr>
-        <p:spPr>
-          <a:xfrm>
-            <a:off x="5489791" y="402378"/>
-            <a:ext cx="1212833" cy="1001192"/>
-          </a:xfrm>
-          <a:prstGeom prst="bentConnector3">
-            <a:avLst>
-              <a:gd name="adj1" fmla="val 50000"/>
-            </a:avLst>
-          </a:prstGeom>
-          <a:ln w="9525" cap="flat" cmpd="sng" algn="ctr">
-            <a:solidFill>
-              <a:schemeClr val="dk1"/>
-            </a:solidFill>
-            <a:prstDash val="solid"/>
-            <a:round/>
-            <a:headEnd type="none" w="med" len="med"/>
-            <a:tailEnd type="arrow" w="med" len="med"/>
-          </a:ln>
-        </p:spPr>
-        <p:style>
-          <a:lnRef idx="0">
-            <a:scrgbClr r="0" g="0" b="0"/>
-          </a:lnRef>
-          <a:fillRef idx="0">
-            <a:scrgbClr r="0" g="0" b="0"/>
-          </a:fillRef>
-          <a:effectRef idx="0">
-            <a:scrgbClr r="0" g="0" b="0"/>
-          </a:effectRef>
-          <a:fontRef idx="minor">
-            <a:schemeClr val="tx1"/>
-          </a:fontRef>
-        </p:style>
-      </p:cxnSp>
-      <p:sp>
-        <p:nvSpPr>
-          <p:cNvPr id="78" name="Rectangle 77"/>
-          <p:cNvSpPr/>
-          <p:nvPr/>
-        </p:nvSpPr>
-        <p:spPr>
-          <a:xfrm>
-            <a:off x="3846986" y="7256254"/>
-            <a:ext cx="1611127" cy="516146"/>
-          </a:xfrm>
-          <a:prstGeom prst="rect">
-            <a:avLst/>
-          </a:prstGeom>
-        </p:spPr>
-        <p:style>
-          <a:lnRef idx="2">
-            <a:schemeClr val="accent3">
-              <a:shade val="50000"/>
-            </a:schemeClr>
-          </a:lnRef>
-          <a:fillRef idx="1">
-            <a:schemeClr val="accent3"/>
-          </a:fillRef>
-          <a:effectRef idx="0">
-            <a:schemeClr val="accent3"/>
-          </a:effectRef>
-          <a:fontRef idx="minor">
-            <a:schemeClr val="lt1"/>
-          </a:fontRef>
-        </p:style>
-        <p:txBody>
-          <a:bodyPr rtlCol="0" anchor="ctr"/>
-          <a:lstStyle/>
-          <a:p>
-            <a:pPr algn="ctr"/>
-            <a:r>
-              <a:rPr lang="en-US" sz="1200" dirty="0" smtClean="0"/>
-              <a:t>RL Agent</a:t>
-            </a:r>
-          </a:p>
-        </p:txBody>
-      </p:sp>
-      <p:cxnSp>
-        <p:nvCxnSpPr>
-          <p:cNvPr id="80" name="Elbow Connector 79"/>
-          <p:cNvCxnSpPr>
-            <a:stCxn id="57" idx="3"/>
-            <a:endCxn id="78" idx="3"/>
-          </p:cNvCxnSpPr>
-          <p:nvPr/>
-        </p:nvCxnSpPr>
-        <p:spPr>
-          <a:xfrm flipH="1">
-            <a:off x="5458113" y="3453777"/>
-            <a:ext cx="5892456" cy="4060550"/>
-          </a:xfrm>
-          <a:prstGeom prst="bentConnector3">
-            <a:avLst>
-              <a:gd name="adj1" fmla="val -3880"/>
-            </a:avLst>
-          </a:prstGeom>
-          <a:ln w="9525" cap="flat" cmpd="sng" algn="ctr">
-            <a:solidFill>
-              <a:schemeClr val="dk1"/>
-            </a:solidFill>
-            <a:prstDash val="solid"/>
-            <a:round/>
-            <a:headEnd type="none" w="med" len="med"/>
-            <a:tailEnd type="arrow" w="med" len="med"/>
-          </a:ln>
-        </p:spPr>
-        <p:style>
-          <a:lnRef idx="0">
-            <a:scrgbClr r="0" g="0" b="0"/>
-          </a:lnRef>
-          <a:fillRef idx="0">
-            <a:scrgbClr r="0" g="0" b="0"/>
-          </a:fillRef>
-          <a:effectRef idx="0">
-            <a:scrgbClr r="0" g="0" b="0"/>
-          </a:effectRef>
-          <a:fontRef idx="minor">
-            <a:schemeClr val="tx1"/>
-          </a:fontRef>
-        </p:style>
-      </p:cxnSp>
-      <mc:AlternateContent xmlns:mc="http://schemas.openxmlformats.org/markup-compatibility/2006">
-        <mc:Choice xmlns:a14="http://schemas.microsoft.com/office/drawing/2010/main" Requires="a14">
-          <p:sp>
-            <p:nvSpPr>
-              <p:cNvPr id="84" name="Rectangle 83"/>
-              <p:cNvSpPr/>
-              <p:nvPr/>
-            </p:nvSpPr>
-            <p:spPr>
-              <a:xfrm>
-                <a:off x="3846987" y="6341856"/>
-                <a:ext cx="1642804" cy="516146"/>
-              </a:xfrm>
-              <a:prstGeom prst="rect">
-                <a:avLst/>
-              </a:prstGeom>
-            </p:spPr>
-            <p:style>
-              <a:lnRef idx="2">
-                <a:schemeClr val="accent3">
-                  <a:shade val="50000"/>
-                </a:schemeClr>
-              </a:lnRef>
-              <a:fillRef idx="1">
-                <a:schemeClr val="accent3"/>
-              </a:fillRef>
-              <a:effectRef idx="0">
-                <a:schemeClr val="accent3"/>
-              </a:effectRef>
-              <a:fontRef idx="minor">
-                <a:schemeClr val="lt1"/>
-              </a:fontRef>
-            </p:style>
-            <p:txBody>
-              <a:bodyPr rtlCol="0" anchor="ctr"/>
-              <a:lstStyle/>
-              <a:p>
-                <a:pPr algn="ctr"/>
-                <a:r>
-                  <a:rPr lang="en-US" sz="1200" dirty="0" smtClean="0"/>
-                  <a:t>Domain Embedding</a:t>
-                </a:r>
-              </a:p>
-              <a:p>
-                <a:pPr algn="ctr"/>
-                <a14:m>
-                  <m:oMathPara xmlns:m="http://schemas.openxmlformats.org/officeDocument/2006/math">
-                    <m:oMathParaPr>
-                      <m:jc m:val="centerGroup"/>
-                    </m:oMathParaPr>
-                    <m:oMath xmlns:m="http://schemas.openxmlformats.org/officeDocument/2006/math">
-                      <m:sSub>
-                        <m:sSubPr>
-                          <m:ctrlPr>
-                            <a:rPr lang="en-US" sz="1200" b="0" i="1" smtClean="0">
-                              <a:latin typeface="Cambria Math" panose="02040503050406030204" pitchFamily="18" charset="0"/>
-                            </a:rPr>
-                          </m:ctrlPr>
-                        </m:sSubPr>
-                        <m:e>
-                          <m:r>
-                            <a:rPr lang="en-US" sz="1200" b="0" i="1" smtClean="0">
-                              <a:latin typeface="Cambria Math" panose="02040503050406030204" pitchFamily="18" charset="0"/>
-                            </a:rPr>
-                            <m:t>𝐷</m:t>
-                          </m:r>
-                        </m:e>
-                        <m:sub>
-                          <m:r>
-                            <a:rPr lang="en-US" sz="1200" b="0" i="1" smtClean="0">
-                              <a:latin typeface="Cambria Math" panose="02040503050406030204" pitchFamily="18" charset="0"/>
-                            </a:rPr>
-                            <m:t>𝑟</m:t>
-                          </m:r>
-                        </m:sub>
-                      </m:sSub>
-                      <m:r>
-                        <a:rPr lang="en-US" sz="1200" b="0" i="1" smtClean="0">
-                          <a:latin typeface="Cambria Math" panose="02040503050406030204" pitchFamily="18" charset="0"/>
-                        </a:rPr>
-                        <m:t>=</m:t>
-                      </m:r>
-                      <m:d>
-                        <m:dPr>
-                          <m:begChr m:val="["/>
-                          <m:endChr m:val="]"/>
-                          <m:ctrlPr>
-                            <a:rPr lang="en-US" sz="1200" b="0" i="1" smtClean="0">
-                              <a:latin typeface="Cambria Math" panose="02040503050406030204" pitchFamily="18" charset="0"/>
-                            </a:rPr>
-                          </m:ctrlPr>
-                        </m:dPr>
-                        <m:e>
-                          <m:sSub>
-                            <m:sSubPr>
-                              <m:ctrlPr>
-                                <a:rPr lang="en-US" sz="1200" b="0" i="1" smtClean="0">
-                                  <a:latin typeface="Cambria Math" panose="02040503050406030204" pitchFamily="18" charset="0"/>
-                                </a:rPr>
-                              </m:ctrlPr>
-                            </m:sSubPr>
-                            <m:e>
-                              <m:r>
-                                <a:rPr lang="en-US" sz="1200" b="0" i="1" smtClean="0">
-                                  <a:latin typeface="Cambria Math" panose="02040503050406030204" pitchFamily="18" charset="0"/>
-                                </a:rPr>
-                                <m:t>𝑑</m:t>
-                              </m:r>
-                            </m:e>
-                            <m:sub>
-                              <m:r>
-                                <a:rPr lang="en-US" sz="1200" b="0" i="1" smtClean="0">
-                                  <a:latin typeface="Cambria Math" panose="02040503050406030204" pitchFamily="18" charset="0"/>
-                                </a:rPr>
-                                <m:t>0</m:t>
-                              </m:r>
-                            </m:sub>
-                          </m:sSub>
-                          <m:r>
-                            <a:rPr lang="en-US" sz="1200" b="0" i="1" smtClean="0">
-                              <a:latin typeface="Cambria Math" panose="02040503050406030204" pitchFamily="18" charset="0"/>
-                            </a:rPr>
-                            <m:t>,…,</m:t>
-                          </m:r>
-                          <m:sSub>
-                            <m:sSubPr>
-                              <m:ctrlPr>
-                                <a:rPr lang="en-US" sz="1200" b="0" i="1" smtClean="0">
-                                  <a:latin typeface="Cambria Math" panose="02040503050406030204" pitchFamily="18" charset="0"/>
-                                </a:rPr>
-                              </m:ctrlPr>
-                            </m:sSubPr>
-                            <m:e>
-                              <m:r>
-                                <a:rPr lang="en-US" sz="1200" b="0" i="1" smtClean="0">
-                                  <a:latin typeface="Cambria Math" panose="02040503050406030204" pitchFamily="18" charset="0"/>
-                                </a:rPr>
-                                <m:t>𝑑</m:t>
-                              </m:r>
-                            </m:e>
-                            <m:sub>
-                              <m:r>
-                                <a:rPr lang="en-US" sz="1200" b="0" i="1" smtClean="0">
-                                  <a:latin typeface="Cambria Math" panose="02040503050406030204" pitchFamily="18" charset="0"/>
-                                </a:rPr>
-                                <m:t>𝑅</m:t>
-                              </m:r>
-                            </m:sub>
-                          </m:sSub>
-                        </m:e>
-                      </m:d>
-                    </m:oMath>
-                  </m:oMathPara>
-                </a14:m>
-                <a:endParaRPr lang="en-US" sz="1200" dirty="0" smtClean="0"/>
-              </a:p>
-            </p:txBody>
-          </p:sp>
-        </mc:Choice>
-        <mc:Fallback>
-          <p:sp>
-            <p:nvSpPr>
-              <p:cNvPr id="84" name="Rectangle 83"/>
-              <p:cNvSpPr>
-                <a:spLocks noRot="1" noChangeAspect="1" noMove="1" noResize="1" noEditPoints="1" noAdjustHandles="1" noChangeArrowheads="1" noChangeShapeType="1" noTextEdit="1"/>
-              </p:cNvSpPr>
-              <p:nvPr/>
-            </p:nvSpPr>
-            <p:spPr>
-              <a:xfrm>
-                <a:off x="3846987" y="6341856"/>
-                <a:ext cx="1642804" cy="516146"/>
-              </a:xfrm>
-              <a:prstGeom prst="rect">
-                <a:avLst/>
-              </a:prstGeom>
-              <a:blipFill>
-                <a:blip r:embed="rId6"/>
-                <a:stretch>
-                  <a:fillRect/>
-                </a:stretch>
-              </a:blipFill>
-            </p:spPr>
-            <p:txBody>
-              <a:bodyPr/>
-              <a:lstStyle/>
-              <a:p>
-                <a:r>
-                  <a:rPr lang="en-US">
-                    <a:noFill/>
-                  </a:rPr>
-                  <a:t> </a:t>
-                </a:r>
-              </a:p>
-            </p:txBody>
-          </p:sp>
-        </mc:Fallback>
-      </mc:AlternateContent>
-      <p:cxnSp>
-        <p:nvCxnSpPr>
-          <p:cNvPr id="88" name="Elbow Connector 87"/>
-          <p:cNvCxnSpPr>
-            <a:stCxn id="7" idx="0"/>
-            <a:endCxn id="78" idx="3"/>
-          </p:cNvCxnSpPr>
-          <p:nvPr/>
-        </p:nvCxnSpPr>
-        <p:spPr>
-          <a:xfrm flipH="1">
-            <a:off x="5458113" y="3466245"/>
-            <a:ext cx="375075" cy="4048082"/>
-          </a:xfrm>
-          <a:prstGeom prst="bentConnector3">
-            <a:avLst>
-              <a:gd name="adj1" fmla="val -71315"/>
-            </a:avLst>
-          </a:prstGeom>
-          <a:ln w="9525" cap="flat" cmpd="sng" algn="ctr">
-            <a:solidFill>
-              <a:schemeClr val="dk1"/>
-            </a:solidFill>
-            <a:prstDash val="solid"/>
-            <a:round/>
-            <a:headEnd type="none" w="med" len="med"/>
-            <a:tailEnd type="arrow" w="med" len="med"/>
-          </a:ln>
-        </p:spPr>
-        <p:style>
-          <a:lnRef idx="0">
-            <a:scrgbClr r="0" g="0" b="0"/>
-          </a:lnRef>
-          <a:fillRef idx="0">
-            <a:scrgbClr r="0" g="0" b="0"/>
-          </a:fillRef>
-          <a:effectRef idx="0">
-            <a:scrgbClr r="0" g="0" b="0"/>
-          </a:effectRef>
-          <a:fontRef idx="minor">
-            <a:schemeClr val="tx1"/>
-          </a:fontRef>
-        </p:style>
-      </p:cxnSp>
-      <p:sp>
-        <p:nvSpPr>
-          <p:cNvPr id="92" name="TextBox 91"/>
-          <p:cNvSpPr txBox="1"/>
-          <p:nvPr/>
-        </p:nvSpPr>
-        <p:spPr>
-          <a:xfrm>
-            <a:off x="6096207" y="6810398"/>
-            <a:ext cx="1539737" cy="646331"/>
-          </a:xfrm>
-          <a:prstGeom prst="rect">
-            <a:avLst/>
-          </a:prstGeom>
-          <a:noFill/>
-        </p:spPr>
-        <p:txBody>
-          <a:bodyPr wrap="square" rtlCol="0">
-            <a:spAutoFit/>
-          </a:bodyPr>
-          <a:lstStyle/>
-          <a:p>
-            <a:r>
-              <a:rPr lang="en-US" sz="1200" dirty="0" smtClean="0"/>
-              <a:t>Signal latent representation used as state observation</a:t>
-            </a:r>
-            <a:endParaRPr lang="en-US" sz="1200" dirty="0"/>
-          </a:p>
-        </p:txBody>
-      </p:sp>
-      <p:cxnSp>
-        <p:nvCxnSpPr>
-          <p:cNvPr id="94" name="Elbow Connector 93"/>
-          <p:cNvCxnSpPr>
-            <a:stCxn id="78" idx="1"/>
-            <a:endCxn id="84" idx="1"/>
-          </p:cNvCxnSpPr>
-          <p:nvPr/>
-        </p:nvCxnSpPr>
-        <p:spPr>
-          <a:xfrm rot="10800000" flipH="1">
-            <a:off x="3846985" y="6599929"/>
-            <a:ext cx="1" cy="914398"/>
-          </a:xfrm>
-          <a:prstGeom prst="bentConnector3">
-            <a:avLst>
-              <a:gd name="adj1" fmla="val -22860000000"/>
-            </a:avLst>
-          </a:prstGeom>
-          <a:ln w="9525" cap="flat" cmpd="sng" algn="ctr">
-            <a:solidFill>
-              <a:schemeClr val="dk1"/>
-            </a:solidFill>
-            <a:prstDash val="solid"/>
-            <a:round/>
-            <a:headEnd type="none" w="med" len="med"/>
-            <a:tailEnd type="arrow" w="med" len="med"/>
-          </a:ln>
-        </p:spPr>
-        <p:style>
-          <a:lnRef idx="0">
-            <a:scrgbClr r="0" g="0" b="0"/>
-          </a:lnRef>
-          <a:fillRef idx="0">
-            <a:scrgbClr r="0" g="0" b="0"/>
-          </a:fillRef>
-          <a:effectRef idx="0">
-            <a:scrgbClr r="0" g="0" b="0"/>
-          </a:effectRef>
-          <a:fontRef idx="minor">
-            <a:schemeClr val="tx1"/>
-          </a:fontRef>
-        </p:style>
-      </p:cxnSp>
-      <p:sp>
-        <p:nvSpPr>
-          <p:cNvPr id="95" name="TextBox 94"/>
-          <p:cNvSpPr txBox="1"/>
-          <p:nvPr/>
-        </p:nvSpPr>
-        <p:spPr>
-          <a:xfrm>
-            <a:off x="1815988" y="6733962"/>
-            <a:ext cx="1773845" cy="646331"/>
-          </a:xfrm>
-          <a:prstGeom prst="rect">
-            <a:avLst/>
-          </a:prstGeom>
-          <a:noFill/>
-        </p:spPr>
-        <p:txBody>
-          <a:bodyPr wrap="square" rtlCol="0">
-            <a:spAutoFit/>
-          </a:bodyPr>
-          <a:lstStyle/>
-          <a:p>
-            <a:pPr algn="r"/>
-            <a:r>
-              <a:rPr lang="en-US" sz="1200" dirty="0" smtClean="0"/>
-              <a:t>RL Agent produces the </a:t>
-            </a:r>
-            <a:r>
-              <a:rPr lang="en-US" sz="1200" smtClean="0"/>
-              <a:t>Domain Embedding </a:t>
-            </a:r>
-            <a:r>
-              <a:rPr lang="en-US" sz="1200" dirty="0" smtClean="0"/>
-              <a:t>as its action</a:t>
-            </a:r>
-            <a:endParaRPr lang="en-US" sz="1200" dirty="0"/>
-          </a:p>
-        </p:txBody>
-      </p:sp>
-      <p:cxnSp>
-        <p:nvCxnSpPr>
-          <p:cNvPr id="97" name="Elbow Connector 96"/>
-          <p:cNvCxnSpPr>
-            <a:stCxn id="84" idx="3"/>
-            <a:endCxn id="13" idx="1"/>
-          </p:cNvCxnSpPr>
-          <p:nvPr/>
-        </p:nvCxnSpPr>
-        <p:spPr>
-          <a:xfrm flipV="1">
-            <a:off x="5489791" y="5721434"/>
-            <a:ext cx="951676" cy="878495"/>
-          </a:xfrm>
-          <a:prstGeom prst="bentConnector3">
-            <a:avLst>
-              <a:gd name="adj1" fmla="val 26563"/>
-            </a:avLst>
-          </a:prstGeom>
-          <a:ln w="9525" cap="flat" cmpd="sng" algn="ctr">
-            <a:solidFill>
-              <a:schemeClr val="dk1"/>
-            </a:solidFill>
-            <a:prstDash val="solid"/>
-            <a:round/>
-            <a:headEnd type="none" w="med" len="med"/>
-            <a:tailEnd type="arrow" w="med" len="med"/>
-          </a:ln>
-        </p:spPr>
-        <p:style>
-          <a:lnRef idx="0">
-            <a:scrgbClr r="0" g="0" b="0"/>
-          </a:lnRef>
-          <a:fillRef idx="0">
-            <a:scrgbClr r="0" g="0" b="0"/>
-          </a:fillRef>
-          <a:effectRef idx="0">
-            <a:scrgbClr r="0" g="0" b="0"/>
-          </a:effectRef>
-          <a:fontRef idx="minor">
-            <a:schemeClr val="tx1"/>
-          </a:fontRef>
-        </p:style>
-      </p:cxnSp>
-      <p:cxnSp>
-        <p:nvCxnSpPr>
-          <p:cNvPr id="101" name="Elbow Connector 100"/>
-          <p:cNvCxnSpPr>
-            <a:stCxn id="84" idx="3"/>
-            <a:endCxn id="14" idx="0"/>
-          </p:cNvCxnSpPr>
-          <p:nvPr/>
-        </p:nvCxnSpPr>
-        <p:spPr>
-          <a:xfrm flipV="1">
-            <a:off x="5489791" y="4620003"/>
-            <a:ext cx="1212833" cy="1979926"/>
-          </a:xfrm>
-          <a:prstGeom prst="bentConnector3">
-            <a:avLst>
-              <a:gd name="adj1" fmla="val 20680"/>
-            </a:avLst>
-          </a:prstGeom>
-          <a:ln w="9525" cap="flat" cmpd="sng" algn="ctr">
-            <a:solidFill>
-              <a:schemeClr val="dk1"/>
-            </a:solidFill>
-            <a:prstDash val="solid"/>
-            <a:round/>
-            <a:headEnd type="none" w="med" len="med"/>
-            <a:tailEnd type="arrow" w="med" len="med"/>
-          </a:ln>
-        </p:spPr>
-        <p:style>
-          <a:lnRef idx="0">
-            <a:scrgbClr r="0" g="0" b="0"/>
-          </a:lnRef>
-          <a:fillRef idx="0">
-            <a:scrgbClr r="0" g="0" b="0"/>
-          </a:fillRef>
-          <a:effectRef idx="0">
-            <a:scrgbClr r="0" g="0" b="0"/>
-          </a:effectRef>
-          <a:fontRef idx="minor">
-            <a:schemeClr val="tx1"/>
-          </a:fontRef>
-        </p:style>
-      </p:cxnSp>
+                      </m:oMath>
+                    </m:oMathPara>
+                  </a14:m>
+                  <a:endParaRPr lang="en-US" sz="1100" dirty="0">
+                    <a:latin typeface="Noto Sans" panose="020B0502040504020204" pitchFamily="34" charset="0"/>
+                    <a:ea typeface="Noto Sans" panose="020B0502040504020204" pitchFamily="34" charset="0"/>
+                    <a:cs typeface="Noto Sans" panose="020B0502040504020204" pitchFamily="34" charset="0"/>
+                  </a:endParaRPr>
+                </a:p>
+              </p:txBody>
+            </p:sp>
+          </mc:Choice>
+          <mc:Fallback>
+            <p:sp>
+              <p:nvSpPr>
+                <p:cNvPr id="84" name="Rectangle 83"/>
+                <p:cNvSpPr>
+                  <a:spLocks noRot="1" noChangeAspect="1" noMove="1" noResize="1" noEditPoints="1" noAdjustHandles="1" noChangeArrowheads="1" noChangeShapeType="1" noTextEdit="1"/>
+                </p:cNvSpPr>
+                <p:nvPr/>
+              </p:nvSpPr>
+              <p:spPr>
+                <a:xfrm>
+                  <a:off x="3846987" y="6132848"/>
+                  <a:ext cx="1642804" cy="516146"/>
+                </a:xfrm>
+                <a:prstGeom prst="rect">
+                  <a:avLst/>
+                </a:prstGeom>
+                <a:blipFill>
+                  <a:blip r:embed="rId6"/>
+                  <a:stretch>
+                    <a:fillRect/>
+                  </a:stretch>
+                </a:blipFill>
+              </p:spPr>
+              <p:txBody>
+                <a:bodyPr/>
+                <a:lstStyle/>
+                <a:p>
+                  <a:r>
+                    <a:rPr lang="en-US">
+                      <a:noFill/>
+                    </a:rPr>
+                    <a:t> </a:t>
+                  </a:r>
+                </a:p>
+              </p:txBody>
+            </p:sp>
+          </mc:Fallback>
+        </mc:AlternateContent>
+        <p:cxnSp>
+          <p:nvCxnSpPr>
+            <p:cNvPr id="88" name="Elbow Connector 87"/>
+            <p:cNvCxnSpPr>
+              <a:stCxn id="7" idx="0"/>
+              <a:endCxn id="78" idx="3"/>
+            </p:cNvCxnSpPr>
+            <p:nvPr/>
+          </p:nvCxnSpPr>
+          <p:spPr>
+            <a:xfrm flipH="1">
+              <a:off x="5458113" y="3466245"/>
+              <a:ext cx="375075" cy="3839074"/>
+            </a:xfrm>
+            <a:prstGeom prst="bentConnector3">
+              <a:avLst>
+                <a:gd name="adj1" fmla="val -70586"/>
+              </a:avLst>
+            </a:prstGeom>
+            <a:ln w="9525" cap="flat" cmpd="sng" algn="ctr">
+              <a:solidFill>
+                <a:schemeClr val="dk1"/>
+              </a:solidFill>
+              <a:prstDash val="solid"/>
+              <a:round/>
+              <a:headEnd type="none" w="med" len="med"/>
+              <a:tailEnd type="arrow" w="med" len="med"/>
+            </a:ln>
+          </p:spPr>
+          <p:style>
+            <a:lnRef idx="0">
+              <a:scrgbClr r="0" g="0" b="0"/>
+            </a:lnRef>
+            <a:fillRef idx="0">
+              <a:scrgbClr r="0" g="0" b="0"/>
+            </a:fillRef>
+            <a:effectRef idx="0">
+              <a:scrgbClr r="0" g="0" b="0"/>
+            </a:effectRef>
+            <a:fontRef idx="minor">
+              <a:schemeClr val="tx1"/>
+            </a:fontRef>
+          </p:style>
+        </p:cxnSp>
+        <p:sp>
+          <p:nvSpPr>
+            <p:cNvPr id="92" name="TextBox 91"/>
+            <p:cNvSpPr txBox="1"/>
+            <p:nvPr/>
+          </p:nvSpPr>
+          <p:spPr>
+            <a:xfrm>
+              <a:off x="6096207" y="6601390"/>
+              <a:ext cx="1539737" cy="600164"/>
+            </a:xfrm>
+            <a:prstGeom prst="rect">
+              <a:avLst/>
+            </a:prstGeom>
+            <a:noFill/>
+          </p:spPr>
+          <p:txBody>
+            <a:bodyPr wrap="square" rtlCol="0">
+              <a:spAutoFit/>
+            </a:bodyPr>
+            <a:lstStyle/>
+            <a:p>
+              <a:r>
+                <a:rPr lang="en-US" sz="1100" dirty="0">
+                  <a:latin typeface="Noto Sans" panose="020B0502040504020204" pitchFamily="34" charset="0"/>
+                  <a:ea typeface="Noto Sans" panose="020B0502040504020204" pitchFamily="34" charset="0"/>
+                  <a:cs typeface="Noto Sans" panose="020B0502040504020204" pitchFamily="34" charset="0"/>
+                </a:rPr>
+                <a:t>Signal latent representation used as state observation</a:t>
+              </a:r>
+            </a:p>
+          </p:txBody>
+        </p:sp>
+        <p:cxnSp>
+          <p:nvCxnSpPr>
+            <p:cNvPr id="94" name="Elbow Connector 93"/>
+            <p:cNvCxnSpPr>
+              <a:stCxn id="78" idx="1"/>
+              <a:endCxn id="84" idx="1"/>
+            </p:cNvCxnSpPr>
+            <p:nvPr/>
+          </p:nvCxnSpPr>
+          <p:spPr>
+            <a:xfrm rot="10800000" flipH="1">
+              <a:off x="3846985" y="6390921"/>
+              <a:ext cx="1" cy="914398"/>
+            </a:xfrm>
+            <a:prstGeom prst="bentConnector3">
+              <a:avLst>
+                <a:gd name="adj1" fmla="val -22860000000"/>
+              </a:avLst>
+            </a:prstGeom>
+            <a:ln w="9525" cap="flat" cmpd="sng" algn="ctr">
+              <a:solidFill>
+                <a:schemeClr val="dk1"/>
+              </a:solidFill>
+              <a:prstDash val="solid"/>
+              <a:round/>
+              <a:headEnd type="none" w="med" len="med"/>
+              <a:tailEnd type="arrow" w="med" len="med"/>
+            </a:ln>
+          </p:spPr>
+          <p:style>
+            <a:lnRef idx="0">
+              <a:scrgbClr r="0" g="0" b="0"/>
+            </a:lnRef>
+            <a:fillRef idx="0">
+              <a:scrgbClr r="0" g="0" b="0"/>
+            </a:fillRef>
+            <a:effectRef idx="0">
+              <a:scrgbClr r="0" g="0" b="0"/>
+            </a:effectRef>
+            <a:fontRef idx="minor">
+              <a:schemeClr val="tx1"/>
+            </a:fontRef>
+          </p:style>
+        </p:cxnSp>
+        <p:sp>
+          <p:nvSpPr>
+            <p:cNvPr id="95" name="TextBox 94"/>
+            <p:cNvSpPr txBox="1"/>
+            <p:nvPr/>
+          </p:nvSpPr>
+          <p:spPr>
+            <a:xfrm>
+              <a:off x="1815988" y="6524954"/>
+              <a:ext cx="1773845" cy="600164"/>
+            </a:xfrm>
+            <a:prstGeom prst="rect">
+              <a:avLst/>
+            </a:prstGeom>
+            <a:noFill/>
+          </p:spPr>
+          <p:txBody>
+            <a:bodyPr wrap="square" rtlCol="0">
+              <a:spAutoFit/>
+            </a:bodyPr>
+            <a:lstStyle/>
+            <a:p>
+              <a:pPr algn="r"/>
+              <a:r>
+                <a:rPr lang="en-US" sz="1100" dirty="0">
+                  <a:latin typeface="Noto Sans" panose="020B0502040504020204" pitchFamily="34" charset="0"/>
+                  <a:ea typeface="Noto Sans" panose="020B0502040504020204" pitchFamily="34" charset="0"/>
+                  <a:cs typeface="Noto Sans" panose="020B0502040504020204" pitchFamily="34" charset="0"/>
+                </a:rPr>
+                <a:t>RL Agent produces the </a:t>
+              </a:r>
+              <a:r>
+                <a:rPr lang="en-US" sz="1100">
+                  <a:latin typeface="Noto Sans" panose="020B0502040504020204" pitchFamily="34" charset="0"/>
+                  <a:ea typeface="Noto Sans" panose="020B0502040504020204" pitchFamily="34" charset="0"/>
+                  <a:cs typeface="Noto Sans" panose="020B0502040504020204" pitchFamily="34" charset="0"/>
+                </a:rPr>
+                <a:t>Domain Embedding </a:t>
+              </a:r>
+              <a:r>
+                <a:rPr lang="en-US" sz="1100" dirty="0">
+                  <a:latin typeface="Noto Sans" panose="020B0502040504020204" pitchFamily="34" charset="0"/>
+                  <a:ea typeface="Noto Sans" panose="020B0502040504020204" pitchFamily="34" charset="0"/>
+                  <a:cs typeface="Noto Sans" panose="020B0502040504020204" pitchFamily="34" charset="0"/>
+                </a:rPr>
+                <a:t>as its action</a:t>
+              </a:r>
+            </a:p>
+          </p:txBody>
+        </p:sp>
+        <p:cxnSp>
+          <p:nvCxnSpPr>
+            <p:cNvPr id="97" name="Elbow Connector 96"/>
+            <p:cNvCxnSpPr>
+              <a:cxnSpLocks/>
+              <a:stCxn id="84" idx="3"/>
+              <a:endCxn id="13" idx="1"/>
+            </p:cNvCxnSpPr>
+            <p:nvPr/>
+          </p:nvCxnSpPr>
+          <p:spPr>
+            <a:xfrm flipV="1">
+              <a:off x="5489791" y="5616930"/>
+              <a:ext cx="951676" cy="773991"/>
+            </a:xfrm>
+            <a:prstGeom prst="bentConnector3">
+              <a:avLst>
+                <a:gd name="adj1" fmla="val 50000"/>
+              </a:avLst>
+            </a:prstGeom>
+            <a:ln w="9525" cap="flat" cmpd="sng" algn="ctr">
+              <a:solidFill>
+                <a:schemeClr val="dk1"/>
+              </a:solidFill>
+              <a:prstDash val="solid"/>
+              <a:round/>
+              <a:headEnd type="none" w="med" len="med"/>
+              <a:tailEnd type="arrow" w="med" len="med"/>
+            </a:ln>
+          </p:spPr>
+          <p:style>
+            <a:lnRef idx="0">
+              <a:scrgbClr r="0" g="0" b="0"/>
+            </a:lnRef>
+            <a:fillRef idx="0">
+              <a:scrgbClr r="0" g="0" b="0"/>
+            </a:fillRef>
+            <a:effectRef idx="0">
+              <a:scrgbClr r="0" g="0" b="0"/>
+            </a:effectRef>
+            <a:fontRef idx="minor">
+              <a:schemeClr val="tx1"/>
+            </a:fontRef>
+          </p:style>
+        </p:cxnSp>
+        <p:cxnSp>
+          <p:nvCxnSpPr>
+            <p:cNvPr id="101" name="Elbow Connector 100"/>
+            <p:cNvCxnSpPr>
+              <a:cxnSpLocks/>
+              <a:stCxn id="84" idx="3"/>
+              <a:endCxn id="14" idx="0"/>
+            </p:cNvCxnSpPr>
+            <p:nvPr/>
+          </p:nvCxnSpPr>
+          <p:spPr>
+            <a:xfrm flipV="1">
+              <a:off x="5489791" y="4515499"/>
+              <a:ext cx="1212833" cy="1875422"/>
+            </a:xfrm>
+            <a:prstGeom prst="bentConnector3">
+              <a:avLst>
+                <a:gd name="adj1" fmla="val 39311"/>
+              </a:avLst>
+            </a:prstGeom>
+            <a:ln w="9525" cap="flat" cmpd="sng" algn="ctr">
+              <a:solidFill>
+                <a:schemeClr val="dk1"/>
+              </a:solidFill>
+              <a:prstDash val="solid"/>
+              <a:round/>
+              <a:headEnd type="none" w="med" len="med"/>
+              <a:tailEnd type="arrow" w="med" len="med"/>
+            </a:ln>
+          </p:spPr>
+          <p:style>
+            <a:lnRef idx="0">
+              <a:scrgbClr r="0" g="0" b="0"/>
+            </a:lnRef>
+            <a:fillRef idx="0">
+              <a:scrgbClr r="0" g="0" b="0"/>
+            </a:fillRef>
+            <a:effectRef idx="0">
+              <a:scrgbClr r="0" g="0" b="0"/>
+            </a:effectRef>
+            <a:fontRef idx="minor">
+              <a:schemeClr val="tx1"/>
+            </a:fontRef>
+          </p:style>
+        </p:cxnSp>
+      </p:grpSp>
     </p:spTree>
     <p:extLst>
       <p:ext uri="{BB962C8B-B14F-4D97-AF65-F5344CB8AC3E}">
